--- a/Presentation/PresentationIterations/v1/v1.pptx
+++ b/Presentation/PresentationIterations/v1/v1.pptx
@@ -4,6 +4,9 @@
   <p:sldMasterIdLst>
     <p:sldMasterId id="2147483648" r:id="rId1"/>
   </p:sldMasterIdLst>
+  <p:notesMasterIdLst>
+    <p:notesMasterId r:id="rId18"/>
+  </p:notesMasterIdLst>
   <p:sldIdLst>
     <p:sldId id="256" r:id="rId2"/>
     <p:sldId id="257" r:id="rId3"/>
@@ -15,19 +18,12 @@
     <p:sldId id="262" r:id="rId9"/>
     <p:sldId id="263" r:id="rId10"/>
     <p:sldId id="264" r:id="rId11"/>
-    <p:sldId id="265" r:id="rId12"/>
-    <p:sldId id="266" r:id="rId13"/>
-    <p:sldId id="267" r:id="rId14"/>
-    <p:sldId id="268" r:id="rId15"/>
-    <p:sldId id="269" r:id="rId16"/>
-    <p:sldId id="270" r:id="rId17"/>
-    <p:sldId id="271" r:id="rId18"/>
-    <p:sldId id="272" r:id="rId19"/>
-    <p:sldId id="273" r:id="rId20"/>
-    <p:sldId id="274" r:id="rId21"/>
-    <p:sldId id="275" r:id="rId22"/>
-    <p:sldId id="276" r:id="rId23"/>
-    <p:sldId id="277" r:id="rId24"/>
+    <p:sldId id="266" r:id="rId12"/>
+    <p:sldId id="267" r:id="rId13"/>
+    <p:sldId id="268" r:id="rId14"/>
+    <p:sldId id="269" r:id="rId15"/>
+    <p:sldId id="270" r:id="rId16"/>
+    <p:sldId id="265" r:id="rId17"/>
   </p:sldIdLst>
   <p:sldSz cx="12192000" cy="6858000"/>
   <p:notesSz cx="6858000" cy="9144000"/>
@@ -127,6 +123,1699 @@
     </a:lvl9pPr>
   </p:defaultTextStyle>
 </p:presentation>
+</file>
+
+<file path=ppt/notesMasters/notesMaster1.xml><?xml version="1.0" encoding="utf-8"?>
+<p:notesMaster xmlns:a="http://schemas.openxmlformats.org/drawingml/2006/main" xmlns:r="http://schemas.openxmlformats.org/officeDocument/2006/relationships" xmlns:p="http://schemas.openxmlformats.org/presentationml/2006/main">
+  <p:cSld>
+    <p:bg>
+      <p:bgRef idx="1001">
+        <a:schemeClr val="bg1"/>
+      </p:bgRef>
+    </p:bg>
+    <p:spTree>
+      <p:nvGrpSpPr>
+        <p:cNvPr id="1" name=""/>
+        <p:cNvGrpSpPr/>
+        <p:nvPr/>
+      </p:nvGrpSpPr>
+      <p:grpSpPr>
+        <a:xfrm>
+          <a:off x="0" y="0"/>
+          <a:ext cx="0" cy="0"/>
+          <a:chOff x="0" y="0"/>
+          <a:chExt cx="0" cy="0"/>
+        </a:xfrm>
+      </p:grpSpPr>
+      <p:sp>
+        <p:nvSpPr>
+          <p:cNvPr id="2" name="Header Placeholder 1"/>
+          <p:cNvSpPr>
+            <a:spLocks noGrp="1"/>
+          </p:cNvSpPr>
+          <p:nvPr>
+            <p:ph type="hdr" sz="quarter"/>
+          </p:nvPr>
+        </p:nvSpPr>
+        <p:spPr>
+          <a:xfrm>
+            <a:off x="0" y="1"/>
+            <a:ext cx="2971800" cy="458788"/>
+          </a:xfrm>
+          <a:prstGeom prst="rect">
+            <a:avLst/>
+          </a:prstGeom>
+        </p:spPr>
+        <p:txBody>
+          <a:bodyPr vert="horz" lIns="91440" tIns="45720" rIns="91440" bIns="45720" rtlCol="0"/>
+          <a:lstStyle>
+            <a:lvl1pPr algn="l">
+              <a:defRPr sz="1200"/>
+            </a:lvl1pPr>
+          </a:lstStyle>
+          <a:p>
+            <a:endParaRPr lang="en-US"/>
+          </a:p>
+        </p:txBody>
+      </p:sp>
+      <p:sp>
+        <p:nvSpPr>
+          <p:cNvPr id="3" name="Date Placeholder 2"/>
+          <p:cNvSpPr>
+            <a:spLocks noGrp="1"/>
+          </p:cNvSpPr>
+          <p:nvPr>
+            <p:ph type="dt" idx="1"/>
+          </p:nvPr>
+        </p:nvSpPr>
+        <p:spPr>
+          <a:xfrm>
+            <a:off x="3884613" y="1"/>
+            <a:ext cx="2971800" cy="458788"/>
+          </a:xfrm>
+          <a:prstGeom prst="rect">
+            <a:avLst/>
+          </a:prstGeom>
+        </p:spPr>
+        <p:txBody>
+          <a:bodyPr vert="horz" lIns="91440" tIns="45720" rIns="91440" bIns="45720" rtlCol="0"/>
+          <a:lstStyle>
+            <a:lvl1pPr algn="r">
+              <a:defRPr sz="1200"/>
+            </a:lvl1pPr>
+          </a:lstStyle>
+          <a:p>
+            <a:fld id="{72EED144-8BBD-F446-90B0-3CA0164AB9D8}" type="datetimeFigureOut">
+              <a:rPr lang="en-US" smtClean="0"/>
+              <a:t>4/15/20</a:t>
+            </a:fld>
+            <a:endParaRPr lang="en-US"/>
+          </a:p>
+        </p:txBody>
+      </p:sp>
+      <p:sp>
+        <p:nvSpPr>
+          <p:cNvPr id="4" name="Slide Image Placeholder 3"/>
+          <p:cNvSpPr>
+            <a:spLocks noGrp="1" noRot="1" noChangeAspect="1"/>
+          </p:cNvSpPr>
+          <p:nvPr>
+            <p:ph type="sldImg" idx="2"/>
+          </p:nvPr>
+        </p:nvSpPr>
+        <p:spPr>
+          <a:xfrm>
+            <a:off x="685800" y="1143000"/>
+            <a:ext cx="5486400" cy="3086100"/>
+          </a:xfrm>
+          <a:prstGeom prst="rect">
+            <a:avLst/>
+          </a:prstGeom>
+          <a:noFill/>
+          <a:ln w="12700">
+            <a:solidFill>
+              <a:prstClr val="black"/>
+            </a:solidFill>
+          </a:ln>
+        </p:spPr>
+        <p:txBody>
+          <a:bodyPr vert="horz" lIns="91440" tIns="45720" rIns="91440" bIns="45720" rtlCol="0" anchor="ctr"/>
+          <a:lstStyle/>
+          <a:p>
+            <a:endParaRPr lang="en-US"/>
+          </a:p>
+        </p:txBody>
+      </p:sp>
+      <p:sp>
+        <p:nvSpPr>
+          <p:cNvPr id="5" name="Notes Placeholder 4"/>
+          <p:cNvSpPr>
+            <a:spLocks noGrp="1"/>
+          </p:cNvSpPr>
+          <p:nvPr>
+            <p:ph type="body" sz="quarter" idx="3"/>
+          </p:nvPr>
+        </p:nvSpPr>
+        <p:spPr>
+          <a:xfrm>
+            <a:off x="685800" y="4400549"/>
+            <a:ext cx="5486400" cy="3600451"/>
+          </a:xfrm>
+          <a:prstGeom prst="rect">
+            <a:avLst/>
+          </a:prstGeom>
+        </p:spPr>
+        <p:txBody>
+          <a:bodyPr vert="horz" lIns="91440" tIns="45720" rIns="91440" bIns="45720" rtlCol="0"/>
+          <a:lstStyle/>
+          <a:p>
+            <a:pPr lvl="0"/>
+            <a:r>
+              <a:rPr lang="en-US"/>
+              <a:t>Click to edit Master text styles</a:t>
+            </a:r>
+          </a:p>
+          <a:p>
+            <a:pPr lvl="1"/>
+            <a:r>
+              <a:rPr lang="en-US"/>
+              <a:t>Second level</a:t>
+            </a:r>
+          </a:p>
+          <a:p>
+            <a:pPr lvl="2"/>
+            <a:r>
+              <a:rPr lang="en-US"/>
+              <a:t>Third level</a:t>
+            </a:r>
+          </a:p>
+          <a:p>
+            <a:pPr lvl="3"/>
+            <a:r>
+              <a:rPr lang="en-US"/>
+              <a:t>Fourth level</a:t>
+            </a:r>
+          </a:p>
+          <a:p>
+            <a:pPr lvl="4"/>
+            <a:r>
+              <a:rPr lang="en-US"/>
+              <a:t>Fifth level</a:t>
+            </a:r>
+          </a:p>
+        </p:txBody>
+      </p:sp>
+      <p:sp>
+        <p:nvSpPr>
+          <p:cNvPr id="6" name="Footer Placeholder 5"/>
+          <p:cNvSpPr>
+            <a:spLocks noGrp="1"/>
+          </p:cNvSpPr>
+          <p:nvPr>
+            <p:ph type="ftr" sz="quarter" idx="4"/>
+          </p:nvPr>
+        </p:nvSpPr>
+        <p:spPr>
+          <a:xfrm>
+            <a:off x="0" y="8685213"/>
+            <a:ext cx="2971800" cy="458787"/>
+          </a:xfrm>
+          <a:prstGeom prst="rect">
+            <a:avLst/>
+          </a:prstGeom>
+        </p:spPr>
+        <p:txBody>
+          <a:bodyPr vert="horz" lIns="91440" tIns="45720" rIns="91440" bIns="45720" rtlCol="0" anchor="b"/>
+          <a:lstStyle>
+            <a:lvl1pPr algn="l">
+              <a:defRPr sz="1200"/>
+            </a:lvl1pPr>
+          </a:lstStyle>
+          <a:p>
+            <a:endParaRPr lang="en-US"/>
+          </a:p>
+        </p:txBody>
+      </p:sp>
+      <p:sp>
+        <p:nvSpPr>
+          <p:cNvPr id="7" name="Slide Number Placeholder 6"/>
+          <p:cNvSpPr>
+            <a:spLocks noGrp="1"/>
+          </p:cNvSpPr>
+          <p:nvPr>
+            <p:ph type="sldNum" sz="quarter" idx="5"/>
+          </p:nvPr>
+        </p:nvSpPr>
+        <p:spPr>
+          <a:xfrm>
+            <a:off x="3884613" y="8685213"/>
+            <a:ext cx="2971800" cy="458787"/>
+          </a:xfrm>
+          <a:prstGeom prst="rect">
+            <a:avLst/>
+          </a:prstGeom>
+        </p:spPr>
+        <p:txBody>
+          <a:bodyPr vert="horz" lIns="91440" tIns="45720" rIns="91440" bIns="45720" rtlCol="0" anchor="b"/>
+          <a:lstStyle>
+            <a:lvl1pPr algn="r">
+              <a:defRPr sz="1200"/>
+            </a:lvl1pPr>
+          </a:lstStyle>
+          <a:p>
+            <a:fld id="{51F0A865-D7D9-DB4C-AEF6-0FEE240998BA}" type="slidenum">
+              <a:rPr lang="en-US" smtClean="0"/>
+              <a:t>‹#›</a:t>
+            </a:fld>
+            <a:endParaRPr lang="en-US"/>
+          </a:p>
+        </p:txBody>
+      </p:sp>
+    </p:spTree>
+    <p:extLst>
+      <p:ext uri="{BB962C8B-B14F-4D97-AF65-F5344CB8AC3E}">
+        <p14:creationId xmlns:p14="http://schemas.microsoft.com/office/powerpoint/2010/main" val="2785180234"/>
+      </p:ext>
+    </p:extLst>
+  </p:cSld>
+  <p:clrMap bg1="lt1" tx1="dk1" bg2="lt2" tx2="dk2" accent1="accent1" accent2="accent2" accent3="accent3" accent4="accent4" accent5="accent5" accent6="accent6" hlink="hlink" folHlink="folHlink"/>
+  <p:notesStyle>
+    <a:lvl1pPr marL="0" algn="l" defTabSz="914400" rtl="0" eaLnBrk="1" latinLnBrk="0" hangingPunct="1">
+      <a:defRPr sz="1200" kern="1200">
+        <a:solidFill>
+          <a:schemeClr val="tx1"/>
+        </a:solidFill>
+        <a:latin typeface="+mn-lt"/>
+        <a:ea typeface="+mn-ea"/>
+        <a:cs typeface="+mn-cs"/>
+      </a:defRPr>
+    </a:lvl1pPr>
+    <a:lvl2pPr marL="457200" algn="l" defTabSz="914400" rtl="0" eaLnBrk="1" latinLnBrk="0" hangingPunct="1">
+      <a:defRPr sz="1200" kern="1200">
+        <a:solidFill>
+          <a:schemeClr val="tx1"/>
+        </a:solidFill>
+        <a:latin typeface="+mn-lt"/>
+        <a:ea typeface="+mn-ea"/>
+        <a:cs typeface="+mn-cs"/>
+      </a:defRPr>
+    </a:lvl2pPr>
+    <a:lvl3pPr marL="914400" algn="l" defTabSz="914400" rtl="0" eaLnBrk="1" latinLnBrk="0" hangingPunct="1">
+      <a:defRPr sz="1200" kern="1200">
+        <a:solidFill>
+          <a:schemeClr val="tx1"/>
+        </a:solidFill>
+        <a:latin typeface="+mn-lt"/>
+        <a:ea typeface="+mn-ea"/>
+        <a:cs typeface="+mn-cs"/>
+      </a:defRPr>
+    </a:lvl3pPr>
+    <a:lvl4pPr marL="1371600" algn="l" defTabSz="914400" rtl="0" eaLnBrk="1" latinLnBrk="0" hangingPunct="1">
+      <a:defRPr sz="1200" kern="1200">
+        <a:solidFill>
+          <a:schemeClr val="tx1"/>
+        </a:solidFill>
+        <a:latin typeface="+mn-lt"/>
+        <a:ea typeface="+mn-ea"/>
+        <a:cs typeface="+mn-cs"/>
+      </a:defRPr>
+    </a:lvl4pPr>
+    <a:lvl5pPr marL="1828800" algn="l" defTabSz="914400" rtl="0" eaLnBrk="1" latinLnBrk="0" hangingPunct="1">
+      <a:defRPr sz="1200" kern="1200">
+        <a:solidFill>
+          <a:schemeClr val="tx1"/>
+        </a:solidFill>
+        <a:latin typeface="+mn-lt"/>
+        <a:ea typeface="+mn-ea"/>
+        <a:cs typeface="+mn-cs"/>
+      </a:defRPr>
+    </a:lvl5pPr>
+    <a:lvl6pPr marL="2286000" algn="l" defTabSz="914400" rtl="0" eaLnBrk="1" latinLnBrk="0" hangingPunct="1">
+      <a:defRPr sz="1200" kern="1200">
+        <a:solidFill>
+          <a:schemeClr val="tx1"/>
+        </a:solidFill>
+        <a:latin typeface="+mn-lt"/>
+        <a:ea typeface="+mn-ea"/>
+        <a:cs typeface="+mn-cs"/>
+      </a:defRPr>
+    </a:lvl6pPr>
+    <a:lvl7pPr marL="2743200" algn="l" defTabSz="914400" rtl="0" eaLnBrk="1" latinLnBrk="0" hangingPunct="1">
+      <a:defRPr sz="1200" kern="1200">
+        <a:solidFill>
+          <a:schemeClr val="tx1"/>
+        </a:solidFill>
+        <a:latin typeface="+mn-lt"/>
+        <a:ea typeface="+mn-ea"/>
+        <a:cs typeface="+mn-cs"/>
+      </a:defRPr>
+    </a:lvl7pPr>
+    <a:lvl8pPr marL="3200400" algn="l" defTabSz="914400" rtl="0" eaLnBrk="1" latinLnBrk="0" hangingPunct="1">
+      <a:defRPr sz="1200" kern="1200">
+        <a:solidFill>
+          <a:schemeClr val="tx1"/>
+        </a:solidFill>
+        <a:latin typeface="+mn-lt"/>
+        <a:ea typeface="+mn-ea"/>
+        <a:cs typeface="+mn-cs"/>
+      </a:defRPr>
+    </a:lvl8pPr>
+    <a:lvl9pPr marL="3657600" algn="l" defTabSz="914400" rtl="0" eaLnBrk="1" latinLnBrk="0" hangingPunct="1">
+      <a:defRPr sz="1200" kern="1200">
+        <a:solidFill>
+          <a:schemeClr val="tx1"/>
+        </a:solidFill>
+        <a:latin typeface="+mn-lt"/>
+        <a:ea typeface="+mn-ea"/>
+        <a:cs typeface="+mn-cs"/>
+      </a:defRPr>
+    </a:lvl9pPr>
+  </p:notesStyle>
+</p:notesMaster>
+</file>
+
+<file path=ppt/notesSlides/notesSlide1.xml><?xml version="1.0" encoding="utf-8"?>
+<p:notes xmlns:a="http://schemas.openxmlformats.org/drawingml/2006/main" xmlns:r="http://schemas.openxmlformats.org/officeDocument/2006/relationships" xmlns:p="http://schemas.openxmlformats.org/presentationml/2006/main">
+  <p:cSld>
+    <p:spTree>
+      <p:nvGrpSpPr>
+        <p:cNvPr id="1" name=""/>
+        <p:cNvGrpSpPr/>
+        <p:nvPr/>
+      </p:nvGrpSpPr>
+      <p:grpSpPr>
+        <a:xfrm>
+          <a:off x="0" y="0"/>
+          <a:ext cx="0" cy="0"/>
+          <a:chOff x="0" y="0"/>
+          <a:chExt cx="0" cy="0"/>
+        </a:xfrm>
+      </p:grpSpPr>
+      <p:sp>
+        <p:nvSpPr>
+          <p:cNvPr id="2" name="Slide Image Placeholder 1"/>
+          <p:cNvSpPr>
+            <a:spLocks noGrp="1" noRot="1" noChangeAspect="1"/>
+          </p:cNvSpPr>
+          <p:nvPr>
+            <p:ph type="sldImg"/>
+          </p:nvPr>
+        </p:nvSpPr>
+        <p:spPr/>
+      </p:sp>
+      <p:sp>
+        <p:nvSpPr>
+          <p:cNvPr id="3" name="Notes Placeholder 2"/>
+          <p:cNvSpPr>
+            <a:spLocks noGrp="1"/>
+          </p:cNvSpPr>
+          <p:nvPr>
+            <p:ph type="body" idx="1"/>
+          </p:nvPr>
+        </p:nvSpPr>
+        <p:spPr/>
+        <p:txBody>
+          <a:bodyPr/>
+          <a:lstStyle/>
+          <a:p>
+            <a:endParaRPr lang="en-US" dirty="0"/>
+          </a:p>
+        </p:txBody>
+      </p:sp>
+      <p:sp>
+        <p:nvSpPr>
+          <p:cNvPr id="4" name="Slide Number Placeholder 3"/>
+          <p:cNvSpPr>
+            <a:spLocks noGrp="1"/>
+          </p:cNvSpPr>
+          <p:nvPr>
+            <p:ph type="sldNum" sz="quarter" idx="5"/>
+          </p:nvPr>
+        </p:nvSpPr>
+        <p:spPr/>
+        <p:txBody>
+          <a:bodyPr/>
+          <a:lstStyle/>
+          <a:p>
+            <a:fld id="{51F0A865-D7D9-DB4C-AEF6-0FEE240998BA}" type="slidenum">
+              <a:rPr lang="en-US" smtClean="0"/>
+              <a:t>1</a:t>
+            </a:fld>
+            <a:endParaRPr lang="en-US"/>
+          </a:p>
+        </p:txBody>
+      </p:sp>
+    </p:spTree>
+    <p:extLst>
+      <p:ext uri="{BB962C8B-B14F-4D97-AF65-F5344CB8AC3E}">
+        <p14:creationId xmlns:p14="http://schemas.microsoft.com/office/powerpoint/2010/main" val="3815006347"/>
+      </p:ext>
+    </p:extLst>
+  </p:cSld>
+  <p:clrMapOvr>
+    <a:masterClrMapping/>
+  </p:clrMapOvr>
+</p:notes>
+</file>
+
+<file path=ppt/notesSlides/notesSlide10.xml><?xml version="1.0" encoding="utf-8"?>
+<p:notes xmlns:a="http://schemas.openxmlformats.org/drawingml/2006/main" xmlns:r="http://schemas.openxmlformats.org/officeDocument/2006/relationships" xmlns:p="http://schemas.openxmlformats.org/presentationml/2006/main">
+  <p:cSld>
+    <p:spTree>
+      <p:nvGrpSpPr>
+        <p:cNvPr id="1" name=""/>
+        <p:cNvGrpSpPr/>
+        <p:nvPr/>
+      </p:nvGrpSpPr>
+      <p:grpSpPr>
+        <a:xfrm>
+          <a:off x="0" y="0"/>
+          <a:ext cx="0" cy="0"/>
+          <a:chOff x="0" y="0"/>
+          <a:chExt cx="0" cy="0"/>
+        </a:xfrm>
+      </p:grpSpPr>
+      <p:sp>
+        <p:nvSpPr>
+          <p:cNvPr id="2" name="Slide Image Placeholder 1"/>
+          <p:cNvSpPr>
+            <a:spLocks noGrp="1" noRot="1" noChangeAspect="1"/>
+          </p:cNvSpPr>
+          <p:nvPr>
+            <p:ph type="sldImg"/>
+          </p:nvPr>
+        </p:nvSpPr>
+        <p:spPr/>
+      </p:sp>
+      <p:sp>
+        <p:nvSpPr>
+          <p:cNvPr id="3" name="Notes Placeholder 2"/>
+          <p:cNvSpPr>
+            <a:spLocks noGrp="1"/>
+          </p:cNvSpPr>
+          <p:nvPr>
+            <p:ph type="body" idx="1"/>
+          </p:nvPr>
+        </p:nvSpPr>
+        <p:spPr/>
+        <p:txBody>
+          <a:bodyPr/>
+          <a:lstStyle/>
+          <a:p>
+            <a:endParaRPr lang="en-US"/>
+          </a:p>
+        </p:txBody>
+      </p:sp>
+      <p:sp>
+        <p:nvSpPr>
+          <p:cNvPr id="4" name="Slide Number Placeholder 3"/>
+          <p:cNvSpPr>
+            <a:spLocks noGrp="1"/>
+          </p:cNvSpPr>
+          <p:nvPr>
+            <p:ph type="sldNum" sz="quarter" idx="5"/>
+          </p:nvPr>
+        </p:nvSpPr>
+        <p:spPr/>
+        <p:txBody>
+          <a:bodyPr/>
+          <a:lstStyle/>
+          <a:p>
+            <a:fld id="{51F0A865-D7D9-DB4C-AEF6-0FEE240998BA}" type="slidenum">
+              <a:rPr lang="en-US" smtClean="0"/>
+              <a:t>10</a:t>
+            </a:fld>
+            <a:endParaRPr lang="en-US"/>
+          </a:p>
+        </p:txBody>
+      </p:sp>
+    </p:spTree>
+    <p:extLst>
+      <p:ext uri="{BB962C8B-B14F-4D97-AF65-F5344CB8AC3E}">
+        <p14:creationId xmlns:p14="http://schemas.microsoft.com/office/powerpoint/2010/main" val="2714089574"/>
+      </p:ext>
+    </p:extLst>
+  </p:cSld>
+  <p:clrMapOvr>
+    <a:masterClrMapping/>
+  </p:clrMapOvr>
+</p:notes>
+</file>
+
+<file path=ppt/notesSlides/notesSlide11.xml><?xml version="1.0" encoding="utf-8"?>
+<p:notes xmlns:a="http://schemas.openxmlformats.org/drawingml/2006/main" xmlns:r="http://schemas.openxmlformats.org/officeDocument/2006/relationships" xmlns:p="http://schemas.openxmlformats.org/presentationml/2006/main">
+  <p:cSld>
+    <p:spTree>
+      <p:nvGrpSpPr>
+        <p:cNvPr id="1" name=""/>
+        <p:cNvGrpSpPr/>
+        <p:nvPr/>
+      </p:nvGrpSpPr>
+      <p:grpSpPr>
+        <a:xfrm>
+          <a:off x="0" y="0"/>
+          <a:ext cx="0" cy="0"/>
+          <a:chOff x="0" y="0"/>
+          <a:chExt cx="0" cy="0"/>
+        </a:xfrm>
+      </p:grpSpPr>
+      <p:sp>
+        <p:nvSpPr>
+          <p:cNvPr id="2" name="Slide Image Placeholder 1"/>
+          <p:cNvSpPr>
+            <a:spLocks noGrp="1" noRot="1" noChangeAspect="1"/>
+          </p:cNvSpPr>
+          <p:nvPr>
+            <p:ph type="sldImg"/>
+          </p:nvPr>
+        </p:nvSpPr>
+        <p:spPr/>
+      </p:sp>
+      <p:sp>
+        <p:nvSpPr>
+          <p:cNvPr id="3" name="Notes Placeholder 2"/>
+          <p:cNvSpPr>
+            <a:spLocks noGrp="1"/>
+          </p:cNvSpPr>
+          <p:nvPr>
+            <p:ph type="body" idx="1"/>
+          </p:nvPr>
+        </p:nvSpPr>
+        <p:spPr/>
+        <p:txBody>
+          <a:bodyPr/>
+          <a:lstStyle/>
+          <a:p>
+            <a:endParaRPr lang="en-US"/>
+          </a:p>
+        </p:txBody>
+      </p:sp>
+      <p:sp>
+        <p:nvSpPr>
+          <p:cNvPr id="4" name="Slide Number Placeholder 3"/>
+          <p:cNvSpPr>
+            <a:spLocks noGrp="1"/>
+          </p:cNvSpPr>
+          <p:nvPr>
+            <p:ph type="sldNum" sz="quarter" idx="5"/>
+          </p:nvPr>
+        </p:nvSpPr>
+        <p:spPr/>
+        <p:txBody>
+          <a:bodyPr/>
+          <a:lstStyle/>
+          <a:p>
+            <a:fld id="{51F0A865-D7D9-DB4C-AEF6-0FEE240998BA}" type="slidenum">
+              <a:rPr lang="en-US" smtClean="0"/>
+              <a:t>11</a:t>
+            </a:fld>
+            <a:endParaRPr lang="en-US"/>
+          </a:p>
+        </p:txBody>
+      </p:sp>
+    </p:spTree>
+    <p:extLst>
+      <p:ext uri="{BB962C8B-B14F-4D97-AF65-F5344CB8AC3E}">
+        <p14:creationId xmlns:p14="http://schemas.microsoft.com/office/powerpoint/2010/main" val="2196082712"/>
+      </p:ext>
+    </p:extLst>
+  </p:cSld>
+  <p:clrMapOvr>
+    <a:masterClrMapping/>
+  </p:clrMapOvr>
+</p:notes>
+</file>
+
+<file path=ppt/notesSlides/notesSlide12.xml><?xml version="1.0" encoding="utf-8"?>
+<p:notes xmlns:a="http://schemas.openxmlformats.org/drawingml/2006/main" xmlns:r="http://schemas.openxmlformats.org/officeDocument/2006/relationships" xmlns:p="http://schemas.openxmlformats.org/presentationml/2006/main">
+  <p:cSld>
+    <p:spTree>
+      <p:nvGrpSpPr>
+        <p:cNvPr id="1" name=""/>
+        <p:cNvGrpSpPr/>
+        <p:nvPr/>
+      </p:nvGrpSpPr>
+      <p:grpSpPr>
+        <a:xfrm>
+          <a:off x="0" y="0"/>
+          <a:ext cx="0" cy="0"/>
+          <a:chOff x="0" y="0"/>
+          <a:chExt cx="0" cy="0"/>
+        </a:xfrm>
+      </p:grpSpPr>
+      <p:sp>
+        <p:nvSpPr>
+          <p:cNvPr id="2" name="Slide Image Placeholder 1"/>
+          <p:cNvSpPr>
+            <a:spLocks noGrp="1" noRot="1" noChangeAspect="1"/>
+          </p:cNvSpPr>
+          <p:nvPr>
+            <p:ph type="sldImg"/>
+          </p:nvPr>
+        </p:nvSpPr>
+        <p:spPr/>
+      </p:sp>
+      <p:sp>
+        <p:nvSpPr>
+          <p:cNvPr id="3" name="Notes Placeholder 2"/>
+          <p:cNvSpPr>
+            <a:spLocks noGrp="1"/>
+          </p:cNvSpPr>
+          <p:nvPr>
+            <p:ph type="body" idx="1"/>
+          </p:nvPr>
+        </p:nvSpPr>
+        <p:spPr/>
+        <p:txBody>
+          <a:bodyPr/>
+          <a:lstStyle/>
+          <a:p>
+            <a:endParaRPr lang="en-US"/>
+          </a:p>
+        </p:txBody>
+      </p:sp>
+      <p:sp>
+        <p:nvSpPr>
+          <p:cNvPr id="4" name="Slide Number Placeholder 3"/>
+          <p:cNvSpPr>
+            <a:spLocks noGrp="1"/>
+          </p:cNvSpPr>
+          <p:nvPr>
+            <p:ph type="sldNum" sz="quarter" idx="5"/>
+          </p:nvPr>
+        </p:nvSpPr>
+        <p:spPr/>
+        <p:txBody>
+          <a:bodyPr/>
+          <a:lstStyle/>
+          <a:p>
+            <a:fld id="{51F0A865-D7D9-DB4C-AEF6-0FEE240998BA}" type="slidenum">
+              <a:rPr lang="en-US" smtClean="0"/>
+              <a:t>12</a:t>
+            </a:fld>
+            <a:endParaRPr lang="en-US"/>
+          </a:p>
+        </p:txBody>
+      </p:sp>
+    </p:spTree>
+    <p:extLst>
+      <p:ext uri="{BB962C8B-B14F-4D97-AF65-F5344CB8AC3E}">
+        <p14:creationId xmlns:p14="http://schemas.microsoft.com/office/powerpoint/2010/main" val="1807493715"/>
+      </p:ext>
+    </p:extLst>
+  </p:cSld>
+  <p:clrMapOvr>
+    <a:masterClrMapping/>
+  </p:clrMapOvr>
+</p:notes>
+</file>
+
+<file path=ppt/notesSlides/notesSlide13.xml><?xml version="1.0" encoding="utf-8"?>
+<p:notes xmlns:a="http://schemas.openxmlformats.org/drawingml/2006/main" xmlns:r="http://schemas.openxmlformats.org/officeDocument/2006/relationships" xmlns:p="http://schemas.openxmlformats.org/presentationml/2006/main">
+  <p:cSld>
+    <p:spTree>
+      <p:nvGrpSpPr>
+        <p:cNvPr id="1" name=""/>
+        <p:cNvGrpSpPr/>
+        <p:nvPr/>
+      </p:nvGrpSpPr>
+      <p:grpSpPr>
+        <a:xfrm>
+          <a:off x="0" y="0"/>
+          <a:ext cx="0" cy="0"/>
+          <a:chOff x="0" y="0"/>
+          <a:chExt cx="0" cy="0"/>
+        </a:xfrm>
+      </p:grpSpPr>
+      <p:sp>
+        <p:nvSpPr>
+          <p:cNvPr id="2" name="Slide Image Placeholder 1"/>
+          <p:cNvSpPr>
+            <a:spLocks noGrp="1" noRot="1" noChangeAspect="1"/>
+          </p:cNvSpPr>
+          <p:nvPr>
+            <p:ph type="sldImg"/>
+          </p:nvPr>
+        </p:nvSpPr>
+        <p:spPr/>
+      </p:sp>
+      <p:sp>
+        <p:nvSpPr>
+          <p:cNvPr id="3" name="Notes Placeholder 2"/>
+          <p:cNvSpPr>
+            <a:spLocks noGrp="1"/>
+          </p:cNvSpPr>
+          <p:nvPr>
+            <p:ph type="body" idx="1"/>
+          </p:nvPr>
+        </p:nvSpPr>
+        <p:spPr/>
+        <p:txBody>
+          <a:bodyPr/>
+          <a:lstStyle/>
+          <a:p>
+            <a:endParaRPr lang="en-US"/>
+          </a:p>
+        </p:txBody>
+      </p:sp>
+      <p:sp>
+        <p:nvSpPr>
+          <p:cNvPr id="4" name="Slide Number Placeholder 3"/>
+          <p:cNvSpPr>
+            <a:spLocks noGrp="1"/>
+          </p:cNvSpPr>
+          <p:nvPr>
+            <p:ph type="sldNum" sz="quarter" idx="5"/>
+          </p:nvPr>
+        </p:nvSpPr>
+        <p:spPr/>
+        <p:txBody>
+          <a:bodyPr/>
+          <a:lstStyle/>
+          <a:p>
+            <a:fld id="{51F0A865-D7D9-DB4C-AEF6-0FEE240998BA}" type="slidenum">
+              <a:rPr lang="en-US" smtClean="0"/>
+              <a:t>13</a:t>
+            </a:fld>
+            <a:endParaRPr lang="en-US"/>
+          </a:p>
+        </p:txBody>
+      </p:sp>
+    </p:spTree>
+    <p:extLst>
+      <p:ext uri="{BB962C8B-B14F-4D97-AF65-F5344CB8AC3E}">
+        <p14:creationId xmlns:p14="http://schemas.microsoft.com/office/powerpoint/2010/main" val="525950599"/>
+      </p:ext>
+    </p:extLst>
+  </p:cSld>
+  <p:clrMapOvr>
+    <a:masterClrMapping/>
+  </p:clrMapOvr>
+</p:notes>
+</file>
+
+<file path=ppt/notesSlides/notesSlide14.xml><?xml version="1.0" encoding="utf-8"?>
+<p:notes xmlns:a="http://schemas.openxmlformats.org/drawingml/2006/main" xmlns:r="http://schemas.openxmlformats.org/officeDocument/2006/relationships" xmlns:p="http://schemas.openxmlformats.org/presentationml/2006/main">
+  <p:cSld>
+    <p:spTree>
+      <p:nvGrpSpPr>
+        <p:cNvPr id="1" name=""/>
+        <p:cNvGrpSpPr/>
+        <p:nvPr/>
+      </p:nvGrpSpPr>
+      <p:grpSpPr>
+        <a:xfrm>
+          <a:off x="0" y="0"/>
+          <a:ext cx="0" cy="0"/>
+          <a:chOff x="0" y="0"/>
+          <a:chExt cx="0" cy="0"/>
+        </a:xfrm>
+      </p:grpSpPr>
+      <p:sp>
+        <p:nvSpPr>
+          <p:cNvPr id="2" name="Slide Image Placeholder 1"/>
+          <p:cNvSpPr>
+            <a:spLocks noGrp="1" noRot="1" noChangeAspect="1"/>
+          </p:cNvSpPr>
+          <p:nvPr>
+            <p:ph type="sldImg"/>
+          </p:nvPr>
+        </p:nvSpPr>
+        <p:spPr/>
+      </p:sp>
+      <p:sp>
+        <p:nvSpPr>
+          <p:cNvPr id="3" name="Notes Placeholder 2"/>
+          <p:cNvSpPr>
+            <a:spLocks noGrp="1"/>
+          </p:cNvSpPr>
+          <p:nvPr>
+            <p:ph type="body" idx="1"/>
+          </p:nvPr>
+        </p:nvSpPr>
+        <p:spPr/>
+        <p:txBody>
+          <a:bodyPr/>
+          <a:lstStyle/>
+          <a:p>
+            <a:endParaRPr lang="en-US"/>
+          </a:p>
+        </p:txBody>
+      </p:sp>
+      <p:sp>
+        <p:nvSpPr>
+          <p:cNvPr id="4" name="Slide Number Placeholder 3"/>
+          <p:cNvSpPr>
+            <a:spLocks noGrp="1"/>
+          </p:cNvSpPr>
+          <p:nvPr>
+            <p:ph type="sldNum" sz="quarter" idx="5"/>
+          </p:nvPr>
+        </p:nvSpPr>
+        <p:spPr/>
+        <p:txBody>
+          <a:bodyPr/>
+          <a:lstStyle/>
+          <a:p>
+            <a:fld id="{51F0A865-D7D9-DB4C-AEF6-0FEE240998BA}" type="slidenum">
+              <a:rPr lang="en-US" smtClean="0"/>
+              <a:t>14</a:t>
+            </a:fld>
+            <a:endParaRPr lang="en-US"/>
+          </a:p>
+        </p:txBody>
+      </p:sp>
+    </p:spTree>
+    <p:extLst>
+      <p:ext uri="{BB962C8B-B14F-4D97-AF65-F5344CB8AC3E}">
+        <p14:creationId xmlns:p14="http://schemas.microsoft.com/office/powerpoint/2010/main" val="1618231911"/>
+      </p:ext>
+    </p:extLst>
+  </p:cSld>
+  <p:clrMapOvr>
+    <a:masterClrMapping/>
+  </p:clrMapOvr>
+</p:notes>
+</file>
+
+<file path=ppt/notesSlides/notesSlide15.xml><?xml version="1.0" encoding="utf-8"?>
+<p:notes xmlns:a="http://schemas.openxmlformats.org/drawingml/2006/main" xmlns:r="http://schemas.openxmlformats.org/officeDocument/2006/relationships" xmlns:p="http://schemas.openxmlformats.org/presentationml/2006/main">
+  <p:cSld>
+    <p:spTree>
+      <p:nvGrpSpPr>
+        <p:cNvPr id="1" name=""/>
+        <p:cNvGrpSpPr/>
+        <p:nvPr/>
+      </p:nvGrpSpPr>
+      <p:grpSpPr>
+        <a:xfrm>
+          <a:off x="0" y="0"/>
+          <a:ext cx="0" cy="0"/>
+          <a:chOff x="0" y="0"/>
+          <a:chExt cx="0" cy="0"/>
+        </a:xfrm>
+      </p:grpSpPr>
+      <p:sp>
+        <p:nvSpPr>
+          <p:cNvPr id="2" name="Slide Image Placeholder 1"/>
+          <p:cNvSpPr>
+            <a:spLocks noGrp="1" noRot="1" noChangeAspect="1"/>
+          </p:cNvSpPr>
+          <p:nvPr>
+            <p:ph type="sldImg"/>
+          </p:nvPr>
+        </p:nvSpPr>
+        <p:spPr/>
+      </p:sp>
+      <p:sp>
+        <p:nvSpPr>
+          <p:cNvPr id="3" name="Notes Placeholder 2"/>
+          <p:cNvSpPr>
+            <a:spLocks noGrp="1"/>
+          </p:cNvSpPr>
+          <p:nvPr>
+            <p:ph type="body" idx="1"/>
+          </p:nvPr>
+        </p:nvSpPr>
+        <p:spPr/>
+        <p:txBody>
+          <a:bodyPr/>
+          <a:lstStyle/>
+          <a:p>
+            <a:endParaRPr lang="en-US"/>
+          </a:p>
+        </p:txBody>
+      </p:sp>
+      <p:sp>
+        <p:nvSpPr>
+          <p:cNvPr id="4" name="Slide Number Placeholder 3"/>
+          <p:cNvSpPr>
+            <a:spLocks noGrp="1"/>
+          </p:cNvSpPr>
+          <p:nvPr>
+            <p:ph type="sldNum" sz="quarter" idx="5"/>
+          </p:nvPr>
+        </p:nvSpPr>
+        <p:spPr/>
+        <p:txBody>
+          <a:bodyPr/>
+          <a:lstStyle/>
+          <a:p>
+            <a:fld id="{51F0A865-D7D9-DB4C-AEF6-0FEE240998BA}" type="slidenum">
+              <a:rPr lang="en-US" smtClean="0"/>
+              <a:t>15</a:t>
+            </a:fld>
+            <a:endParaRPr lang="en-US"/>
+          </a:p>
+        </p:txBody>
+      </p:sp>
+    </p:spTree>
+    <p:extLst>
+      <p:ext uri="{BB962C8B-B14F-4D97-AF65-F5344CB8AC3E}">
+        <p14:creationId xmlns:p14="http://schemas.microsoft.com/office/powerpoint/2010/main" val="403192088"/>
+      </p:ext>
+    </p:extLst>
+  </p:cSld>
+  <p:clrMapOvr>
+    <a:masterClrMapping/>
+  </p:clrMapOvr>
+</p:notes>
+</file>
+
+<file path=ppt/notesSlides/notesSlide16.xml><?xml version="1.0" encoding="utf-8"?>
+<p:notes xmlns:a="http://schemas.openxmlformats.org/drawingml/2006/main" xmlns:r="http://schemas.openxmlformats.org/officeDocument/2006/relationships" xmlns:p="http://schemas.openxmlformats.org/presentationml/2006/main">
+  <p:cSld>
+    <p:spTree>
+      <p:nvGrpSpPr>
+        <p:cNvPr id="1" name=""/>
+        <p:cNvGrpSpPr/>
+        <p:nvPr/>
+      </p:nvGrpSpPr>
+      <p:grpSpPr>
+        <a:xfrm>
+          <a:off x="0" y="0"/>
+          <a:ext cx="0" cy="0"/>
+          <a:chOff x="0" y="0"/>
+          <a:chExt cx="0" cy="0"/>
+        </a:xfrm>
+      </p:grpSpPr>
+      <p:sp>
+        <p:nvSpPr>
+          <p:cNvPr id="2" name="Slide Image Placeholder 1"/>
+          <p:cNvSpPr>
+            <a:spLocks noGrp="1" noRot="1" noChangeAspect="1"/>
+          </p:cNvSpPr>
+          <p:nvPr>
+            <p:ph type="sldImg"/>
+          </p:nvPr>
+        </p:nvSpPr>
+        <p:spPr/>
+      </p:sp>
+      <p:sp>
+        <p:nvSpPr>
+          <p:cNvPr id="3" name="Notes Placeholder 2"/>
+          <p:cNvSpPr>
+            <a:spLocks noGrp="1"/>
+          </p:cNvSpPr>
+          <p:nvPr>
+            <p:ph type="body" idx="1"/>
+          </p:nvPr>
+        </p:nvSpPr>
+        <p:spPr/>
+        <p:txBody>
+          <a:bodyPr/>
+          <a:lstStyle/>
+          <a:p>
+            <a:endParaRPr lang="en-US"/>
+          </a:p>
+        </p:txBody>
+      </p:sp>
+      <p:sp>
+        <p:nvSpPr>
+          <p:cNvPr id="4" name="Slide Number Placeholder 3"/>
+          <p:cNvSpPr>
+            <a:spLocks noGrp="1"/>
+          </p:cNvSpPr>
+          <p:nvPr>
+            <p:ph type="sldNum" sz="quarter" idx="5"/>
+          </p:nvPr>
+        </p:nvSpPr>
+        <p:spPr/>
+        <p:txBody>
+          <a:bodyPr/>
+          <a:lstStyle/>
+          <a:p>
+            <a:fld id="{51F0A865-D7D9-DB4C-AEF6-0FEE240998BA}" type="slidenum">
+              <a:rPr lang="en-US" smtClean="0"/>
+              <a:t>16</a:t>
+            </a:fld>
+            <a:endParaRPr lang="en-US"/>
+          </a:p>
+        </p:txBody>
+      </p:sp>
+    </p:spTree>
+    <p:extLst>
+      <p:ext uri="{BB962C8B-B14F-4D97-AF65-F5344CB8AC3E}">
+        <p14:creationId xmlns:p14="http://schemas.microsoft.com/office/powerpoint/2010/main" val="2556668469"/>
+      </p:ext>
+    </p:extLst>
+  </p:cSld>
+  <p:clrMapOvr>
+    <a:masterClrMapping/>
+  </p:clrMapOvr>
+</p:notes>
+</file>
+
+<file path=ppt/notesSlides/notesSlide2.xml><?xml version="1.0" encoding="utf-8"?>
+<p:notes xmlns:a="http://schemas.openxmlformats.org/drawingml/2006/main" xmlns:r="http://schemas.openxmlformats.org/officeDocument/2006/relationships" xmlns:p="http://schemas.openxmlformats.org/presentationml/2006/main">
+  <p:cSld>
+    <p:spTree>
+      <p:nvGrpSpPr>
+        <p:cNvPr id="1" name=""/>
+        <p:cNvGrpSpPr/>
+        <p:nvPr/>
+      </p:nvGrpSpPr>
+      <p:grpSpPr>
+        <a:xfrm>
+          <a:off x="0" y="0"/>
+          <a:ext cx="0" cy="0"/>
+          <a:chOff x="0" y="0"/>
+          <a:chExt cx="0" cy="0"/>
+        </a:xfrm>
+      </p:grpSpPr>
+      <p:sp>
+        <p:nvSpPr>
+          <p:cNvPr id="2" name="Slide Image Placeholder 1"/>
+          <p:cNvSpPr>
+            <a:spLocks noGrp="1" noRot="1" noChangeAspect="1"/>
+          </p:cNvSpPr>
+          <p:nvPr>
+            <p:ph type="sldImg"/>
+          </p:nvPr>
+        </p:nvSpPr>
+        <p:spPr/>
+      </p:sp>
+      <p:sp>
+        <p:nvSpPr>
+          <p:cNvPr id="3" name="Notes Placeholder 2"/>
+          <p:cNvSpPr>
+            <a:spLocks noGrp="1"/>
+          </p:cNvSpPr>
+          <p:nvPr>
+            <p:ph type="body" idx="1"/>
+          </p:nvPr>
+        </p:nvSpPr>
+        <p:spPr/>
+        <p:txBody>
+          <a:bodyPr/>
+          <a:lstStyle/>
+          <a:p>
+            <a:endParaRPr lang="en-US"/>
+          </a:p>
+        </p:txBody>
+      </p:sp>
+      <p:sp>
+        <p:nvSpPr>
+          <p:cNvPr id="4" name="Slide Number Placeholder 3"/>
+          <p:cNvSpPr>
+            <a:spLocks noGrp="1"/>
+          </p:cNvSpPr>
+          <p:nvPr>
+            <p:ph type="sldNum" sz="quarter" idx="5"/>
+          </p:nvPr>
+        </p:nvSpPr>
+        <p:spPr/>
+        <p:txBody>
+          <a:bodyPr/>
+          <a:lstStyle/>
+          <a:p>
+            <a:fld id="{51F0A865-D7D9-DB4C-AEF6-0FEE240998BA}" type="slidenum">
+              <a:rPr lang="en-US" smtClean="0"/>
+              <a:t>2</a:t>
+            </a:fld>
+            <a:endParaRPr lang="en-US"/>
+          </a:p>
+        </p:txBody>
+      </p:sp>
+    </p:spTree>
+    <p:extLst>
+      <p:ext uri="{BB962C8B-B14F-4D97-AF65-F5344CB8AC3E}">
+        <p14:creationId xmlns:p14="http://schemas.microsoft.com/office/powerpoint/2010/main" val="1382827689"/>
+      </p:ext>
+    </p:extLst>
+  </p:cSld>
+  <p:clrMapOvr>
+    <a:masterClrMapping/>
+  </p:clrMapOvr>
+</p:notes>
+</file>
+
+<file path=ppt/notesSlides/notesSlide3.xml><?xml version="1.0" encoding="utf-8"?>
+<p:notes xmlns:a="http://schemas.openxmlformats.org/drawingml/2006/main" xmlns:r="http://schemas.openxmlformats.org/officeDocument/2006/relationships" xmlns:p="http://schemas.openxmlformats.org/presentationml/2006/main">
+  <p:cSld>
+    <p:spTree>
+      <p:nvGrpSpPr>
+        <p:cNvPr id="1" name=""/>
+        <p:cNvGrpSpPr/>
+        <p:nvPr/>
+      </p:nvGrpSpPr>
+      <p:grpSpPr>
+        <a:xfrm>
+          <a:off x="0" y="0"/>
+          <a:ext cx="0" cy="0"/>
+          <a:chOff x="0" y="0"/>
+          <a:chExt cx="0" cy="0"/>
+        </a:xfrm>
+      </p:grpSpPr>
+      <p:sp>
+        <p:nvSpPr>
+          <p:cNvPr id="2" name="Slide Image Placeholder 1"/>
+          <p:cNvSpPr>
+            <a:spLocks noGrp="1" noRot="1" noChangeAspect="1"/>
+          </p:cNvSpPr>
+          <p:nvPr>
+            <p:ph type="sldImg"/>
+          </p:nvPr>
+        </p:nvSpPr>
+        <p:spPr/>
+      </p:sp>
+      <p:sp>
+        <p:nvSpPr>
+          <p:cNvPr id="3" name="Notes Placeholder 2"/>
+          <p:cNvSpPr>
+            <a:spLocks noGrp="1"/>
+          </p:cNvSpPr>
+          <p:nvPr>
+            <p:ph type="body" idx="1"/>
+          </p:nvPr>
+        </p:nvSpPr>
+        <p:spPr/>
+        <p:txBody>
+          <a:bodyPr/>
+          <a:lstStyle/>
+          <a:p>
+            <a:endParaRPr lang="en-US"/>
+          </a:p>
+        </p:txBody>
+      </p:sp>
+      <p:sp>
+        <p:nvSpPr>
+          <p:cNvPr id="4" name="Slide Number Placeholder 3"/>
+          <p:cNvSpPr>
+            <a:spLocks noGrp="1"/>
+          </p:cNvSpPr>
+          <p:nvPr>
+            <p:ph type="sldNum" sz="quarter" idx="5"/>
+          </p:nvPr>
+        </p:nvSpPr>
+        <p:spPr/>
+        <p:txBody>
+          <a:bodyPr/>
+          <a:lstStyle/>
+          <a:p>
+            <a:fld id="{51F0A865-D7D9-DB4C-AEF6-0FEE240998BA}" type="slidenum">
+              <a:rPr lang="en-US" smtClean="0"/>
+              <a:t>3</a:t>
+            </a:fld>
+            <a:endParaRPr lang="en-US"/>
+          </a:p>
+        </p:txBody>
+      </p:sp>
+    </p:spTree>
+    <p:extLst>
+      <p:ext uri="{BB962C8B-B14F-4D97-AF65-F5344CB8AC3E}">
+        <p14:creationId xmlns:p14="http://schemas.microsoft.com/office/powerpoint/2010/main" val="1721205412"/>
+      </p:ext>
+    </p:extLst>
+  </p:cSld>
+  <p:clrMapOvr>
+    <a:masterClrMapping/>
+  </p:clrMapOvr>
+</p:notes>
+</file>
+
+<file path=ppt/notesSlides/notesSlide4.xml><?xml version="1.0" encoding="utf-8"?>
+<p:notes xmlns:a="http://schemas.openxmlformats.org/drawingml/2006/main" xmlns:r="http://schemas.openxmlformats.org/officeDocument/2006/relationships" xmlns:p="http://schemas.openxmlformats.org/presentationml/2006/main">
+  <p:cSld>
+    <p:spTree>
+      <p:nvGrpSpPr>
+        <p:cNvPr id="1" name=""/>
+        <p:cNvGrpSpPr/>
+        <p:nvPr/>
+      </p:nvGrpSpPr>
+      <p:grpSpPr>
+        <a:xfrm>
+          <a:off x="0" y="0"/>
+          <a:ext cx="0" cy="0"/>
+          <a:chOff x="0" y="0"/>
+          <a:chExt cx="0" cy="0"/>
+        </a:xfrm>
+      </p:grpSpPr>
+      <p:sp>
+        <p:nvSpPr>
+          <p:cNvPr id="2" name="Slide Image Placeholder 1"/>
+          <p:cNvSpPr>
+            <a:spLocks noGrp="1" noRot="1" noChangeAspect="1"/>
+          </p:cNvSpPr>
+          <p:nvPr>
+            <p:ph type="sldImg"/>
+          </p:nvPr>
+        </p:nvSpPr>
+        <p:spPr/>
+      </p:sp>
+      <p:sp>
+        <p:nvSpPr>
+          <p:cNvPr id="3" name="Notes Placeholder 2"/>
+          <p:cNvSpPr>
+            <a:spLocks noGrp="1"/>
+          </p:cNvSpPr>
+          <p:nvPr>
+            <p:ph type="body" idx="1"/>
+          </p:nvPr>
+        </p:nvSpPr>
+        <p:spPr/>
+        <p:txBody>
+          <a:bodyPr/>
+          <a:lstStyle/>
+          <a:p>
+            <a:endParaRPr lang="en-US"/>
+          </a:p>
+        </p:txBody>
+      </p:sp>
+      <p:sp>
+        <p:nvSpPr>
+          <p:cNvPr id="4" name="Slide Number Placeholder 3"/>
+          <p:cNvSpPr>
+            <a:spLocks noGrp="1"/>
+          </p:cNvSpPr>
+          <p:nvPr>
+            <p:ph type="sldNum" sz="quarter" idx="5"/>
+          </p:nvPr>
+        </p:nvSpPr>
+        <p:spPr/>
+        <p:txBody>
+          <a:bodyPr/>
+          <a:lstStyle/>
+          <a:p>
+            <a:fld id="{51F0A865-D7D9-DB4C-AEF6-0FEE240998BA}" type="slidenum">
+              <a:rPr lang="en-US" smtClean="0"/>
+              <a:t>4</a:t>
+            </a:fld>
+            <a:endParaRPr lang="en-US"/>
+          </a:p>
+        </p:txBody>
+      </p:sp>
+    </p:spTree>
+    <p:extLst>
+      <p:ext uri="{BB962C8B-B14F-4D97-AF65-F5344CB8AC3E}">
+        <p14:creationId xmlns:p14="http://schemas.microsoft.com/office/powerpoint/2010/main" val="3889568465"/>
+      </p:ext>
+    </p:extLst>
+  </p:cSld>
+  <p:clrMapOvr>
+    <a:masterClrMapping/>
+  </p:clrMapOvr>
+</p:notes>
+</file>
+
+<file path=ppt/notesSlides/notesSlide5.xml><?xml version="1.0" encoding="utf-8"?>
+<p:notes xmlns:a="http://schemas.openxmlformats.org/drawingml/2006/main" xmlns:r="http://schemas.openxmlformats.org/officeDocument/2006/relationships" xmlns:p="http://schemas.openxmlformats.org/presentationml/2006/main">
+  <p:cSld>
+    <p:spTree>
+      <p:nvGrpSpPr>
+        <p:cNvPr id="1" name=""/>
+        <p:cNvGrpSpPr/>
+        <p:nvPr/>
+      </p:nvGrpSpPr>
+      <p:grpSpPr>
+        <a:xfrm>
+          <a:off x="0" y="0"/>
+          <a:ext cx="0" cy="0"/>
+          <a:chOff x="0" y="0"/>
+          <a:chExt cx="0" cy="0"/>
+        </a:xfrm>
+      </p:grpSpPr>
+      <p:sp>
+        <p:nvSpPr>
+          <p:cNvPr id="2" name="Slide Image Placeholder 1"/>
+          <p:cNvSpPr>
+            <a:spLocks noGrp="1" noRot="1" noChangeAspect="1"/>
+          </p:cNvSpPr>
+          <p:nvPr>
+            <p:ph type="sldImg"/>
+          </p:nvPr>
+        </p:nvSpPr>
+        <p:spPr/>
+      </p:sp>
+      <p:sp>
+        <p:nvSpPr>
+          <p:cNvPr id="3" name="Notes Placeholder 2"/>
+          <p:cNvSpPr>
+            <a:spLocks noGrp="1"/>
+          </p:cNvSpPr>
+          <p:nvPr>
+            <p:ph type="body" idx="1"/>
+          </p:nvPr>
+        </p:nvSpPr>
+        <p:spPr/>
+        <p:txBody>
+          <a:bodyPr/>
+          <a:lstStyle/>
+          <a:p>
+            <a:endParaRPr lang="en-US"/>
+          </a:p>
+        </p:txBody>
+      </p:sp>
+      <p:sp>
+        <p:nvSpPr>
+          <p:cNvPr id="4" name="Slide Number Placeholder 3"/>
+          <p:cNvSpPr>
+            <a:spLocks noGrp="1"/>
+          </p:cNvSpPr>
+          <p:nvPr>
+            <p:ph type="sldNum" sz="quarter" idx="5"/>
+          </p:nvPr>
+        </p:nvSpPr>
+        <p:spPr/>
+        <p:txBody>
+          <a:bodyPr/>
+          <a:lstStyle/>
+          <a:p>
+            <a:fld id="{51F0A865-D7D9-DB4C-AEF6-0FEE240998BA}" type="slidenum">
+              <a:rPr lang="en-US" smtClean="0"/>
+              <a:t>5</a:t>
+            </a:fld>
+            <a:endParaRPr lang="en-US"/>
+          </a:p>
+        </p:txBody>
+      </p:sp>
+    </p:spTree>
+    <p:extLst>
+      <p:ext uri="{BB962C8B-B14F-4D97-AF65-F5344CB8AC3E}">
+        <p14:creationId xmlns:p14="http://schemas.microsoft.com/office/powerpoint/2010/main" val="1571484022"/>
+      </p:ext>
+    </p:extLst>
+  </p:cSld>
+  <p:clrMapOvr>
+    <a:masterClrMapping/>
+  </p:clrMapOvr>
+</p:notes>
+</file>
+
+<file path=ppt/notesSlides/notesSlide6.xml><?xml version="1.0" encoding="utf-8"?>
+<p:notes xmlns:a="http://schemas.openxmlformats.org/drawingml/2006/main" xmlns:r="http://schemas.openxmlformats.org/officeDocument/2006/relationships" xmlns:p="http://schemas.openxmlformats.org/presentationml/2006/main">
+  <p:cSld>
+    <p:spTree>
+      <p:nvGrpSpPr>
+        <p:cNvPr id="1" name=""/>
+        <p:cNvGrpSpPr/>
+        <p:nvPr/>
+      </p:nvGrpSpPr>
+      <p:grpSpPr>
+        <a:xfrm>
+          <a:off x="0" y="0"/>
+          <a:ext cx="0" cy="0"/>
+          <a:chOff x="0" y="0"/>
+          <a:chExt cx="0" cy="0"/>
+        </a:xfrm>
+      </p:grpSpPr>
+      <p:sp>
+        <p:nvSpPr>
+          <p:cNvPr id="2" name="Slide Image Placeholder 1"/>
+          <p:cNvSpPr>
+            <a:spLocks noGrp="1" noRot="1" noChangeAspect="1"/>
+          </p:cNvSpPr>
+          <p:nvPr>
+            <p:ph type="sldImg"/>
+          </p:nvPr>
+        </p:nvSpPr>
+        <p:spPr/>
+      </p:sp>
+      <p:sp>
+        <p:nvSpPr>
+          <p:cNvPr id="3" name="Notes Placeholder 2"/>
+          <p:cNvSpPr>
+            <a:spLocks noGrp="1"/>
+          </p:cNvSpPr>
+          <p:nvPr>
+            <p:ph type="body" idx="1"/>
+          </p:nvPr>
+        </p:nvSpPr>
+        <p:spPr/>
+        <p:txBody>
+          <a:bodyPr/>
+          <a:lstStyle/>
+          <a:p>
+            <a:endParaRPr lang="en-US"/>
+          </a:p>
+        </p:txBody>
+      </p:sp>
+      <p:sp>
+        <p:nvSpPr>
+          <p:cNvPr id="4" name="Slide Number Placeholder 3"/>
+          <p:cNvSpPr>
+            <a:spLocks noGrp="1"/>
+          </p:cNvSpPr>
+          <p:nvPr>
+            <p:ph type="sldNum" sz="quarter" idx="5"/>
+          </p:nvPr>
+        </p:nvSpPr>
+        <p:spPr/>
+        <p:txBody>
+          <a:bodyPr/>
+          <a:lstStyle/>
+          <a:p>
+            <a:fld id="{51F0A865-D7D9-DB4C-AEF6-0FEE240998BA}" type="slidenum">
+              <a:rPr lang="en-US" smtClean="0"/>
+              <a:t>6</a:t>
+            </a:fld>
+            <a:endParaRPr lang="en-US"/>
+          </a:p>
+        </p:txBody>
+      </p:sp>
+    </p:spTree>
+    <p:extLst>
+      <p:ext uri="{BB962C8B-B14F-4D97-AF65-F5344CB8AC3E}">
+        <p14:creationId xmlns:p14="http://schemas.microsoft.com/office/powerpoint/2010/main" val="8837314"/>
+      </p:ext>
+    </p:extLst>
+  </p:cSld>
+  <p:clrMapOvr>
+    <a:masterClrMapping/>
+  </p:clrMapOvr>
+</p:notes>
+</file>
+
+<file path=ppt/notesSlides/notesSlide7.xml><?xml version="1.0" encoding="utf-8"?>
+<p:notes xmlns:a="http://schemas.openxmlformats.org/drawingml/2006/main" xmlns:r="http://schemas.openxmlformats.org/officeDocument/2006/relationships" xmlns:p="http://schemas.openxmlformats.org/presentationml/2006/main">
+  <p:cSld>
+    <p:spTree>
+      <p:nvGrpSpPr>
+        <p:cNvPr id="1" name=""/>
+        <p:cNvGrpSpPr/>
+        <p:nvPr/>
+      </p:nvGrpSpPr>
+      <p:grpSpPr>
+        <a:xfrm>
+          <a:off x="0" y="0"/>
+          <a:ext cx="0" cy="0"/>
+          <a:chOff x="0" y="0"/>
+          <a:chExt cx="0" cy="0"/>
+        </a:xfrm>
+      </p:grpSpPr>
+      <p:sp>
+        <p:nvSpPr>
+          <p:cNvPr id="2" name="Slide Image Placeholder 1"/>
+          <p:cNvSpPr>
+            <a:spLocks noGrp="1" noRot="1" noChangeAspect="1"/>
+          </p:cNvSpPr>
+          <p:nvPr>
+            <p:ph type="sldImg"/>
+          </p:nvPr>
+        </p:nvSpPr>
+        <p:spPr/>
+      </p:sp>
+      <p:sp>
+        <p:nvSpPr>
+          <p:cNvPr id="3" name="Notes Placeholder 2"/>
+          <p:cNvSpPr>
+            <a:spLocks noGrp="1"/>
+          </p:cNvSpPr>
+          <p:nvPr>
+            <p:ph type="body" idx="1"/>
+          </p:nvPr>
+        </p:nvSpPr>
+        <p:spPr/>
+        <p:txBody>
+          <a:bodyPr/>
+          <a:lstStyle/>
+          <a:p>
+            <a:endParaRPr lang="en-US"/>
+          </a:p>
+        </p:txBody>
+      </p:sp>
+      <p:sp>
+        <p:nvSpPr>
+          <p:cNvPr id="4" name="Slide Number Placeholder 3"/>
+          <p:cNvSpPr>
+            <a:spLocks noGrp="1"/>
+          </p:cNvSpPr>
+          <p:nvPr>
+            <p:ph type="sldNum" sz="quarter" idx="5"/>
+          </p:nvPr>
+        </p:nvSpPr>
+        <p:spPr/>
+        <p:txBody>
+          <a:bodyPr/>
+          <a:lstStyle/>
+          <a:p>
+            <a:fld id="{51F0A865-D7D9-DB4C-AEF6-0FEE240998BA}" type="slidenum">
+              <a:rPr lang="en-US" smtClean="0"/>
+              <a:t>7</a:t>
+            </a:fld>
+            <a:endParaRPr lang="en-US"/>
+          </a:p>
+        </p:txBody>
+      </p:sp>
+    </p:spTree>
+    <p:extLst>
+      <p:ext uri="{BB962C8B-B14F-4D97-AF65-F5344CB8AC3E}">
+        <p14:creationId xmlns:p14="http://schemas.microsoft.com/office/powerpoint/2010/main" val="2439153743"/>
+      </p:ext>
+    </p:extLst>
+  </p:cSld>
+  <p:clrMapOvr>
+    <a:masterClrMapping/>
+  </p:clrMapOvr>
+</p:notes>
+</file>
+
+<file path=ppt/notesSlides/notesSlide8.xml><?xml version="1.0" encoding="utf-8"?>
+<p:notes xmlns:a="http://schemas.openxmlformats.org/drawingml/2006/main" xmlns:r="http://schemas.openxmlformats.org/officeDocument/2006/relationships" xmlns:p="http://schemas.openxmlformats.org/presentationml/2006/main">
+  <p:cSld>
+    <p:spTree>
+      <p:nvGrpSpPr>
+        <p:cNvPr id="1" name=""/>
+        <p:cNvGrpSpPr/>
+        <p:nvPr/>
+      </p:nvGrpSpPr>
+      <p:grpSpPr>
+        <a:xfrm>
+          <a:off x="0" y="0"/>
+          <a:ext cx="0" cy="0"/>
+          <a:chOff x="0" y="0"/>
+          <a:chExt cx="0" cy="0"/>
+        </a:xfrm>
+      </p:grpSpPr>
+      <p:sp>
+        <p:nvSpPr>
+          <p:cNvPr id="2" name="Slide Image Placeholder 1"/>
+          <p:cNvSpPr>
+            <a:spLocks noGrp="1" noRot="1" noChangeAspect="1"/>
+          </p:cNvSpPr>
+          <p:nvPr>
+            <p:ph type="sldImg"/>
+          </p:nvPr>
+        </p:nvSpPr>
+        <p:spPr/>
+      </p:sp>
+      <p:sp>
+        <p:nvSpPr>
+          <p:cNvPr id="3" name="Notes Placeholder 2"/>
+          <p:cNvSpPr>
+            <a:spLocks noGrp="1"/>
+          </p:cNvSpPr>
+          <p:nvPr>
+            <p:ph type="body" idx="1"/>
+          </p:nvPr>
+        </p:nvSpPr>
+        <p:spPr/>
+        <p:txBody>
+          <a:bodyPr/>
+          <a:lstStyle/>
+          <a:p>
+            <a:endParaRPr lang="en-US"/>
+          </a:p>
+        </p:txBody>
+      </p:sp>
+      <p:sp>
+        <p:nvSpPr>
+          <p:cNvPr id="4" name="Slide Number Placeholder 3"/>
+          <p:cNvSpPr>
+            <a:spLocks noGrp="1"/>
+          </p:cNvSpPr>
+          <p:nvPr>
+            <p:ph type="sldNum" sz="quarter" idx="5"/>
+          </p:nvPr>
+        </p:nvSpPr>
+        <p:spPr/>
+        <p:txBody>
+          <a:bodyPr/>
+          <a:lstStyle/>
+          <a:p>
+            <a:fld id="{51F0A865-D7D9-DB4C-AEF6-0FEE240998BA}" type="slidenum">
+              <a:rPr lang="en-US" smtClean="0"/>
+              <a:t>8</a:t>
+            </a:fld>
+            <a:endParaRPr lang="en-US"/>
+          </a:p>
+        </p:txBody>
+      </p:sp>
+    </p:spTree>
+    <p:extLst>
+      <p:ext uri="{BB962C8B-B14F-4D97-AF65-F5344CB8AC3E}">
+        <p14:creationId xmlns:p14="http://schemas.microsoft.com/office/powerpoint/2010/main" val="735703201"/>
+      </p:ext>
+    </p:extLst>
+  </p:cSld>
+  <p:clrMapOvr>
+    <a:masterClrMapping/>
+  </p:clrMapOvr>
+</p:notes>
+</file>
+
+<file path=ppt/notesSlides/notesSlide9.xml><?xml version="1.0" encoding="utf-8"?>
+<p:notes xmlns:a="http://schemas.openxmlformats.org/drawingml/2006/main" xmlns:r="http://schemas.openxmlformats.org/officeDocument/2006/relationships" xmlns:p="http://schemas.openxmlformats.org/presentationml/2006/main">
+  <p:cSld>
+    <p:spTree>
+      <p:nvGrpSpPr>
+        <p:cNvPr id="1" name=""/>
+        <p:cNvGrpSpPr/>
+        <p:nvPr/>
+      </p:nvGrpSpPr>
+      <p:grpSpPr>
+        <a:xfrm>
+          <a:off x="0" y="0"/>
+          <a:ext cx="0" cy="0"/>
+          <a:chOff x="0" y="0"/>
+          <a:chExt cx="0" cy="0"/>
+        </a:xfrm>
+      </p:grpSpPr>
+      <p:sp>
+        <p:nvSpPr>
+          <p:cNvPr id="2" name="Slide Image Placeholder 1"/>
+          <p:cNvSpPr>
+            <a:spLocks noGrp="1" noRot="1" noChangeAspect="1"/>
+          </p:cNvSpPr>
+          <p:nvPr>
+            <p:ph type="sldImg"/>
+          </p:nvPr>
+        </p:nvSpPr>
+        <p:spPr/>
+      </p:sp>
+      <p:sp>
+        <p:nvSpPr>
+          <p:cNvPr id="3" name="Notes Placeholder 2"/>
+          <p:cNvSpPr>
+            <a:spLocks noGrp="1"/>
+          </p:cNvSpPr>
+          <p:nvPr>
+            <p:ph type="body" idx="1"/>
+          </p:nvPr>
+        </p:nvSpPr>
+        <p:spPr/>
+        <p:txBody>
+          <a:bodyPr/>
+          <a:lstStyle/>
+          <a:p>
+            <a:endParaRPr lang="en-US"/>
+          </a:p>
+        </p:txBody>
+      </p:sp>
+      <p:sp>
+        <p:nvSpPr>
+          <p:cNvPr id="4" name="Slide Number Placeholder 3"/>
+          <p:cNvSpPr>
+            <a:spLocks noGrp="1"/>
+          </p:cNvSpPr>
+          <p:nvPr>
+            <p:ph type="sldNum" sz="quarter" idx="5"/>
+          </p:nvPr>
+        </p:nvSpPr>
+        <p:spPr/>
+        <p:txBody>
+          <a:bodyPr/>
+          <a:lstStyle/>
+          <a:p>
+            <a:fld id="{51F0A865-D7D9-DB4C-AEF6-0FEE240998BA}" type="slidenum">
+              <a:rPr lang="en-US" smtClean="0"/>
+              <a:t>9</a:t>
+            </a:fld>
+            <a:endParaRPr lang="en-US"/>
+          </a:p>
+        </p:txBody>
+      </p:sp>
+    </p:spTree>
+    <p:extLst>
+      <p:ext uri="{BB962C8B-B14F-4D97-AF65-F5344CB8AC3E}">
+        <p14:creationId xmlns:p14="http://schemas.microsoft.com/office/powerpoint/2010/main" val="1657145114"/>
+      </p:ext>
+    </p:extLst>
+  </p:cSld>
+  <p:clrMapOvr>
+    <a:masterClrMapping/>
+  </p:clrMapOvr>
+</p:notes>
 </file>
 
 <file path=ppt/slideLayouts/slideLayout1.xml><?xml version="1.0" encoding="utf-8"?>
@@ -3445,6 +5134,185 @@
           <a:chExt cx="0" cy="0"/>
         </a:xfrm>
       </p:grpSpPr>
+      <p:sp>
+        <p:nvSpPr>
+          <p:cNvPr id="2" name="TextBox 1">
+            <a:extLst>
+              <a:ext uri="{FF2B5EF4-FFF2-40B4-BE49-F238E27FC236}">
+                <a16:creationId xmlns:a16="http://schemas.microsoft.com/office/drawing/2014/main" id="{DB3228DD-B035-0C40-B515-CA42DDAC2E66}"/>
+              </a:ext>
+            </a:extLst>
+          </p:cNvPr>
+          <p:cNvSpPr txBox="1"/>
+          <p:nvPr/>
+        </p:nvSpPr>
+        <p:spPr>
+          <a:xfrm>
+            <a:off x="4269053" y="1743342"/>
+            <a:ext cx="3653885" cy="707886"/>
+          </a:xfrm>
+          <a:prstGeom prst="rect">
+            <a:avLst/>
+          </a:prstGeom>
+          <a:noFill/>
+        </p:spPr>
+        <p:txBody>
+          <a:bodyPr wrap="none" rtlCol="0">
+            <a:spAutoFit/>
+          </a:bodyPr>
+          <a:lstStyle/>
+          <a:p>
+            <a:r>
+              <a:rPr lang="en-US" sz="4000" dirty="0"/>
+              <a:t>Applied Example</a:t>
+            </a:r>
+          </a:p>
+        </p:txBody>
+      </p:sp>
+      <p:sp>
+        <p:nvSpPr>
+          <p:cNvPr id="3" name="TextBox 2">
+            <a:extLst>
+              <a:ext uri="{FF2B5EF4-FFF2-40B4-BE49-F238E27FC236}">
+                <a16:creationId xmlns:a16="http://schemas.microsoft.com/office/drawing/2014/main" id="{4AED99A4-4856-814F-A354-4ED7D300D749}"/>
+              </a:ext>
+            </a:extLst>
+          </p:cNvPr>
+          <p:cNvSpPr txBox="1"/>
+          <p:nvPr/>
+        </p:nvSpPr>
+        <p:spPr>
+          <a:xfrm>
+            <a:off x="2741772" y="2930468"/>
+            <a:ext cx="6708449" cy="461665"/>
+          </a:xfrm>
+          <a:prstGeom prst="rect">
+            <a:avLst/>
+          </a:prstGeom>
+          <a:noFill/>
+        </p:spPr>
+        <p:txBody>
+          <a:bodyPr wrap="square" rtlCol="0">
+            <a:spAutoFit/>
+          </a:bodyPr>
+          <a:lstStyle/>
+          <a:p>
+            <a:pPr algn="ctr"/>
+            <a:r>
+              <a:rPr lang="en-US" sz="2400" dirty="0"/>
+              <a:t>Introduce Applied Data, Context and Objective</a:t>
+            </a:r>
+          </a:p>
+        </p:txBody>
+      </p:sp>
+      <p:sp>
+        <p:nvSpPr>
+          <p:cNvPr id="5" name="TextBox 4">
+            <a:extLst>
+              <a:ext uri="{FF2B5EF4-FFF2-40B4-BE49-F238E27FC236}">
+                <a16:creationId xmlns:a16="http://schemas.microsoft.com/office/drawing/2014/main" id="{8FE4DE55-B340-8840-8E36-4CA4DCC92D8B}"/>
+              </a:ext>
+            </a:extLst>
+          </p:cNvPr>
+          <p:cNvSpPr txBox="1"/>
+          <p:nvPr/>
+        </p:nvSpPr>
+        <p:spPr>
+          <a:xfrm>
+            <a:off x="2741772" y="3673391"/>
+            <a:ext cx="6708449" cy="461665"/>
+          </a:xfrm>
+          <a:prstGeom prst="rect">
+            <a:avLst/>
+          </a:prstGeom>
+          <a:noFill/>
+        </p:spPr>
+        <p:txBody>
+          <a:bodyPr wrap="square" rtlCol="0">
+            <a:spAutoFit/>
+          </a:bodyPr>
+          <a:lstStyle/>
+          <a:p>
+            <a:pPr algn="ctr"/>
+            <a:r>
+              <a:rPr lang="en-US" sz="2400" dirty="0"/>
+              <a:t>Overview of Results</a:t>
+            </a:r>
+          </a:p>
+        </p:txBody>
+      </p:sp>
+      <p:sp>
+        <p:nvSpPr>
+          <p:cNvPr id="6" name="TextBox 5">
+            <a:extLst>
+              <a:ext uri="{FF2B5EF4-FFF2-40B4-BE49-F238E27FC236}">
+                <a16:creationId xmlns:a16="http://schemas.microsoft.com/office/drawing/2014/main" id="{C492884D-B453-6743-B558-2945E36DEE7F}"/>
+              </a:ext>
+            </a:extLst>
+          </p:cNvPr>
+          <p:cNvSpPr txBox="1"/>
+          <p:nvPr/>
+        </p:nvSpPr>
+        <p:spPr>
+          <a:xfrm>
+            <a:off x="2741772" y="4416314"/>
+            <a:ext cx="6708449" cy="461665"/>
+          </a:xfrm>
+          <a:prstGeom prst="rect">
+            <a:avLst/>
+          </a:prstGeom>
+          <a:noFill/>
+        </p:spPr>
+        <p:txBody>
+          <a:bodyPr wrap="square" rtlCol="0">
+            <a:spAutoFit/>
+          </a:bodyPr>
+          <a:lstStyle/>
+          <a:p>
+            <a:pPr algn="ctr"/>
+            <a:r>
+              <a:rPr lang="en-US" sz="2400" dirty="0"/>
+              <a:t>How Results are Used</a:t>
+            </a:r>
+          </a:p>
+        </p:txBody>
+      </p:sp>
+      <p:sp>
+        <p:nvSpPr>
+          <p:cNvPr id="7" name="TextBox 6">
+            <a:extLst>
+              <a:ext uri="{FF2B5EF4-FFF2-40B4-BE49-F238E27FC236}">
+                <a16:creationId xmlns:a16="http://schemas.microsoft.com/office/drawing/2014/main" id="{2E4229D6-E10A-7A4E-A353-5C4D3372F5BE}"/>
+              </a:ext>
+            </a:extLst>
+          </p:cNvPr>
+          <p:cNvSpPr txBox="1"/>
+          <p:nvPr/>
+        </p:nvSpPr>
+        <p:spPr>
+          <a:xfrm>
+            <a:off x="2741772" y="5018793"/>
+            <a:ext cx="6708449" cy="461665"/>
+          </a:xfrm>
+          <a:prstGeom prst="rect">
+            <a:avLst/>
+          </a:prstGeom>
+          <a:noFill/>
+        </p:spPr>
+        <p:txBody>
+          <a:bodyPr wrap="square" rtlCol="0">
+            <a:spAutoFit/>
+          </a:bodyPr>
+          <a:lstStyle/>
+          <a:p>
+            <a:pPr algn="ctr"/>
+            <a:r>
+              <a:rPr lang="en-US" sz="2400" dirty="0"/>
+              <a:t>How this Process Applies to the Consult</a:t>
+            </a:r>
+          </a:p>
+        </p:txBody>
+      </p:sp>
     </p:spTree>
     <p:extLst>
       <p:ext uri="{BB962C8B-B14F-4D97-AF65-F5344CB8AC3E}">
@@ -3475,10 +5343,486 @@
           <a:chExt cx="0" cy="0"/>
         </a:xfrm>
       </p:grpSpPr>
+      <p:sp>
+        <p:nvSpPr>
+          <p:cNvPr id="2" name="TextBox 1">
+            <a:extLst>
+              <a:ext uri="{FF2B5EF4-FFF2-40B4-BE49-F238E27FC236}">
+                <a16:creationId xmlns:a16="http://schemas.microsoft.com/office/drawing/2014/main" id="{3E9EBF2B-8456-9B46-A887-17B832F602B2}"/>
+              </a:ext>
+            </a:extLst>
+          </p:cNvPr>
+          <p:cNvSpPr txBox="1"/>
+          <p:nvPr/>
+        </p:nvSpPr>
+        <p:spPr>
+          <a:xfrm>
+            <a:off x="3116883" y="0"/>
+            <a:ext cx="5090111" cy="523220"/>
+          </a:xfrm>
+          <a:prstGeom prst="rect">
+            <a:avLst/>
+          </a:prstGeom>
+          <a:noFill/>
+        </p:spPr>
+        <p:txBody>
+          <a:bodyPr wrap="none" rtlCol="0">
+            <a:spAutoFit/>
+          </a:bodyPr>
+          <a:lstStyle/>
+          <a:p>
+            <a:r>
+              <a:rPr lang="en-US" sz="2800" dirty="0"/>
+              <a:t>Let’s stop and smell the </a:t>
+            </a:r>
+            <a:r>
+              <a:rPr lang="en-US" sz="2800" i="1" dirty="0"/>
+              <a:t>Irises</a:t>
+            </a:r>
+            <a:r>
+              <a:rPr lang="en-US" sz="2800" dirty="0"/>
+              <a:t>..</a:t>
+            </a:r>
+            <a:r>
+              <a:rPr lang="en-US" sz="2800" i="1" dirty="0" err="1"/>
+              <a:t>Iri</a:t>
+            </a:r>
+            <a:r>
+              <a:rPr lang="en-US" sz="2800" dirty="0"/>
+              <a:t>?</a:t>
+            </a:r>
+          </a:p>
+        </p:txBody>
+      </p:sp>
+      <p:sp>
+        <p:nvSpPr>
+          <p:cNvPr id="3" name="TextBox 2">
+            <a:extLst>
+              <a:ext uri="{FF2B5EF4-FFF2-40B4-BE49-F238E27FC236}">
+                <a16:creationId xmlns:a16="http://schemas.microsoft.com/office/drawing/2014/main" id="{40A2DD3B-E82B-8842-B6CF-2F2C6A0EBF30}"/>
+              </a:ext>
+            </a:extLst>
+          </p:cNvPr>
+          <p:cNvSpPr txBox="1"/>
+          <p:nvPr/>
+        </p:nvSpPr>
+        <p:spPr>
+          <a:xfrm>
+            <a:off x="504201" y="658026"/>
+            <a:ext cx="6802453" cy="4148636"/>
+          </a:xfrm>
+          <a:prstGeom prst="rect">
+            <a:avLst/>
+          </a:prstGeom>
+          <a:noFill/>
+        </p:spPr>
+        <p:txBody>
+          <a:bodyPr wrap="square" rtlCol="0">
+            <a:spAutoFit/>
+          </a:bodyPr>
+          <a:lstStyle/>
+          <a:p>
+            <a:pPr>
+              <a:lnSpc>
+                <a:spcPct val="150000"/>
+              </a:lnSpc>
+            </a:pPr>
+            <a:r>
+              <a:rPr lang="en-US" sz="2400" u="sng" dirty="0"/>
+              <a:t>Consider data with the following information</a:t>
+            </a:r>
+          </a:p>
+          <a:p>
+            <a:pPr marL="285750" indent="-285750">
+              <a:lnSpc>
+                <a:spcPct val="150000"/>
+              </a:lnSpc>
+              <a:buFont typeface="Arial" panose="020B0604020202020204" pitchFamily="34" charset="0"/>
+              <a:buChar char="•"/>
+            </a:pPr>
+            <a:r>
+              <a:rPr lang="en-US" sz="2200" dirty="0"/>
+              <a:t>Sepal Width, Sepal Length, Petal Width, and Petal Length</a:t>
+            </a:r>
+          </a:p>
+          <a:p>
+            <a:pPr marL="285750" indent="-285750">
+              <a:lnSpc>
+                <a:spcPct val="150000"/>
+              </a:lnSpc>
+              <a:buFont typeface="Arial" panose="020B0604020202020204" pitchFamily="34" charset="0"/>
+              <a:buChar char="•"/>
+            </a:pPr>
+            <a:r>
+              <a:rPr lang="en-US" sz="2200" dirty="0"/>
+              <a:t>All continuous measurements</a:t>
+            </a:r>
+          </a:p>
+          <a:p>
+            <a:pPr marL="285750" indent="-285750">
+              <a:lnSpc>
+                <a:spcPct val="150000"/>
+              </a:lnSpc>
+              <a:buFont typeface="Arial" panose="020B0604020202020204" pitchFamily="34" charset="0"/>
+              <a:buChar char="•"/>
+            </a:pPr>
+            <a:r>
+              <a:rPr lang="en-US" sz="2200" dirty="0"/>
+              <a:t>150 distinct flower observations</a:t>
+            </a:r>
+          </a:p>
+          <a:p>
+            <a:pPr marL="285750" indent="-285750">
+              <a:lnSpc>
+                <a:spcPct val="150000"/>
+              </a:lnSpc>
+              <a:buFont typeface="Arial" panose="020B0604020202020204" pitchFamily="34" charset="0"/>
+              <a:buChar char="•"/>
+            </a:pPr>
+            <a:r>
+              <a:rPr lang="en-US" sz="2200" dirty="0"/>
+              <a:t>NO species information</a:t>
+            </a:r>
+          </a:p>
+          <a:p>
+            <a:pPr marL="285750" indent="-285750">
+              <a:lnSpc>
+                <a:spcPct val="150000"/>
+              </a:lnSpc>
+              <a:buFont typeface="Arial" panose="020B0604020202020204" pitchFamily="34" charset="0"/>
+              <a:buChar char="•"/>
+            </a:pPr>
+            <a:r>
+              <a:rPr lang="en-US" sz="2200" dirty="0"/>
+              <a:t>No measure TRUTH provided </a:t>
+            </a:r>
+          </a:p>
+          <a:p>
+            <a:pPr marL="285750" indent="-285750">
+              <a:lnSpc>
+                <a:spcPct val="150000"/>
+              </a:lnSpc>
+              <a:buFont typeface="Arial" panose="020B0604020202020204" pitchFamily="34" charset="0"/>
+              <a:buChar char="•"/>
+            </a:pPr>
+            <a:endParaRPr lang="en-US" sz="2200" dirty="0"/>
+          </a:p>
+        </p:txBody>
+      </p:sp>
+      <p:sp>
+        <p:nvSpPr>
+          <p:cNvPr id="4" name="TextBox 3">
+            <a:extLst>
+              <a:ext uri="{FF2B5EF4-FFF2-40B4-BE49-F238E27FC236}">
+                <a16:creationId xmlns:a16="http://schemas.microsoft.com/office/drawing/2014/main" id="{0574D90F-D4DC-244B-B9D5-D8ABF437E058}"/>
+              </a:ext>
+            </a:extLst>
+          </p:cNvPr>
+          <p:cNvSpPr txBox="1"/>
+          <p:nvPr/>
+        </p:nvSpPr>
+        <p:spPr>
+          <a:xfrm>
+            <a:off x="6751176" y="675117"/>
+            <a:ext cx="5836779" cy="1697068"/>
+          </a:xfrm>
+          <a:prstGeom prst="rect">
+            <a:avLst/>
+          </a:prstGeom>
+          <a:noFill/>
+        </p:spPr>
+        <p:txBody>
+          <a:bodyPr wrap="square" rtlCol="0">
+            <a:spAutoFit/>
+          </a:bodyPr>
+          <a:lstStyle/>
+          <a:p>
+            <a:pPr>
+              <a:lnSpc>
+                <a:spcPct val="150000"/>
+              </a:lnSpc>
+            </a:pPr>
+            <a:r>
+              <a:rPr lang="en-US" sz="2400" u="sng" dirty="0"/>
+              <a:t>Obtained from previous/outside sources</a:t>
+            </a:r>
+          </a:p>
+          <a:p>
+            <a:pPr marL="342900" indent="-342900">
+              <a:lnSpc>
+                <a:spcPct val="150000"/>
+              </a:lnSpc>
+              <a:buFont typeface="Arial" panose="020B0604020202020204" pitchFamily="34" charset="0"/>
+              <a:buChar char="•"/>
+            </a:pPr>
+            <a:r>
+              <a:rPr lang="en-US" sz="2400" dirty="0"/>
+              <a:t>Average values of each variable corresponding to each species</a:t>
+            </a:r>
+          </a:p>
+        </p:txBody>
+      </p:sp>
+      <p:pic>
+        <p:nvPicPr>
+          <p:cNvPr id="6" name="Picture 5" descr="A screenshot of a cell phone&#10;&#10;Description automatically generated">
+            <a:extLst>
+              <a:ext uri="{FF2B5EF4-FFF2-40B4-BE49-F238E27FC236}">
+                <a16:creationId xmlns:a16="http://schemas.microsoft.com/office/drawing/2014/main" id="{F14737EA-46EF-AC4F-A407-1EB367C4753E}"/>
+              </a:ext>
+            </a:extLst>
+          </p:cNvPr>
+          <p:cNvPicPr>
+            <a:picLocks noChangeAspect="1"/>
+          </p:cNvPicPr>
+          <p:nvPr/>
+        </p:nvPicPr>
+        <p:blipFill>
+          <a:blip r:embed="rId3"/>
+          <a:stretch>
+            <a:fillRect/>
+          </a:stretch>
+        </p:blipFill>
+        <p:spPr>
+          <a:xfrm>
+            <a:off x="5783730" y="2524082"/>
+            <a:ext cx="6151896" cy="1532454"/>
+          </a:xfrm>
+          <a:prstGeom prst="rect">
+            <a:avLst/>
+          </a:prstGeom>
+        </p:spPr>
+      </p:pic>
+      <p:sp>
+        <p:nvSpPr>
+          <p:cNvPr id="7" name="Rectangle 6">
+            <a:extLst>
+              <a:ext uri="{FF2B5EF4-FFF2-40B4-BE49-F238E27FC236}">
+                <a16:creationId xmlns:a16="http://schemas.microsoft.com/office/drawing/2014/main" id="{27BBA2A9-01D0-C446-85E6-63EF136F4D89}"/>
+              </a:ext>
+            </a:extLst>
+          </p:cNvPr>
+          <p:cNvSpPr/>
+          <p:nvPr/>
+        </p:nvSpPr>
+        <p:spPr>
+          <a:xfrm>
+            <a:off x="256374" y="675117"/>
+            <a:ext cx="11827379" cy="4042162"/>
+          </a:xfrm>
+          <a:prstGeom prst="rect">
+            <a:avLst/>
+          </a:prstGeom>
+          <a:noFill/>
+          <a:ln>
+            <a:solidFill>
+              <a:schemeClr val="tx1"/>
+            </a:solidFill>
+          </a:ln>
+        </p:spPr>
+        <p:style>
+          <a:lnRef idx="2">
+            <a:schemeClr val="accent1">
+              <a:shade val="50000"/>
+            </a:schemeClr>
+          </a:lnRef>
+          <a:fillRef idx="1">
+            <a:schemeClr val="accent1"/>
+          </a:fillRef>
+          <a:effectRef idx="0">
+            <a:schemeClr val="accent1"/>
+          </a:effectRef>
+          <a:fontRef idx="minor">
+            <a:schemeClr val="lt1"/>
+          </a:fontRef>
+        </p:style>
+        <p:txBody>
+          <a:bodyPr rtlCol="0" anchor="ctr"/>
+          <a:lstStyle/>
+          <a:p>
+            <a:pPr algn="ctr"/>
+            <a:endParaRPr lang="en-US"/>
+          </a:p>
+        </p:txBody>
+      </p:sp>
+      <p:sp>
+        <p:nvSpPr>
+          <p:cNvPr id="8" name="TextBox 7">
+            <a:extLst>
+              <a:ext uri="{FF2B5EF4-FFF2-40B4-BE49-F238E27FC236}">
+                <a16:creationId xmlns:a16="http://schemas.microsoft.com/office/drawing/2014/main" id="{321E38B6-B202-EC48-B805-87C33F5F6F66}"/>
+              </a:ext>
+            </a:extLst>
+          </p:cNvPr>
+          <p:cNvSpPr txBox="1"/>
+          <p:nvPr/>
+        </p:nvSpPr>
+        <p:spPr>
+          <a:xfrm>
+            <a:off x="256374" y="4862984"/>
+            <a:ext cx="6715685" cy="369332"/>
+          </a:xfrm>
+          <a:prstGeom prst="rect">
+            <a:avLst/>
+          </a:prstGeom>
+          <a:noFill/>
+        </p:spPr>
+        <p:txBody>
+          <a:bodyPr wrap="none" rtlCol="0">
+            <a:spAutoFit/>
+          </a:bodyPr>
+          <a:lstStyle/>
+          <a:p>
+            <a:r>
+              <a:rPr lang="en-US" dirty="0"/>
+              <a:t>OBJECTIVE: Classify the observations into the three species categories</a:t>
+            </a:r>
+          </a:p>
+        </p:txBody>
+      </p:sp>
+      <p:sp>
+        <p:nvSpPr>
+          <p:cNvPr id="9" name="TextBox 8">
+            <a:extLst>
+              <a:ext uri="{FF2B5EF4-FFF2-40B4-BE49-F238E27FC236}">
+                <a16:creationId xmlns:a16="http://schemas.microsoft.com/office/drawing/2014/main" id="{F6E36E3B-43AC-CB4E-94C3-3713A4D5F407}"/>
+              </a:ext>
+            </a:extLst>
+          </p:cNvPr>
+          <p:cNvSpPr txBox="1"/>
+          <p:nvPr/>
+        </p:nvSpPr>
+        <p:spPr>
+          <a:xfrm>
+            <a:off x="256374" y="5288638"/>
+            <a:ext cx="1085875" cy="369332"/>
+          </a:xfrm>
+          <a:prstGeom prst="rect">
+            <a:avLst/>
+          </a:prstGeom>
+          <a:noFill/>
+        </p:spPr>
+        <p:txBody>
+          <a:bodyPr wrap="none" rtlCol="0">
+            <a:spAutoFit/>
+          </a:bodyPr>
+          <a:lstStyle/>
+          <a:p>
+            <a:r>
+              <a:rPr lang="en-US" dirty="0"/>
+              <a:t>PROCESS:</a:t>
+            </a:r>
+          </a:p>
+        </p:txBody>
+      </p:sp>
+      <p:sp>
+        <p:nvSpPr>
+          <p:cNvPr id="10" name="TextBox 9">
+            <a:extLst>
+              <a:ext uri="{FF2B5EF4-FFF2-40B4-BE49-F238E27FC236}">
+                <a16:creationId xmlns:a16="http://schemas.microsoft.com/office/drawing/2014/main" id="{D8686948-3189-864F-B740-C2CDCD9C497E}"/>
+              </a:ext>
+            </a:extLst>
+          </p:cNvPr>
+          <p:cNvSpPr txBox="1"/>
+          <p:nvPr/>
+        </p:nvSpPr>
+        <p:spPr>
+          <a:xfrm>
+            <a:off x="1504058" y="5288638"/>
+            <a:ext cx="5247118" cy="646331"/>
+          </a:xfrm>
+          <a:prstGeom prst="rect">
+            <a:avLst/>
+          </a:prstGeom>
+          <a:noFill/>
+        </p:spPr>
+        <p:txBody>
+          <a:bodyPr wrap="square" rtlCol="0">
+            <a:spAutoFit/>
+          </a:bodyPr>
+          <a:lstStyle/>
+          <a:p>
+            <a:r>
+              <a:rPr lang="en-US" dirty="0"/>
+              <a:t>Step 1: Generate Self-Organizing Map that clusters observations into two-dimensional lattice structure</a:t>
+            </a:r>
+          </a:p>
+        </p:txBody>
+      </p:sp>
+      <p:sp>
+        <p:nvSpPr>
+          <p:cNvPr id="11" name="TextBox 10">
+            <a:extLst>
+              <a:ext uri="{FF2B5EF4-FFF2-40B4-BE49-F238E27FC236}">
+                <a16:creationId xmlns:a16="http://schemas.microsoft.com/office/drawing/2014/main" id="{535C9211-4479-E345-82A8-EDE123EBA6D4}"/>
+              </a:ext>
+            </a:extLst>
+          </p:cNvPr>
+          <p:cNvSpPr txBox="1"/>
+          <p:nvPr/>
+        </p:nvSpPr>
+        <p:spPr>
+          <a:xfrm>
+            <a:off x="1504058" y="5952226"/>
+            <a:ext cx="5247118" cy="646331"/>
+          </a:xfrm>
+          <a:prstGeom prst="rect">
+            <a:avLst/>
+          </a:prstGeom>
+          <a:noFill/>
+        </p:spPr>
+        <p:txBody>
+          <a:bodyPr wrap="square" rtlCol="0">
+            <a:spAutoFit/>
+          </a:bodyPr>
+          <a:lstStyle/>
+          <a:p>
+            <a:r>
+              <a:rPr lang="en-US" dirty="0"/>
+              <a:t>Step 2: Identify unique input characteristics of each node within lattice node</a:t>
+            </a:r>
+          </a:p>
+        </p:txBody>
+      </p:sp>
+      <p:sp>
+        <p:nvSpPr>
+          <p:cNvPr id="12" name="TextBox 11">
+            <a:extLst>
+              <a:ext uri="{FF2B5EF4-FFF2-40B4-BE49-F238E27FC236}">
+                <a16:creationId xmlns:a16="http://schemas.microsoft.com/office/drawing/2014/main" id="{72CBE6C0-1A2E-1D45-91FD-68B3A41111A8}"/>
+              </a:ext>
+            </a:extLst>
+          </p:cNvPr>
+          <p:cNvSpPr txBox="1"/>
+          <p:nvPr/>
+        </p:nvSpPr>
+        <p:spPr>
+          <a:xfrm>
+            <a:off x="6595928" y="5308350"/>
+            <a:ext cx="5247118" cy="1200329"/>
+          </a:xfrm>
+          <a:prstGeom prst="rect">
+            <a:avLst/>
+          </a:prstGeom>
+          <a:noFill/>
+        </p:spPr>
+        <p:txBody>
+          <a:bodyPr wrap="square" rtlCol="0">
+            <a:spAutoFit/>
+          </a:bodyPr>
+          <a:lstStyle/>
+          <a:p>
+            <a:r>
+              <a:rPr lang="en-US" dirty="0"/>
+              <a:t>Step 3: Cross-examine features unique to nodes with previously obtained information (table above) to identify probable species classification for all observations within each output node</a:t>
+            </a:r>
+          </a:p>
+        </p:txBody>
+      </p:sp>
     </p:spTree>
     <p:extLst>
       <p:ext uri="{BB962C8B-B14F-4D97-AF65-F5344CB8AC3E}">
-        <p14:creationId xmlns:p14="http://schemas.microsoft.com/office/powerpoint/2010/main" val="40893686"/>
+        <p14:creationId xmlns:p14="http://schemas.microsoft.com/office/powerpoint/2010/main" val="162484689"/>
       </p:ext>
     </p:extLst>
   </p:cSld>
@@ -3505,10 +5849,974 @@
           <a:chExt cx="0" cy="0"/>
         </a:xfrm>
       </p:grpSpPr>
+      <p:grpSp>
+        <p:nvGrpSpPr>
+          <p:cNvPr id="18" name="Group 17">
+            <a:extLst>
+              <a:ext uri="{FF2B5EF4-FFF2-40B4-BE49-F238E27FC236}">
+                <a16:creationId xmlns:a16="http://schemas.microsoft.com/office/drawing/2014/main" id="{98223663-7FF9-1948-9F7F-7CAD92734E50}"/>
+              </a:ext>
+            </a:extLst>
+          </p:cNvPr>
+          <p:cNvGrpSpPr/>
+          <p:nvPr/>
+        </p:nvGrpSpPr>
+        <p:grpSpPr>
+          <a:xfrm>
+            <a:off x="288274" y="246509"/>
+            <a:ext cx="5340335" cy="6364982"/>
+            <a:chOff x="3417323" y="493018"/>
+            <a:chExt cx="5340335" cy="6364982"/>
+          </a:xfrm>
+        </p:grpSpPr>
+        <p:pic>
+          <p:nvPicPr>
+            <p:cNvPr id="4" name="Picture 3" descr="A close up of a logo&#10;&#10;Description automatically generated">
+              <a:extLst>
+                <a:ext uri="{FF2B5EF4-FFF2-40B4-BE49-F238E27FC236}">
+                  <a16:creationId xmlns:a16="http://schemas.microsoft.com/office/drawing/2014/main" id="{28D0D8B9-A2C7-A647-9155-E844FB66F59F}"/>
+                </a:ext>
+              </a:extLst>
+            </p:cNvPr>
+            <p:cNvPicPr>
+              <a:picLocks noChangeAspect="1"/>
+            </p:cNvPicPr>
+            <p:nvPr/>
+          </p:nvPicPr>
+          <p:blipFill>
+            <a:blip r:embed="rId3"/>
+            <a:stretch>
+              <a:fillRect/>
+            </a:stretch>
+          </p:blipFill>
+          <p:spPr>
+            <a:xfrm>
+              <a:off x="3434342" y="493018"/>
+              <a:ext cx="5323316" cy="6364982"/>
+            </a:xfrm>
+            <a:prstGeom prst="rect">
+              <a:avLst/>
+            </a:prstGeom>
+          </p:spPr>
+        </p:pic>
+        <p:sp>
+          <p:nvSpPr>
+            <p:cNvPr id="6" name="TextBox 5">
+              <a:extLst>
+                <a:ext uri="{FF2B5EF4-FFF2-40B4-BE49-F238E27FC236}">
+                  <a16:creationId xmlns:a16="http://schemas.microsoft.com/office/drawing/2014/main" id="{79A9DDD2-F3B1-444F-9D46-0BECF27AE6B1}"/>
+                </a:ext>
+              </a:extLst>
+            </p:cNvPr>
+            <p:cNvSpPr txBox="1"/>
+            <p:nvPr/>
+          </p:nvSpPr>
+          <p:spPr>
+            <a:xfrm>
+              <a:off x="8125627" y="760759"/>
+              <a:ext cx="418704" cy="369332"/>
+            </a:xfrm>
+            <a:prstGeom prst="rect">
+              <a:avLst/>
+            </a:prstGeom>
+            <a:noFill/>
+          </p:spPr>
+          <p:txBody>
+            <a:bodyPr wrap="none" rtlCol="0">
+              <a:spAutoFit/>
+            </a:bodyPr>
+            <a:lstStyle/>
+            <a:p>
+              <a:r>
+                <a:rPr lang="en-US" dirty="0"/>
+                <a:t>16</a:t>
+              </a:r>
+            </a:p>
+          </p:txBody>
+        </p:sp>
+        <p:sp>
+          <p:nvSpPr>
+            <p:cNvPr id="8" name="TextBox 7">
+              <a:extLst>
+                <a:ext uri="{FF2B5EF4-FFF2-40B4-BE49-F238E27FC236}">
+                  <a16:creationId xmlns:a16="http://schemas.microsoft.com/office/drawing/2014/main" id="{F4C321A3-DC33-F742-89C0-23550E6F9248}"/>
+                </a:ext>
+              </a:extLst>
+            </p:cNvPr>
+            <p:cNvSpPr txBox="1"/>
+            <p:nvPr/>
+          </p:nvSpPr>
+          <p:spPr>
+            <a:xfrm>
+              <a:off x="8125627" y="2400127"/>
+              <a:ext cx="418704" cy="369332"/>
+            </a:xfrm>
+            <a:prstGeom prst="rect">
+              <a:avLst/>
+            </a:prstGeom>
+            <a:noFill/>
+          </p:spPr>
+          <p:txBody>
+            <a:bodyPr wrap="none" rtlCol="0">
+              <a:spAutoFit/>
+            </a:bodyPr>
+            <a:lstStyle/>
+            <a:p>
+              <a:r>
+                <a:rPr lang="en-US" dirty="0"/>
+                <a:t>12</a:t>
+              </a:r>
+            </a:p>
+          </p:txBody>
+        </p:sp>
+        <p:sp>
+          <p:nvSpPr>
+            <p:cNvPr id="9" name="TextBox 8">
+              <a:extLst>
+                <a:ext uri="{FF2B5EF4-FFF2-40B4-BE49-F238E27FC236}">
+                  <a16:creationId xmlns:a16="http://schemas.microsoft.com/office/drawing/2014/main" id="{E2B47E0B-CD56-7D48-80C7-5ADC6D570968}"/>
+                </a:ext>
+              </a:extLst>
+            </p:cNvPr>
+            <p:cNvSpPr txBox="1"/>
+            <p:nvPr/>
+          </p:nvSpPr>
+          <p:spPr>
+            <a:xfrm>
+              <a:off x="8125627" y="3490843"/>
+              <a:ext cx="301686" cy="369332"/>
+            </a:xfrm>
+            <a:prstGeom prst="rect">
+              <a:avLst/>
+            </a:prstGeom>
+            <a:noFill/>
+          </p:spPr>
+          <p:txBody>
+            <a:bodyPr wrap="none" rtlCol="0">
+              <a:spAutoFit/>
+            </a:bodyPr>
+            <a:lstStyle/>
+            <a:p>
+              <a:r>
+                <a:rPr lang="en-US" dirty="0"/>
+                <a:t>8</a:t>
+              </a:r>
+            </a:p>
+          </p:txBody>
+        </p:sp>
+        <p:sp>
+          <p:nvSpPr>
+            <p:cNvPr id="10" name="TextBox 9">
+              <a:extLst>
+                <a:ext uri="{FF2B5EF4-FFF2-40B4-BE49-F238E27FC236}">
+                  <a16:creationId xmlns:a16="http://schemas.microsoft.com/office/drawing/2014/main" id="{9BBFB6EE-35E8-954C-B508-95AA241C6C95}"/>
+                </a:ext>
+              </a:extLst>
+            </p:cNvPr>
+            <p:cNvSpPr txBox="1"/>
+            <p:nvPr/>
+          </p:nvSpPr>
+          <p:spPr>
+            <a:xfrm>
+              <a:off x="8111365" y="5224468"/>
+              <a:ext cx="301686" cy="369332"/>
+            </a:xfrm>
+            <a:prstGeom prst="rect">
+              <a:avLst/>
+            </a:prstGeom>
+            <a:noFill/>
+          </p:spPr>
+          <p:txBody>
+            <a:bodyPr wrap="none" rtlCol="0">
+              <a:spAutoFit/>
+            </a:bodyPr>
+            <a:lstStyle/>
+            <a:p>
+              <a:r>
+                <a:rPr lang="en-US" dirty="0"/>
+                <a:t>4</a:t>
+              </a:r>
+            </a:p>
+          </p:txBody>
+        </p:sp>
+        <p:sp>
+          <p:nvSpPr>
+            <p:cNvPr id="12" name="TextBox 11">
+              <a:extLst>
+                <a:ext uri="{FF2B5EF4-FFF2-40B4-BE49-F238E27FC236}">
+                  <a16:creationId xmlns:a16="http://schemas.microsoft.com/office/drawing/2014/main" id="{4FB7BA5F-B32F-174A-B5FC-A2F6E5767932}"/>
+                </a:ext>
+              </a:extLst>
+            </p:cNvPr>
+            <p:cNvSpPr txBox="1"/>
+            <p:nvPr/>
+          </p:nvSpPr>
+          <p:spPr>
+            <a:xfrm>
+              <a:off x="3417323" y="760759"/>
+              <a:ext cx="418704" cy="369332"/>
+            </a:xfrm>
+            <a:prstGeom prst="rect">
+              <a:avLst/>
+            </a:prstGeom>
+            <a:noFill/>
+          </p:spPr>
+          <p:txBody>
+            <a:bodyPr wrap="none" rtlCol="0">
+              <a:spAutoFit/>
+            </a:bodyPr>
+            <a:lstStyle/>
+            <a:p>
+              <a:r>
+                <a:rPr lang="en-US" dirty="0"/>
+                <a:t>13</a:t>
+              </a:r>
+            </a:p>
+          </p:txBody>
+        </p:sp>
+        <p:sp>
+          <p:nvSpPr>
+            <p:cNvPr id="13" name="TextBox 12">
+              <a:extLst>
+                <a:ext uri="{FF2B5EF4-FFF2-40B4-BE49-F238E27FC236}">
+                  <a16:creationId xmlns:a16="http://schemas.microsoft.com/office/drawing/2014/main" id="{EE8B6630-09C8-CE4C-950F-05498D30F4BE}"/>
+                </a:ext>
+              </a:extLst>
+            </p:cNvPr>
+            <p:cNvSpPr txBox="1"/>
+            <p:nvPr/>
+          </p:nvSpPr>
+          <p:spPr>
+            <a:xfrm>
+              <a:off x="3417323" y="2518745"/>
+              <a:ext cx="301686" cy="369332"/>
+            </a:xfrm>
+            <a:prstGeom prst="rect">
+              <a:avLst/>
+            </a:prstGeom>
+            <a:noFill/>
+          </p:spPr>
+          <p:txBody>
+            <a:bodyPr wrap="none" rtlCol="0">
+              <a:spAutoFit/>
+            </a:bodyPr>
+            <a:lstStyle/>
+            <a:p>
+              <a:r>
+                <a:rPr lang="en-US" dirty="0"/>
+                <a:t>9</a:t>
+              </a:r>
+            </a:p>
+          </p:txBody>
+        </p:sp>
+        <p:sp>
+          <p:nvSpPr>
+            <p:cNvPr id="14" name="TextBox 13">
+              <a:extLst>
+                <a:ext uri="{FF2B5EF4-FFF2-40B4-BE49-F238E27FC236}">
+                  <a16:creationId xmlns:a16="http://schemas.microsoft.com/office/drawing/2014/main" id="{D001218A-D04E-4244-A82C-070918D1D543}"/>
+                </a:ext>
+              </a:extLst>
+            </p:cNvPr>
+            <p:cNvSpPr txBox="1"/>
+            <p:nvPr/>
+          </p:nvSpPr>
+          <p:spPr>
+            <a:xfrm>
+              <a:off x="3417323" y="3590936"/>
+              <a:ext cx="301686" cy="369332"/>
+            </a:xfrm>
+            <a:prstGeom prst="rect">
+              <a:avLst/>
+            </a:prstGeom>
+            <a:noFill/>
+          </p:spPr>
+          <p:txBody>
+            <a:bodyPr wrap="none" rtlCol="0">
+              <a:spAutoFit/>
+            </a:bodyPr>
+            <a:lstStyle/>
+            <a:p>
+              <a:r>
+                <a:rPr lang="en-US" dirty="0"/>
+                <a:t>5</a:t>
+              </a:r>
+            </a:p>
+          </p:txBody>
+        </p:sp>
+        <p:sp>
+          <p:nvSpPr>
+            <p:cNvPr id="15" name="TextBox 14">
+              <a:extLst>
+                <a:ext uri="{FF2B5EF4-FFF2-40B4-BE49-F238E27FC236}">
+                  <a16:creationId xmlns:a16="http://schemas.microsoft.com/office/drawing/2014/main" id="{5B35662E-B3B2-1847-BEEB-F6551017BCD7}"/>
+                </a:ext>
+              </a:extLst>
+            </p:cNvPr>
+            <p:cNvSpPr txBox="1"/>
+            <p:nvPr/>
+          </p:nvSpPr>
+          <p:spPr>
+            <a:xfrm>
+              <a:off x="3434342" y="5224468"/>
+              <a:ext cx="301686" cy="369332"/>
+            </a:xfrm>
+            <a:prstGeom prst="rect">
+              <a:avLst/>
+            </a:prstGeom>
+            <a:noFill/>
+          </p:spPr>
+          <p:txBody>
+            <a:bodyPr wrap="none" rtlCol="0">
+              <a:spAutoFit/>
+            </a:bodyPr>
+            <a:lstStyle/>
+            <a:p>
+              <a:r>
+                <a:rPr lang="en-US" dirty="0"/>
+                <a:t>1</a:t>
+              </a:r>
+            </a:p>
+          </p:txBody>
+        </p:sp>
+        <p:sp>
+          <p:nvSpPr>
+            <p:cNvPr id="16" name="TextBox 15">
+              <a:extLst>
+                <a:ext uri="{FF2B5EF4-FFF2-40B4-BE49-F238E27FC236}">
+                  <a16:creationId xmlns:a16="http://schemas.microsoft.com/office/drawing/2014/main" id="{AECF11EF-76A2-AF49-87EE-F74836B295FC}"/>
+                </a:ext>
+              </a:extLst>
+            </p:cNvPr>
+            <p:cNvSpPr txBox="1"/>
+            <p:nvPr/>
+          </p:nvSpPr>
+          <p:spPr>
+            <a:xfrm>
+              <a:off x="5450189" y="5408427"/>
+              <a:ext cx="301686" cy="369332"/>
+            </a:xfrm>
+            <a:prstGeom prst="rect">
+              <a:avLst/>
+            </a:prstGeom>
+            <a:noFill/>
+          </p:spPr>
+          <p:txBody>
+            <a:bodyPr wrap="none" rtlCol="0">
+              <a:spAutoFit/>
+            </a:bodyPr>
+            <a:lstStyle/>
+            <a:p>
+              <a:r>
+                <a:rPr lang="en-US" dirty="0"/>
+                <a:t>2</a:t>
+              </a:r>
+            </a:p>
+          </p:txBody>
+        </p:sp>
+        <p:sp>
+          <p:nvSpPr>
+            <p:cNvPr id="17" name="TextBox 16">
+              <a:extLst>
+                <a:ext uri="{FF2B5EF4-FFF2-40B4-BE49-F238E27FC236}">
+                  <a16:creationId xmlns:a16="http://schemas.microsoft.com/office/drawing/2014/main" id="{B734919F-C6E7-484A-BB06-ECF16314A4BC}"/>
+                </a:ext>
+              </a:extLst>
+            </p:cNvPr>
+            <p:cNvSpPr txBox="1"/>
+            <p:nvPr/>
+          </p:nvSpPr>
+          <p:spPr>
+            <a:xfrm>
+              <a:off x="6491496" y="5408427"/>
+              <a:ext cx="301686" cy="369332"/>
+            </a:xfrm>
+            <a:prstGeom prst="rect">
+              <a:avLst/>
+            </a:prstGeom>
+            <a:noFill/>
+          </p:spPr>
+          <p:txBody>
+            <a:bodyPr wrap="none" rtlCol="0">
+              <a:spAutoFit/>
+            </a:bodyPr>
+            <a:lstStyle/>
+            <a:p>
+              <a:r>
+                <a:rPr lang="en-US" dirty="0"/>
+                <a:t>3</a:t>
+              </a:r>
+            </a:p>
+          </p:txBody>
+        </p:sp>
+      </p:grpSp>
+      <p:sp>
+        <p:nvSpPr>
+          <p:cNvPr id="5" name="TextBox 4">
+            <a:extLst>
+              <a:ext uri="{FF2B5EF4-FFF2-40B4-BE49-F238E27FC236}">
+                <a16:creationId xmlns:a16="http://schemas.microsoft.com/office/drawing/2014/main" id="{4B0058AA-2BF5-6943-82C9-20A5268F52AE}"/>
+              </a:ext>
+            </a:extLst>
+          </p:cNvPr>
+          <p:cNvSpPr txBox="1"/>
+          <p:nvPr/>
+        </p:nvSpPr>
+        <p:spPr>
+          <a:xfrm>
+            <a:off x="2958442" y="0"/>
+            <a:ext cx="6275116" cy="584775"/>
+          </a:xfrm>
+          <a:prstGeom prst="rect">
+            <a:avLst/>
+          </a:prstGeom>
+          <a:noFill/>
+        </p:spPr>
+        <p:txBody>
+          <a:bodyPr wrap="none" rtlCol="0">
+            <a:spAutoFit/>
+          </a:bodyPr>
+          <a:lstStyle/>
+          <a:p>
+            <a:r>
+              <a:rPr lang="en-US" sz="3200" dirty="0"/>
+              <a:t>Output Node Code Visualization Plot</a:t>
+            </a:r>
+          </a:p>
+        </p:txBody>
+      </p:sp>
+      <p:sp>
+        <p:nvSpPr>
+          <p:cNvPr id="7" name="TextBox 6">
+            <a:extLst>
+              <a:ext uri="{FF2B5EF4-FFF2-40B4-BE49-F238E27FC236}">
+                <a16:creationId xmlns:a16="http://schemas.microsoft.com/office/drawing/2014/main" id="{7BED6504-4CB4-A949-89BF-D9E599C2D4EF}"/>
+              </a:ext>
+            </a:extLst>
+          </p:cNvPr>
+          <p:cNvSpPr txBox="1"/>
+          <p:nvPr/>
+        </p:nvSpPr>
+        <p:spPr>
+          <a:xfrm>
+            <a:off x="3291494" y="514250"/>
+            <a:ext cx="418704" cy="369332"/>
+          </a:xfrm>
+          <a:prstGeom prst="rect">
+            <a:avLst/>
+          </a:prstGeom>
+          <a:noFill/>
+        </p:spPr>
+        <p:txBody>
+          <a:bodyPr wrap="none" rtlCol="0">
+            <a:spAutoFit/>
+          </a:bodyPr>
+          <a:lstStyle/>
+          <a:p>
+            <a:r>
+              <a:rPr lang="en-US" dirty="0"/>
+              <a:t>15</a:t>
+            </a:r>
+          </a:p>
+        </p:txBody>
+      </p:sp>
+      <p:sp>
+        <p:nvSpPr>
+          <p:cNvPr id="11" name="TextBox 10">
+            <a:extLst>
+              <a:ext uri="{FF2B5EF4-FFF2-40B4-BE49-F238E27FC236}">
+                <a16:creationId xmlns:a16="http://schemas.microsoft.com/office/drawing/2014/main" id="{D4351A51-1B89-8F49-8651-042E99C138A3}"/>
+              </a:ext>
+            </a:extLst>
+          </p:cNvPr>
+          <p:cNvSpPr txBox="1"/>
+          <p:nvPr/>
+        </p:nvSpPr>
+        <p:spPr>
+          <a:xfrm>
+            <a:off x="2117923" y="514250"/>
+            <a:ext cx="418704" cy="369332"/>
+          </a:xfrm>
+          <a:prstGeom prst="rect">
+            <a:avLst/>
+          </a:prstGeom>
+          <a:noFill/>
+        </p:spPr>
+        <p:txBody>
+          <a:bodyPr wrap="none" rtlCol="0">
+            <a:spAutoFit/>
+          </a:bodyPr>
+          <a:lstStyle/>
+          <a:p>
+            <a:r>
+              <a:rPr lang="en-US" dirty="0"/>
+              <a:t>14</a:t>
+            </a:r>
+          </a:p>
+        </p:txBody>
+      </p:sp>
+      <p:sp>
+        <p:nvSpPr>
+          <p:cNvPr id="19" name="TextBox 18">
+            <a:extLst>
+              <a:ext uri="{FF2B5EF4-FFF2-40B4-BE49-F238E27FC236}">
+                <a16:creationId xmlns:a16="http://schemas.microsoft.com/office/drawing/2014/main" id="{3CC5C1A0-9044-284A-B1D2-B67A167DCC6F}"/>
+              </a:ext>
+            </a:extLst>
+          </p:cNvPr>
+          <p:cNvSpPr txBox="1"/>
+          <p:nvPr/>
+        </p:nvSpPr>
+        <p:spPr>
+          <a:xfrm>
+            <a:off x="4982316" y="5763662"/>
+            <a:ext cx="2922595" cy="461665"/>
+          </a:xfrm>
+          <a:prstGeom prst="rect">
+            <a:avLst/>
+          </a:prstGeom>
+          <a:noFill/>
+          <a:ln>
+            <a:solidFill>
+              <a:schemeClr val="tx1"/>
+            </a:solidFill>
+          </a:ln>
+        </p:spPr>
+        <p:txBody>
+          <a:bodyPr wrap="none" rtlCol="0">
+            <a:spAutoFit/>
+          </a:bodyPr>
+          <a:lstStyle/>
+          <a:p>
+            <a:r>
+              <a:rPr lang="en-US" sz="2400" dirty="0"/>
+              <a:t>Output Node Number</a:t>
+            </a:r>
+          </a:p>
+        </p:txBody>
+      </p:sp>
+      <p:cxnSp>
+        <p:nvCxnSpPr>
+          <p:cNvPr id="21" name="Straight Arrow Connector 20">
+            <a:extLst>
+              <a:ext uri="{FF2B5EF4-FFF2-40B4-BE49-F238E27FC236}">
+                <a16:creationId xmlns:a16="http://schemas.microsoft.com/office/drawing/2014/main" id="{9AE6C967-D6AF-7742-9BEF-012B49F62B71}"/>
+              </a:ext>
+            </a:extLst>
+          </p:cNvPr>
+          <p:cNvCxnSpPr>
+            <a:cxnSpLocks/>
+            <a:stCxn id="19" idx="1"/>
+            <a:endCxn id="9" idx="2"/>
+          </p:cNvCxnSpPr>
+          <p:nvPr/>
+        </p:nvCxnSpPr>
+        <p:spPr>
+          <a:xfrm flipV="1">
+            <a:off x="4982316" y="3613666"/>
+            <a:ext cx="165105" cy="2380829"/>
+          </a:xfrm>
+          <a:prstGeom prst="straightConnector1">
+            <a:avLst/>
+          </a:prstGeom>
+          <a:ln>
+            <a:tailEnd type="triangle"/>
+          </a:ln>
+        </p:spPr>
+        <p:style>
+          <a:lnRef idx="1">
+            <a:schemeClr val="accent1"/>
+          </a:lnRef>
+          <a:fillRef idx="0">
+            <a:schemeClr val="accent1"/>
+          </a:fillRef>
+          <a:effectRef idx="0">
+            <a:schemeClr val="accent1"/>
+          </a:effectRef>
+          <a:fontRef idx="minor">
+            <a:schemeClr val="tx1"/>
+          </a:fontRef>
+        </p:style>
+      </p:cxnSp>
+      <p:cxnSp>
+        <p:nvCxnSpPr>
+          <p:cNvPr id="22" name="Straight Arrow Connector 21">
+            <a:extLst>
+              <a:ext uri="{FF2B5EF4-FFF2-40B4-BE49-F238E27FC236}">
+                <a16:creationId xmlns:a16="http://schemas.microsoft.com/office/drawing/2014/main" id="{7B0A42AB-60E5-E143-8FE7-20EE1AE6917B}"/>
+              </a:ext>
+            </a:extLst>
+          </p:cNvPr>
+          <p:cNvCxnSpPr>
+            <a:cxnSpLocks/>
+            <a:stCxn id="19" idx="1"/>
+            <a:endCxn id="8" idx="2"/>
+          </p:cNvCxnSpPr>
+          <p:nvPr/>
+        </p:nvCxnSpPr>
+        <p:spPr>
+          <a:xfrm flipV="1">
+            <a:off x="4982316" y="2522950"/>
+            <a:ext cx="223614" cy="3471545"/>
+          </a:xfrm>
+          <a:prstGeom prst="straightConnector1">
+            <a:avLst/>
+          </a:prstGeom>
+          <a:ln>
+            <a:tailEnd type="triangle"/>
+          </a:ln>
+        </p:spPr>
+        <p:style>
+          <a:lnRef idx="1">
+            <a:schemeClr val="accent1"/>
+          </a:lnRef>
+          <a:fillRef idx="0">
+            <a:schemeClr val="accent1"/>
+          </a:fillRef>
+          <a:effectRef idx="0">
+            <a:schemeClr val="accent1"/>
+          </a:effectRef>
+          <a:fontRef idx="minor">
+            <a:schemeClr val="tx1"/>
+          </a:fontRef>
+        </p:style>
+      </p:cxnSp>
+      <p:cxnSp>
+        <p:nvCxnSpPr>
+          <p:cNvPr id="24" name="Straight Arrow Connector 23">
+            <a:extLst>
+              <a:ext uri="{FF2B5EF4-FFF2-40B4-BE49-F238E27FC236}">
+                <a16:creationId xmlns:a16="http://schemas.microsoft.com/office/drawing/2014/main" id="{1DF93AF4-2430-E948-BAEC-E66C72CBF357}"/>
+              </a:ext>
+            </a:extLst>
+          </p:cNvPr>
+          <p:cNvCxnSpPr>
+            <a:cxnSpLocks/>
+            <a:stCxn id="19" idx="1"/>
+            <a:endCxn id="17" idx="3"/>
+          </p:cNvCxnSpPr>
+          <p:nvPr/>
+        </p:nvCxnSpPr>
+        <p:spPr>
+          <a:xfrm flipH="1" flipV="1">
+            <a:off x="3664133" y="5346584"/>
+            <a:ext cx="1318183" cy="647911"/>
+          </a:xfrm>
+          <a:prstGeom prst="straightConnector1">
+            <a:avLst/>
+          </a:prstGeom>
+          <a:ln>
+            <a:tailEnd type="triangle"/>
+          </a:ln>
+        </p:spPr>
+        <p:style>
+          <a:lnRef idx="1">
+            <a:schemeClr val="accent1"/>
+          </a:lnRef>
+          <a:fillRef idx="0">
+            <a:schemeClr val="accent1"/>
+          </a:fillRef>
+          <a:effectRef idx="0">
+            <a:schemeClr val="accent1"/>
+          </a:effectRef>
+          <a:fontRef idx="minor">
+            <a:schemeClr val="tx1"/>
+          </a:fontRef>
+        </p:style>
+      </p:cxnSp>
+      <p:cxnSp>
+        <p:nvCxnSpPr>
+          <p:cNvPr id="26" name="Straight Arrow Connector 25">
+            <a:extLst>
+              <a:ext uri="{FF2B5EF4-FFF2-40B4-BE49-F238E27FC236}">
+                <a16:creationId xmlns:a16="http://schemas.microsoft.com/office/drawing/2014/main" id="{EED69BAE-ABCA-F244-96F2-DCC8B3A1FF89}"/>
+              </a:ext>
+            </a:extLst>
+          </p:cNvPr>
+          <p:cNvCxnSpPr>
+            <a:cxnSpLocks/>
+            <a:stCxn id="19" idx="1"/>
+            <a:endCxn id="10" idx="2"/>
+          </p:cNvCxnSpPr>
+          <p:nvPr/>
+        </p:nvCxnSpPr>
+        <p:spPr>
+          <a:xfrm flipV="1">
+            <a:off x="4982316" y="5347291"/>
+            <a:ext cx="150843" cy="647204"/>
+          </a:xfrm>
+          <a:prstGeom prst="straightConnector1">
+            <a:avLst/>
+          </a:prstGeom>
+          <a:ln>
+            <a:tailEnd type="triangle"/>
+          </a:ln>
+        </p:spPr>
+        <p:style>
+          <a:lnRef idx="1">
+            <a:schemeClr val="accent1"/>
+          </a:lnRef>
+          <a:fillRef idx="0">
+            <a:schemeClr val="accent1"/>
+          </a:fillRef>
+          <a:effectRef idx="0">
+            <a:schemeClr val="accent1"/>
+          </a:effectRef>
+          <a:fontRef idx="minor">
+            <a:schemeClr val="tx1"/>
+          </a:fontRef>
+        </p:style>
+      </p:cxnSp>
+      <p:sp>
+        <p:nvSpPr>
+          <p:cNvPr id="30" name="Right Brace 29">
+            <a:extLst>
+              <a:ext uri="{FF2B5EF4-FFF2-40B4-BE49-F238E27FC236}">
+                <a16:creationId xmlns:a16="http://schemas.microsoft.com/office/drawing/2014/main" id="{FBFBAB1A-006A-8642-99BD-598D337EF43A}"/>
+              </a:ext>
+            </a:extLst>
+          </p:cNvPr>
+          <p:cNvSpPr/>
+          <p:nvPr/>
+        </p:nvSpPr>
+        <p:spPr>
+          <a:xfrm>
+            <a:off x="5281245" y="893391"/>
+            <a:ext cx="521049" cy="4457887"/>
+          </a:xfrm>
+          <a:prstGeom prst="rightBrace">
+            <a:avLst>
+              <a:gd name="adj1" fmla="val 8333"/>
+              <a:gd name="adj2" fmla="val 50192"/>
+            </a:avLst>
+          </a:prstGeom>
+        </p:spPr>
+        <p:style>
+          <a:lnRef idx="1">
+            <a:schemeClr val="accent1"/>
+          </a:lnRef>
+          <a:fillRef idx="0">
+            <a:schemeClr val="accent1"/>
+          </a:fillRef>
+          <a:effectRef idx="0">
+            <a:schemeClr val="accent1"/>
+          </a:effectRef>
+          <a:fontRef idx="minor">
+            <a:schemeClr val="tx1"/>
+          </a:fontRef>
+        </p:style>
+        <p:txBody>
+          <a:bodyPr rtlCol="0" anchor="ctr"/>
+          <a:lstStyle/>
+          <a:p>
+            <a:pPr algn="ctr"/>
+            <a:endParaRPr lang="en-US"/>
+          </a:p>
+        </p:txBody>
+      </p:sp>
+      <p:sp>
+        <p:nvSpPr>
+          <p:cNvPr id="31" name="TextBox 30">
+            <a:extLst>
+              <a:ext uri="{FF2B5EF4-FFF2-40B4-BE49-F238E27FC236}">
+                <a16:creationId xmlns:a16="http://schemas.microsoft.com/office/drawing/2014/main" id="{0E6B0828-F8FB-134F-A1B4-72BA387A17DB}"/>
+              </a:ext>
+            </a:extLst>
+          </p:cNvPr>
+          <p:cNvSpPr txBox="1"/>
+          <p:nvPr/>
+        </p:nvSpPr>
+        <p:spPr>
+          <a:xfrm>
+            <a:off x="6443613" y="664100"/>
+            <a:ext cx="5727212" cy="1015663"/>
+          </a:xfrm>
+          <a:prstGeom prst="rect">
+            <a:avLst/>
+          </a:prstGeom>
+          <a:noFill/>
+          <a:ln>
+            <a:solidFill>
+              <a:schemeClr val="tx1"/>
+            </a:solidFill>
+          </a:ln>
+        </p:spPr>
+        <p:txBody>
+          <a:bodyPr wrap="square" rtlCol="0">
+            <a:spAutoFit/>
+          </a:bodyPr>
+          <a:lstStyle/>
+          <a:p>
+            <a:pPr algn="ctr"/>
+            <a:r>
+              <a:rPr lang="en-US" sz="2000" dirty="0"/>
+              <a:t>Magnitude of pie sections represent average expression feature for all observations classified within that node</a:t>
+            </a:r>
+          </a:p>
+        </p:txBody>
+      </p:sp>
+      <p:pic>
+        <p:nvPicPr>
+          <p:cNvPr id="39" name="Picture 38" descr="A close up of a logo&#10;&#10;Description automatically generated">
+            <a:extLst>
+              <a:ext uri="{FF2B5EF4-FFF2-40B4-BE49-F238E27FC236}">
+                <a16:creationId xmlns:a16="http://schemas.microsoft.com/office/drawing/2014/main" id="{EB62D39C-6D1D-0D45-926D-3901E3C9A4F3}"/>
+              </a:ext>
+            </a:extLst>
+          </p:cNvPr>
+          <p:cNvPicPr>
+            <a:picLocks noChangeAspect="1"/>
+          </p:cNvPicPr>
+          <p:nvPr/>
+        </p:nvPicPr>
+        <p:blipFill>
+          <a:blip r:embed="rId4"/>
+          <a:stretch>
+            <a:fillRect/>
+          </a:stretch>
+        </p:blipFill>
+        <p:spPr>
+          <a:xfrm>
+            <a:off x="7819402" y="1973232"/>
+            <a:ext cx="4084324" cy="3402866"/>
+          </a:xfrm>
+          <a:prstGeom prst="rect">
+            <a:avLst/>
+          </a:prstGeom>
+          <a:ln>
+            <a:solidFill>
+              <a:schemeClr val="tx1"/>
+            </a:solidFill>
+          </a:ln>
+        </p:spPr>
+      </p:pic>
+      <p:sp>
+        <p:nvSpPr>
+          <p:cNvPr id="40" name="TextBox 39">
+            <a:extLst>
+              <a:ext uri="{FF2B5EF4-FFF2-40B4-BE49-F238E27FC236}">
+                <a16:creationId xmlns:a16="http://schemas.microsoft.com/office/drawing/2014/main" id="{C89CE444-716B-D647-A08B-CB3203919696}"/>
+              </a:ext>
+            </a:extLst>
+          </p:cNvPr>
+          <p:cNvSpPr txBox="1"/>
+          <p:nvPr/>
+        </p:nvSpPr>
+        <p:spPr>
+          <a:xfrm>
+            <a:off x="9581267" y="5688161"/>
+            <a:ext cx="2384276" cy="923330"/>
+          </a:xfrm>
+          <a:prstGeom prst="rect">
+            <a:avLst/>
+          </a:prstGeom>
+          <a:noFill/>
+          <a:ln>
+            <a:solidFill>
+              <a:schemeClr val="tx1"/>
+            </a:solidFill>
+          </a:ln>
+        </p:spPr>
+        <p:txBody>
+          <a:bodyPr wrap="square" rtlCol="0">
+            <a:spAutoFit/>
+          </a:bodyPr>
+          <a:lstStyle/>
+          <a:p>
+            <a:pPr algn="ctr"/>
+            <a:r>
+              <a:rPr lang="en-US" dirty="0"/>
+              <a:t>Quantity Chart.  Observations within node</a:t>
+            </a:r>
+          </a:p>
+        </p:txBody>
+      </p:sp>
+      <p:cxnSp>
+        <p:nvCxnSpPr>
+          <p:cNvPr id="41" name="Straight Arrow Connector 40">
+            <a:extLst>
+              <a:ext uri="{FF2B5EF4-FFF2-40B4-BE49-F238E27FC236}">
+                <a16:creationId xmlns:a16="http://schemas.microsoft.com/office/drawing/2014/main" id="{BAABF1B2-0145-9048-A0C6-2BBDE0B32A52}"/>
+              </a:ext>
+            </a:extLst>
+          </p:cNvPr>
+          <p:cNvCxnSpPr>
+            <a:cxnSpLocks/>
+          </p:cNvCxnSpPr>
+          <p:nvPr/>
+        </p:nvCxnSpPr>
+        <p:spPr>
+          <a:xfrm flipH="1" flipV="1">
+            <a:off x="9233558" y="5376098"/>
+            <a:ext cx="344321" cy="841310"/>
+          </a:xfrm>
+          <a:prstGeom prst="straightConnector1">
+            <a:avLst/>
+          </a:prstGeom>
+          <a:ln>
+            <a:tailEnd type="triangle"/>
+          </a:ln>
+        </p:spPr>
+        <p:style>
+          <a:lnRef idx="1">
+            <a:schemeClr val="accent1"/>
+          </a:lnRef>
+          <a:fillRef idx="0">
+            <a:schemeClr val="accent1"/>
+          </a:fillRef>
+          <a:effectRef idx="0">
+            <a:schemeClr val="accent1"/>
+          </a:effectRef>
+          <a:fontRef idx="minor">
+            <a:schemeClr val="tx1"/>
+          </a:fontRef>
+        </p:style>
+      </p:cxnSp>
+      <p:sp>
+        <p:nvSpPr>
+          <p:cNvPr id="43" name="TextBox 42">
+            <a:extLst>
+              <a:ext uri="{FF2B5EF4-FFF2-40B4-BE49-F238E27FC236}">
+                <a16:creationId xmlns:a16="http://schemas.microsoft.com/office/drawing/2014/main" id="{257FDC02-1C79-9F4E-AF34-D9F54DEFB1F3}"/>
+              </a:ext>
+            </a:extLst>
+          </p:cNvPr>
+          <p:cNvSpPr txBox="1"/>
+          <p:nvPr/>
+        </p:nvSpPr>
+        <p:spPr>
+          <a:xfrm>
+            <a:off x="5765168" y="1950398"/>
+            <a:ext cx="1923980" cy="2308324"/>
+          </a:xfrm>
+          <a:prstGeom prst="rect">
+            <a:avLst/>
+          </a:prstGeom>
+          <a:noFill/>
+          <a:ln>
+            <a:solidFill>
+              <a:schemeClr val="tx1"/>
+            </a:solidFill>
+          </a:ln>
+        </p:spPr>
+        <p:txBody>
+          <a:bodyPr wrap="square" rtlCol="0">
+            <a:spAutoFit/>
+          </a:bodyPr>
+          <a:lstStyle/>
+          <a:p>
+            <a:pPr algn="ctr"/>
+            <a:r>
+              <a:rPr lang="en-US" sz="2400" dirty="0"/>
+              <a:t>Self Organizing Map with 4x4 output visualization layer</a:t>
+            </a:r>
+          </a:p>
+        </p:txBody>
+      </p:sp>
     </p:spTree>
     <p:extLst>
       <p:ext uri="{BB962C8B-B14F-4D97-AF65-F5344CB8AC3E}">
-        <p14:creationId xmlns:p14="http://schemas.microsoft.com/office/powerpoint/2010/main" val="162484689"/>
+        <p14:creationId xmlns:p14="http://schemas.microsoft.com/office/powerpoint/2010/main" val="3924549855"/>
       </p:ext>
     </p:extLst>
   </p:cSld>
@@ -3535,10 +6843,647 @@
           <a:chExt cx="0" cy="0"/>
         </a:xfrm>
       </p:grpSpPr>
+      <p:pic>
+        <p:nvPicPr>
+          <p:cNvPr id="35" name="Picture 34" descr="A picture containing drawing&#10;&#10;Description automatically generated">
+            <a:extLst>
+              <a:ext uri="{FF2B5EF4-FFF2-40B4-BE49-F238E27FC236}">
+                <a16:creationId xmlns:a16="http://schemas.microsoft.com/office/drawing/2014/main" id="{3D6F6858-D50B-3A43-97C5-5A6CB49E5BCD}"/>
+              </a:ext>
+            </a:extLst>
+          </p:cNvPr>
+          <p:cNvPicPr>
+            <a:picLocks noChangeAspect="1"/>
+          </p:cNvPicPr>
+          <p:nvPr/>
+        </p:nvPicPr>
+        <p:blipFill>
+          <a:blip r:embed="rId3"/>
+          <a:stretch>
+            <a:fillRect/>
+          </a:stretch>
+        </p:blipFill>
+        <p:spPr>
+          <a:xfrm>
+            <a:off x="0" y="207518"/>
+            <a:ext cx="5520583" cy="6650482"/>
+          </a:xfrm>
+          <a:prstGeom prst="rect">
+            <a:avLst/>
+          </a:prstGeom>
+        </p:spPr>
+      </p:pic>
+      <p:pic>
+        <p:nvPicPr>
+          <p:cNvPr id="5" name="Picture 4" descr="A screenshot of a cell phone&#10;&#10;Description automatically generated">
+            <a:extLst>
+              <a:ext uri="{FF2B5EF4-FFF2-40B4-BE49-F238E27FC236}">
+                <a16:creationId xmlns:a16="http://schemas.microsoft.com/office/drawing/2014/main" id="{0CC83376-1434-9240-84F1-99DD7F95AB8B}"/>
+              </a:ext>
+            </a:extLst>
+          </p:cNvPr>
+          <p:cNvPicPr>
+            <a:picLocks noChangeAspect="1"/>
+          </p:cNvPicPr>
+          <p:nvPr/>
+        </p:nvPicPr>
+        <p:blipFill>
+          <a:blip r:embed="rId4"/>
+          <a:stretch>
+            <a:fillRect/>
+          </a:stretch>
+        </p:blipFill>
+        <p:spPr>
+          <a:xfrm>
+            <a:off x="5247118" y="675836"/>
+            <a:ext cx="6944882" cy="1729989"/>
+          </a:xfrm>
+          <a:prstGeom prst="rect">
+            <a:avLst/>
+          </a:prstGeom>
+        </p:spPr>
+      </p:pic>
+      <p:sp>
+        <p:nvSpPr>
+          <p:cNvPr id="6" name="TextBox 5">
+            <a:extLst>
+              <a:ext uri="{FF2B5EF4-FFF2-40B4-BE49-F238E27FC236}">
+                <a16:creationId xmlns:a16="http://schemas.microsoft.com/office/drawing/2014/main" id="{6961AD5D-0DB9-F04C-96B1-98AD484E642E}"/>
+              </a:ext>
+            </a:extLst>
+          </p:cNvPr>
+          <p:cNvSpPr txBox="1"/>
+          <p:nvPr/>
+        </p:nvSpPr>
+        <p:spPr>
+          <a:xfrm>
+            <a:off x="3996711" y="0"/>
+            <a:ext cx="3477875" cy="584775"/>
+          </a:xfrm>
+          <a:prstGeom prst="rect">
+            <a:avLst/>
+          </a:prstGeom>
+          <a:noFill/>
+        </p:spPr>
+        <p:txBody>
+          <a:bodyPr wrap="none" rtlCol="0">
+            <a:spAutoFit/>
+          </a:bodyPr>
+          <a:lstStyle/>
+          <a:p>
+            <a:r>
+              <a:rPr lang="en-US" sz="3200" dirty="0"/>
+              <a:t>Inferential Mapping</a:t>
+            </a:r>
+          </a:p>
+        </p:txBody>
+      </p:sp>
+      <p:pic>
+        <p:nvPicPr>
+          <p:cNvPr id="38" name="Picture 37" descr="A close up of a logo&#10;&#10;Description automatically generated">
+            <a:extLst>
+              <a:ext uri="{FF2B5EF4-FFF2-40B4-BE49-F238E27FC236}">
+                <a16:creationId xmlns:a16="http://schemas.microsoft.com/office/drawing/2014/main" id="{43C43D2C-9A3B-8745-BACF-974D9F561537}"/>
+              </a:ext>
+            </a:extLst>
+          </p:cNvPr>
+          <p:cNvPicPr>
+            <a:picLocks noChangeAspect="1"/>
+          </p:cNvPicPr>
+          <p:nvPr/>
+        </p:nvPicPr>
+        <p:blipFill rotWithShape="1">
+          <a:blip r:embed="rId5"/>
+          <a:srcRect t="5566"/>
+          <a:stretch/>
+        </p:blipFill>
+        <p:spPr>
+          <a:xfrm>
+            <a:off x="5247118" y="2613342"/>
+            <a:ext cx="6889495" cy="3520957"/>
+          </a:xfrm>
+          <a:prstGeom prst="rect">
+            <a:avLst/>
+          </a:prstGeom>
+        </p:spPr>
+      </p:pic>
+      <p:cxnSp>
+        <p:nvCxnSpPr>
+          <p:cNvPr id="40" name="Straight Connector 39">
+            <a:extLst>
+              <a:ext uri="{FF2B5EF4-FFF2-40B4-BE49-F238E27FC236}">
+                <a16:creationId xmlns:a16="http://schemas.microsoft.com/office/drawing/2014/main" id="{5AAA7A74-0615-334B-8FBF-106E4A5222F1}"/>
+              </a:ext>
+            </a:extLst>
+          </p:cNvPr>
+          <p:cNvCxnSpPr/>
+          <p:nvPr/>
+        </p:nvCxnSpPr>
+        <p:spPr>
+          <a:xfrm>
+            <a:off x="5588950" y="3247402"/>
+            <a:ext cx="6281158" cy="0"/>
+          </a:xfrm>
+          <a:prstGeom prst="line">
+            <a:avLst/>
+          </a:prstGeom>
+          <a:ln w="57150">
+            <a:solidFill>
+              <a:srgbClr val="7030A0"/>
+            </a:solidFill>
+          </a:ln>
+        </p:spPr>
+        <p:style>
+          <a:lnRef idx="1">
+            <a:schemeClr val="accent1"/>
+          </a:lnRef>
+          <a:fillRef idx="0">
+            <a:schemeClr val="accent1"/>
+          </a:fillRef>
+          <a:effectRef idx="0">
+            <a:schemeClr val="accent1"/>
+          </a:effectRef>
+          <a:fontRef idx="minor">
+            <a:schemeClr val="tx1"/>
+          </a:fontRef>
+        </p:style>
+      </p:cxnSp>
+      <p:sp>
+        <p:nvSpPr>
+          <p:cNvPr id="41" name="Oval 40">
+            <a:extLst>
+              <a:ext uri="{FF2B5EF4-FFF2-40B4-BE49-F238E27FC236}">
+                <a16:creationId xmlns:a16="http://schemas.microsoft.com/office/drawing/2014/main" id="{445F9DBF-2B5F-ED43-BAB8-770DFD1C774F}"/>
+              </a:ext>
+            </a:extLst>
+          </p:cNvPr>
+          <p:cNvSpPr/>
+          <p:nvPr/>
+        </p:nvSpPr>
+        <p:spPr>
+          <a:xfrm rot="735339">
+            <a:off x="5035387" y="3817675"/>
+            <a:ext cx="4581358" cy="2813420"/>
+          </a:xfrm>
+          <a:prstGeom prst="ellipse">
+            <a:avLst/>
+          </a:prstGeom>
+          <a:noFill/>
+          <a:ln w="57150">
+            <a:solidFill>
+              <a:srgbClr val="002060"/>
+            </a:solidFill>
+          </a:ln>
+        </p:spPr>
+        <p:style>
+          <a:lnRef idx="2">
+            <a:schemeClr val="accent1">
+              <a:shade val="50000"/>
+            </a:schemeClr>
+          </a:lnRef>
+          <a:fillRef idx="1">
+            <a:schemeClr val="accent1"/>
+          </a:fillRef>
+          <a:effectRef idx="0">
+            <a:schemeClr val="accent1"/>
+          </a:effectRef>
+          <a:fontRef idx="minor">
+            <a:schemeClr val="lt1"/>
+          </a:fontRef>
+        </p:style>
+        <p:txBody>
+          <a:bodyPr rtlCol="0" anchor="ctr"/>
+          <a:lstStyle/>
+          <a:p>
+            <a:pPr algn="ctr"/>
+            <a:endParaRPr lang="en-US"/>
+          </a:p>
+        </p:txBody>
+      </p:sp>
+      <p:cxnSp>
+        <p:nvCxnSpPr>
+          <p:cNvPr id="44" name="Curved Connector 43">
+            <a:extLst>
+              <a:ext uri="{FF2B5EF4-FFF2-40B4-BE49-F238E27FC236}">
+                <a16:creationId xmlns:a16="http://schemas.microsoft.com/office/drawing/2014/main" id="{7A63EF86-73C7-DE4B-8CF4-9704C5BD4881}"/>
+              </a:ext>
+            </a:extLst>
+          </p:cNvPr>
+          <p:cNvCxnSpPr>
+            <a:stCxn id="41" idx="1"/>
+          </p:cNvCxnSpPr>
+          <p:nvPr/>
+        </p:nvCxnSpPr>
+        <p:spPr>
+          <a:xfrm rot="16200000" flipV="1">
+            <a:off x="4807874" y="2762029"/>
+            <a:ext cx="1295186" cy="997812"/>
+          </a:xfrm>
+          <a:prstGeom prst="curvedConnector3">
+            <a:avLst/>
+          </a:prstGeom>
+          <a:ln w="57150">
+            <a:solidFill>
+              <a:srgbClr val="002060"/>
+            </a:solidFill>
+            <a:headEnd type="triangle"/>
+            <a:tailEnd type="triangle"/>
+          </a:ln>
+        </p:spPr>
+        <p:style>
+          <a:lnRef idx="1">
+            <a:schemeClr val="accent1"/>
+          </a:lnRef>
+          <a:fillRef idx="0">
+            <a:schemeClr val="accent1"/>
+          </a:fillRef>
+          <a:effectRef idx="0">
+            <a:schemeClr val="accent1"/>
+          </a:effectRef>
+          <a:fontRef idx="minor">
+            <a:schemeClr val="tx1"/>
+          </a:fontRef>
+        </p:style>
+      </p:cxnSp>
+      <p:sp>
+        <p:nvSpPr>
+          <p:cNvPr id="45" name="Oval 44">
+            <a:extLst>
+              <a:ext uri="{FF2B5EF4-FFF2-40B4-BE49-F238E27FC236}">
+                <a16:creationId xmlns:a16="http://schemas.microsoft.com/office/drawing/2014/main" id="{3D028E25-68E0-234E-A651-7770B0D2EEC3}"/>
+              </a:ext>
+            </a:extLst>
+          </p:cNvPr>
+          <p:cNvSpPr/>
+          <p:nvPr/>
+        </p:nvSpPr>
+        <p:spPr>
+          <a:xfrm rot="20819166">
+            <a:off x="10904809" y="3520124"/>
+            <a:ext cx="1130213" cy="2813420"/>
+          </a:xfrm>
+          <a:prstGeom prst="ellipse">
+            <a:avLst/>
+          </a:prstGeom>
+          <a:noFill/>
+          <a:ln w="57150">
+            <a:solidFill>
+              <a:srgbClr val="FF0000"/>
+            </a:solidFill>
+          </a:ln>
+        </p:spPr>
+        <p:style>
+          <a:lnRef idx="2">
+            <a:schemeClr val="accent1">
+              <a:shade val="50000"/>
+            </a:schemeClr>
+          </a:lnRef>
+          <a:fillRef idx="1">
+            <a:schemeClr val="accent1"/>
+          </a:fillRef>
+          <a:effectRef idx="0">
+            <a:schemeClr val="accent1"/>
+          </a:effectRef>
+          <a:fontRef idx="minor">
+            <a:schemeClr val="lt1"/>
+          </a:fontRef>
+        </p:style>
+        <p:txBody>
+          <a:bodyPr rtlCol="0" anchor="ctr"/>
+          <a:lstStyle/>
+          <a:p>
+            <a:pPr algn="ctr"/>
+            <a:endParaRPr lang="en-US"/>
+          </a:p>
+        </p:txBody>
+      </p:sp>
+      <p:cxnSp>
+        <p:nvCxnSpPr>
+          <p:cNvPr id="46" name="Curved Connector 45">
+            <a:extLst>
+              <a:ext uri="{FF2B5EF4-FFF2-40B4-BE49-F238E27FC236}">
+                <a16:creationId xmlns:a16="http://schemas.microsoft.com/office/drawing/2014/main" id="{3F59AF0C-ED5E-9C40-8090-364ED06C4D61}"/>
+              </a:ext>
+            </a:extLst>
+          </p:cNvPr>
+          <p:cNvCxnSpPr>
+            <a:cxnSpLocks/>
+            <a:stCxn id="45" idx="4"/>
+          </p:cNvCxnSpPr>
+          <p:nvPr/>
+        </p:nvCxnSpPr>
+        <p:spPr>
+          <a:xfrm rot="5400000" flipH="1">
+            <a:off x="5862597" y="373322"/>
+            <a:ext cx="1104093" cy="10744090"/>
+          </a:xfrm>
+          <a:prstGeom prst="curvedConnector4">
+            <a:avLst>
+              <a:gd name="adj1" fmla="val -47795"/>
+              <a:gd name="adj2" fmla="val 63887"/>
+            </a:avLst>
+          </a:prstGeom>
+          <a:ln w="57150">
+            <a:solidFill>
+              <a:srgbClr val="FF0000"/>
+            </a:solidFill>
+            <a:headEnd type="triangle"/>
+            <a:tailEnd type="triangle"/>
+          </a:ln>
+        </p:spPr>
+        <p:style>
+          <a:lnRef idx="1">
+            <a:schemeClr val="accent1"/>
+          </a:lnRef>
+          <a:fillRef idx="0">
+            <a:schemeClr val="accent1"/>
+          </a:fillRef>
+          <a:effectRef idx="0">
+            <a:schemeClr val="accent1"/>
+          </a:effectRef>
+          <a:fontRef idx="minor">
+            <a:schemeClr val="tx1"/>
+          </a:fontRef>
+        </p:style>
+      </p:cxnSp>
+      <p:sp>
+        <p:nvSpPr>
+          <p:cNvPr id="50" name="Oval 49">
+            <a:extLst>
+              <a:ext uri="{FF2B5EF4-FFF2-40B4-BE49-F238E27FC236}">
+                <a16:creationId xmlns:a16="http://schemas.microsoft.com/office/drawing/2014/main" id="{5E42E987-7856-6040-A95E-678C684C01C4}"/>
+              </a:ext>
+            </a:extLst>
+          </p:cNvPr>
+          <p:cNvSpPr/>
+          <p:nvPr/>
+        </p:nvSpPr>
+        <p:spPr>
+          <a:xfrm rot="20819166">
+            <a:off x="9716930" y="3786609"/>
+            <a:ext cx="1130213" cy="2813420"/>
+          </a:xfrm>
+          <a:prstGeom prst="ellipse">
+            <a:avLst/>
+          </a:prstGeom>
+          <a:noFill/>
+          <a:ln w="57150">
+            <a:solidFill>
+              <a:srgbClr val="92D050"/>
+            </a:solidFill>
+          </a:ln>
+        </p:spPr>
+        <p:style>
+          <a:lnRef idx="2">
+            <a:schemeClr val="accent1">
+              <a:shade val="50000"/>
+            </a:schemeClr>
+          </a:lnRef>
+          <a:fillRef idx="1">
+            <a:schemeClr val="accent1"/>
+          </a:fillRef>
+          <a:effectRef idx="0">
+            <a:schemeClr val="accent1"/>
+          </a:effectRef>
+          <a:fontRef idx="minor">
+            <a:schemeClr val="lt1"/>
+          </a:fontRef>
+        </p:style>
+        <p:txBody>
+          <a:bodyPr rtlCol="0" anchor="ctr"/>
+          <a:lstStyle/>
+          <a:p>
+            <a:pPr algn="ctr"/>
+            <a:endParaRPr lang="en-US"/>
+          </a:p>
+        </p:txBody>
+      </p:sp>
+      <p:cxnSp>
+        <p:nvCxnSpPr>
+          <p:cNvPr id="51" name="Curved Connector 50">
+            <a:extLst>
+              <a:ext uri="{FF2B5EF4-FFF2-40B4-BE49-F238E27FC236}">
+                <a16:creationId xmlns:a16="http://schemas.microsoft.com/office/drawing/2014/main" id="{45EF7615-9817-624B-AD12-AD2F62D65FD3}"/>
+              </a:ext>
+            </a:extLst>
+          </p:cNvPr>
+          <p:cNvCxnSpPr>
+            <a:cxnSpLocks/>
+          </p:cNvCxnSpPr>
+          <p:nvPr/>
+        </p:nvCxnSpPr>
+        <p:spPr>
+          <a:xfrm rot="10800000" flipV="1">
+            <a:off x="4588316" y="3853409"/>
+            <a:ext cx="5338035" cy="1331121"/>
+          </a:xfrm>
+          <a:prstGeom prst="curvedConnector3">
+            <a:avLst>
+              <a:gd name="adj1" fmla="val 50000"/>
+            </a:avLst>
+          </a:prstGeom>
+          <a:ln w="57150">
+            <a:solidFill>
+              <a:srgbClr val="92D050"/>
+            </a:solidFill>
+            <a:headEnd type="triangle"/>
+            <a:tailEnd type="triangle"/>
+          </a:ln>
+        </p:spPr>
+        <p:style>
+          <a:lnRef idx="1">
+            <a:schemeClr val="accent1"/>
+          </a:lnRef>
+          <a:fillRef idx="0">
+            <a:schemeClr val="accent1"/>
+          </a:fillRef>
+          <a:effectRef idx="0">
+            <a:schemeClr val="accent1"/>
+          </a:effectRef>
+          <a:fontRef idx="minor">
+            <a:schemeClr val="tx1"/>
+          </a:fontRef>
+        </p:style>
+      </p:cxnSp>
+      <p:cxnSp>
+        <p:nvCxnSpPr>
+          <p:cNvPr id="56" name="Curved Connector 55">
+            <a:extLst>
+              <a:ext uri="{FF2B5EF4-FFF2-40B4-BE49-F238E27FC236}">
+                <a16:creationId xmlns:a16="http://schemas.microsoft.com/office/drawing/2014/main" id="{4E966431-412A-3049-979D-3B5D5C7C75A6}"/>
+              </a:ext>
+            </a:extLst>
+          </p:cNvPr>
+          <p:cNvCxnSpPr>
+            <a:cxnSpLocks/>
+            <a:endCxn id="45" idx="0"/>
+          </p:cNvCxnSpPr>
+          <p:nvPr/>
+        </p:nvCxnSpPr>
+        <p:spPr>
+          <a:xfrm rot="16200000" flipH="1">
+            <a:off x="9968356" y="2371468"/>
+            <a:ext cx="1377458" cy="992116"/>
+          </a:xfrm>
+          <a:prstGeom prst="curvedConnector3">
+            <a:avLst>
+              <a:gd name="adj1" fmla="val 50000"/>
+            </a:avLst>
+          </a:prstGeom>
+          <a:ln w="57150">
+            <a:solidFill>
+              <a:srgbClr val="FF0000"/>
+            </a:solidFill>
+            <a:headEnd type="triangle"/>
+            <a:tailEnd type="triangle"/>
+          </a:ln>
+        </p:spPr>
+        <p:style>
+          <a:lnRef idx="1">
+            <a:schemeClr val="accent1"/>
+          </a:lnRef>
+          <a:fillRef idx="0">
+            <a:schemeClr val="accent1"/>
+          </a:fillRef>
+          <a:effectRef idx="0">
+            <a:schemeClr val="accent1"/>
+          </a:effectRef>
+          <a:fontRef idx="minor">
+            <a:schemeClr val="tx1"/>
+          </a:fontRef>
+        </p:style>
+      </p:cxnSp>
+      <p:cxnSp>
+        <p:nvCxnSpPr>
+          <p:cNvPr id="58" name="Curved Connector 57">
+            <a:extLst>
+              <a:ext uri="{FF2B5EF4-FFF2-40B4-BE49-F238E27FC236}">
+                <a16:creationId xmlns:a16="http://schemas.microsoft.com/office/drawing/2014/main" id="{07268D51-602E-EA4A-A020-6F0BC683524E}"/>
+              </a:ext>
+            </a:extLst>
+          </p:cNvPr>
+          <p:cNvCxnSpPr>
+            <a:cxnSpLocks/>
+          </p:cNvCxnSpPr>
+          <p:nvPr/>
+        </p:nvCxnSpPr>
+        <p:spPr>
+          <a:xfrm rot="5400000" flipH="1" flipV="1">
+            <a:off x="8678710" y="1033009"/>
+            <a:ext cx="1630527" cy="3966253"/>
+          </a:xfrm>
+          <a:prstGeom prst="curvedConnector2">
+            <a:avLst/>
+          </a:prstGeom>
+          <a:ln w="57150">
+            <a:solidFill>
+              <a:srgbClr val="002060"/>
+            </a:solidFill>
+            <a:headEnd type="triangle"/>
+            <a:tailEnd type="triangle"/>
+          </a:ln>
+        </p:spPr>
+        <p:style>
+          <a:lnRef idx="1">
+            <a:schemeClr val="accent1"/>
+          </a:lnRef>
+          <a:fillRef idx="0">
+            <a:schemeClr val="accent1"/>
+          </a:fillRef>
+          <a:effectRef idx="0">
+            <a:schemeClr val="accent1"/>
+          </a:effectRef>
+          <a:fontRef idx="minor">
+            <a:schemeClr val="tx1"/>
+          </a:fontRef>
+        </p:style>
+      </p:cxnSp>
+      <p:cxnSp>
+        <p:nvCxnSpPr>
+          <p:cNvPr id="62" name="Curved Connector 61">
+            <a:extLst>
+              <a:ext uri="{FF2B5EF4-FFF2-40B4-BE49-F238E27FC236}">
+                <a16:creationId xmlns:a16="http://schemas.microsoft.com/office/drawing/2014/main" id="{151C4A3A-977F-7548-AE97-435D4226CC8C}"/>
+              </a:ext>
+            </a:extLst>
+          </p:cNvPr>
+          <p:cNvCxnSpPr>
+            <a:cxnSpLocks/>
+          </p:cNvCxnSpPr>
+          <p:nvPr/>
+        </p:nvCxnSpPr>
+        <p:spPr>
+          <a:xfrm rot="5400000">
+            <a:off x="9449144" y="2538476"/>
+            <a:ext cx="1611799" cy="974047"/>
+          </a:xfrm>
+          <a:prstGeom prst="curvedConnector3">
+            <a:avLst>
+              <a:gd name="adj1" fmla="val 50000"/>
+            </a:avLst>
+          </a:prstGeom>
+          <a:ln w="57150">
+            <a:solidFill>
+              <a:srgbClr val="92D050"/>
+            </a:solidFill>
+            <a:headEnd type="triangle"/>
+            <a:tailEnd type="triangle"/>
+          </a:ln>
+        </p:spPr>
+        <p:style>
+          <a:lnRef idx="1">
+            <a:schemeClr val="accent1"/>
+          </a:lnRef>
+          <a:fillRef idx="0">
+            <a:schemeClr val="accent1"/>
+          </a:fillRef>
+          <a:effectRef idx="0">
+            <a:schemeClr val="accent1"/>
+          </a:effectRef>
+          <a:fontRef idx="minor">
+            <a:schemeClr val="tx1"/>
+          </a:fontRef>
+        </p:style>
+      </p:cxnSp>
+      <p:sp>
+        <p:nvSpPr>
+          <p:cNvPr id="42" name="TextBox 41">
+            <a:extLst>
+              <a:ext uri="{FF2B5EF4-FFF2-40B4-BE49-F238E27FC236}">
+                <a16:creationId xmlns:a16="http://schemas.microsoft.com/office/drawing/2014/main" id="{A9CE7B1A-9EA8-8F42-B3FC-AAA00ED54AE3}"/>
+              </a:ext>
+            </a:extLst>
+          </p:cNvPr>
+          <p:cNvSpPr txBox="1"/>
+          <p:nvPr/>
+        </p:nvSpPr>
+        <p:spPr>
+          <a:xfrm>
+            <a:off x="5670584" y="2632744"/>
+            <a:ext cx="3173497" cy="523220"/>
+          </a:xfrm>
+          <a:prstGeom prst="rect">
+            <a:avLst/>
+          </a:prstGeom>
+          <a:noFill/>
+        </p:spPr>
+        <p:txBody>
+          <a:bodyPr wrap="none" rtlCol="0">
+            <a:spAutoFit/>
+          </a:bodyPr>
+          <a:lstStyle/>
+          <a:p>
+            <a:r>
+              <a:rPr lang="en-US" sz="2800" dirty="0"/>
+              <a:t>Cutline for 3 clusters</a:t>
+            </a:r>
+          </a:p>
+        </p:txBody>
+      </p:sp>
     </p:spTree>
     <p:extLst>
       <p:ext uri="{BB962C8B-B14F-4D97-AF65-F5344CB8AC3E}">
-        <p14:creationId xmlns:p14="http://schemas.microsoft.com/office/powerpoint/2010/main" val="3924549855"/>
+        <p14:creationId xmlns:p14="http://schemas.microsoft.com/office/powerpoint/2010/main" val="449732654"/>
       </p:ext>
     </p:extLst>
   </p:cSld>
@@ -3565,10 +7510,1350 @@
           <a:chExt cx="0" cy="0"/>
         </a:xfrm>
       </p:grpSpPr>
+      <p:sp>
+        <p:nvSpPr>
+          <p:cNvPr id="2" name="TextBox 1">
+            <a:extLst>
+              <a:ext uri="{FF2B5EF4-FFF2-40B4-BE49-F238E27FC236}">
+                <a16:creationId xmlns:a16="http://schemas.microsoft.com/office/drawing/2014/main" id="{53C74BDA-D272-1B44-910F-06029F0F317F}"/>
+              </a:ext>
+            </a:extLst>
+          </p:cNvPr>
+          <p:cNvSpPr txBox="1"/>
+          <p:nvPr/>
+        </p:nvSpPr>
+        <p:spPr>
+          <a:xfrm>
+            <a:off x="4290858" y="153824"/>
+            <a:ext cx="3610284" cy="584775"/>
+          </a:xfrm>
+          <a:prstGeom prst="rect">
+            <a:avLst/>
+          </a:prstGeom>
+          <a:noFill/>
+        </p:spPr>
+        <p:txBody>
+          <a:bodyPr wrap="none" rtlCol="0">
+            <a:spAutoFit/>
+          </a:bodyPr>
+          <a:lstStyle/>
+          <a:p>
+            <a:pPr algn="ctr"/>
+            <a:r>
+              <a:rPr lang="en-US" sz="3200" dirty="0"/>
+              <a:t>Compound Mapping</a:t>
+            </a:r>
+          </a:p>
+        </p:txBody>
+      </p:sp>
+      <p:graphicFrame>
+        <p:nvGraphicFramePr>
+          <p:cNvPr id="3" name="Table 2">
+            <a:extLst>
+              <a:ext uri="{FF2B5EF4-FFF2-40B4-BE49-F238E27FC236}">
+                <a16:creationId xmlns:a16="http://schemas.microsoft.com/office/drawing/2014/main" id="{EF94CBEC-1B86-6048-AE4F-5400F1243E46}"/>
+              </a:ext>
+            </a:extLst>
+          </p:cNvPr>
+          <p:cNvGraphicFramePr>
+            <a:graphicFrameLocks noGrp="1"/>
+          </p:cNvGraphicFramePr>
+          <p:nvPr>
+            <p:extLst>
+              <p:ext uri="{D42A27DB-BD31-4B8C-83A1-F6EECF244321}">
+                <p14:modId xmlns:p14="http://schemas.microsoft.com/office/powerpoint/2010/main" val="4184897109"/>
+              </p:ext>
+            </p:extLst>
+          </p:nvPr>
+        </p:nvGraphicFramePr>
+        <p:xfrm>
+          <a:off x="613398" y="1104227"/>
+          <a:ext cx="6412676" cy="1584960"/>
+        </p:xfrm>
+        <a:graphic>
+          <a:graphicData uri="http://schemas.openxmlformats.org/drawingml/2006/table">
+            <a:tbl>
+              <a:tblPr firstRow="1" bandRow="1">
+                <a:tableStyleId>{5C22544A-7EE6-4342-B048-85BDC9FD1C3A}</a:tableStyleId>
+              </a:tblPr>
+              <a:tblGrid>
+                <a:gridCol w="1597089">
+                  <a:extLst>
+                    <a:ext uri="{9D8B030D-6E8A-4147-A177-3AD203B41FA5}">
+                      <a16:colId xmlns:a16="http://schemas.microsoft.com/office/drawing/2014/main" val="61598637"/>
+                    </a:ext>
+                  </a:extLst>
+                </a:gridCol>
+                <a:gridCol w="1521905">
+                  <a:extLst>
+                    <a:ext uri="{9D8B030D-6E8A-4147-A177-3AD203B41FA5}">
+                      <a16:colId xmlns:a16="http://schemas.microsoft.com/office/drawing/2014/main" val="1042705994"/>
+                    </a:ext>
+                  </a:extLst>
+                </a:gridCol>
+                <a:gridCol w="1553909">
+                  <a:extLst>
+                    <a:ext uri="{9D8B030D-6E8A-4147-A177-3AD203B41FA5}">
+                      <a16:colId xmlns:a16="http://schemas.microsoft.com/office/drawing/2014/main" val="2067594848"/>
+                    </a:ext>
+                  </a:extLst>
+                </a:gridCol>
+                <a:gridCol w="1739773">
+                  <a:extLst>
+                    <a:ext uri="{9D8B030D-6E8A-4147-A177-3AD203B41FA5}">
+                      <a16:colId xmlns:a16="http://schemas.microsoft.com/office/drawing/2014/main" val="2454189492"/>
+                    </a:ext>
+                  </a:extLst>
+                </a:gridCol>
+              </a:tblGrid>
+              <a:tr h="370840">
+                <a:tc>
+                  <a:txBody>
+                    <a:bodyPr/>
+                    <a:lstStyle/>
+                    <a:p>
+                      <a:pPr algn="ctr"/>
+                      <a:r>
+                        <a:rPr lang="en-US" sz="2000" dirty="0" err="1"/>
+                        <a:t>Sepal.Length</a:t>
+                      </a:r>
+                      <a:endParaRPr lang="en-US" sz="2000" dirty="0"/>
+                    </a:p>
+                  </a:txBody>
+                  <a:tcPr/>
+                </a:tc>
+                <a:tc>
+                  <a:txBody>
+                    <a:bodyPr/>
+                    <a:lstStyle/>
+                    <a:p>
+                      <a:pPr algn="ctr"/>
+                      <a:r>
+                        <a:rPr lang="en-US" sz="2000" dirty="0" err="1"/>
+                        <a:t>Sepal.Width</a:t>
+                      </a:r>
+                      <a:endParaRPr lang="en-US" sz="2000" dirty="0"/>
+                    </a:p>
+                  </a:txBody>
+                  <a:tcPr/>
+                </a:tc>
+                <a:tc>
+                  <a:txBody>
+                    <a:bodyPr/>
+                    <a:lstStyle/>
+                    <a:p>
+                      <a:pPr algn="ctr"/>
+                      <a:r>
+                        <a:rPr lang="en-US" sz="2000" dirty="0" err="1"/>
+                        <a:t>Petal.Length</a:t>
+                      </a:r>
+                      <a:endParaRPr lang="en-US" sz="2000" dirty="0"/>
+                    </a:p>
+                  </a:txBody>
+                  <a:tcPr/>
+                </a:tc>
+                <a:tc>
+                  <a:txBody>
+                    <a:bodyPr/>
+                    <a:lstStyle/>
+                    <a:p>
+                      <a:pPr algn="ctr"/>
+                      <a:r>
+                        <a:rPr lang="en-US" sz="2000" dirty="0" err="1"/>
+                        <a:t>Petal.Width</a:t>
+                      </a:r>
+                      <a:endParaRPr lang="en-US" sz="2000" dirty="0"/>
+                    </a:p>
+                  </a:txBody>
+                  <a:tcPr/>
+                </a:tc>
+                <a:extLst>
+                  <a:ext uri="{0D108BD9-81ED-4DB2-BD59-A6C34878D82A}">
+                    <a16:rowId xmlns:a16="http://schemas.microsoft.com/office/drawing/2014/main" val="3686229338"/>
+                  </a:ext>
+                </a:extLst>
+              </a:tr>
+              <a:tr h="370840">
+                <a:tc>
+                  <a:txBody>
+                    <a:bodyPr/>
+                    <a:lstStyle/>
+                    <a:p>
+                      <a:pPr algn="ctr"/>
+                      <a:r>
+                        <a:rPr lang="en-US" sz="2000" dirty="0"/>
+                        <a:t>5.1</a:t>
+                      </a:r>
+                    </a:p>
+                  </a:txBody>
+                  <a:tcPr/>
+                </a:tc>
+                <a:tc>
+                  <a:txBody>
+                    <a:bodyPr/>
+                    <a:lstStyle/>
+                    <a:p>
+                      <a:pPr algn="ctr"/>
+                      <a:r>
+                        <a:rPr lang="en-US" sz="2000" dirty="0"/>
+                        <a:t>3.5</a:t>
+                      </a:r>
+                    </a:p>
+                  </a:txBody>
+                  <a:tcPr/>
+                </a:tc>
+                <a:tc>
+                  <a:txBody>
+                    <a:bodyPr/>
+                    <a:lstStyle/>
+                    <a:p>
+                      <a:pPr algn="ctr"/>
+                      <a:r>
+                        <a:rPr lang="en-US" sz="2000" dirty="0"/>
+                        <a:t>1.4</a:t>
+                      </a:r>
+                    </a:p>
+                  </a:txBody>
+                  <a:tcPr/>
+                </a:tc>
+                <a:tc>
+                  <a:txBody>
+                    <a:bodyPr/>
+                    <a:lstStyle/>
+                    <a:p>
+                      <a:pPr algn="ctr"/>
+                      <a:r>
+                        <a:rPr lang="en-US" sz="2000" dirty="0"/>
+                        <a:t>0.2</a:t>
+                      </a:r>
+                    </a:p>
+                  </a:txBody>
+                  <a:tcPr/>
+                </a:tc>
+                <a:extLst>
+                  <a:ext uri="{0D108BD9-81ED-4DB2-BD59-A6C34878D82A}">
+                    <a16:rowId xmlns:a16="http://schemas.microsoft.com/office/drawing/2014/main" val="1437173563"/>
+                  </a:ext>
+                </a:extLst>
+              </a:tr>
+              <a:tr h="370840">
+                <a:tc>
+                  <a:txBody>
+                    <a:bodyPr/>
+                    <a:lstStyle/>
+                    <a:p>
+                      <a:pPr algn="ctr"/>
+                      <a:r>
+                        <a:rPr lang="en-US" sz="2000" dirty="0"/>
+                        <a:t>5.7</a:t>
+                      </a:r>
+                    </a:p>
+                  </a:txBody>
+                  <a:tcPr/>
+                </a:tc>
+                <a:tc>
+                  <a:txBody>
+                    <a:bodyPr/>
+                    <a:lstStyle/>
+                    <a:p>
+                      <a:pPr algn="ctr"/>
+                      <a:r>
+                        <a:rPr lang="en-US" sz="2000" dirty="0"/>
+                        <a:t>2.8</a:t>
+                      </a:r>
+                    </a:p>
+                  </a:txBody>
+                  <a:tcPr/>
+                </a:tc>
+                <a:tc>
+                  <a:txBody>
+                    <a:bodyPr/>
+                    <a:lstStyle/>
+                    <a:p>
+                      <a:pPr algn="ctr"/>
+                      <a:r>
+                        <a:rPr lang="en-US" sz="2000" dirty="0"/>
+                        <a:t>4.5</a:t>
+                      </a:r>
+                    </a:p>
+                  </a:txBody>
+                  <a:tcPr/>
+                </a:tc>
+                <a:tc>
+                  <a:txBody>
+                    <a:bodyPr/>
+                    <a:lstStyle/>
+                    <a:p>
+                      <a:pPr algn="ctr"/>
+                      <a:r>
+                        <a:rPr lang="en-US" sz="2000" dirty="0"/>
+                        <a:t>1.3</a:t>
+                      </a:r>
+                    </a:p>
+                  </a:txBody>
+                  <a:tcPr/>
+                </a:tc>
+                <a:extLst>
+                  <a:ext uri="{0D108BD9-81ED-4DB2-BD59-A6C34878D82A}">
+                    <a16:rowId xmlns:a16="http://schemas.microsoft.com/office/drawing/2014/main" val="3652570850"/>
+                  </a:ext>
+                </a:extLst>
+              </a:tr>
+              <a:tr h="370840">
+                <a:tc>
+                  <a:txBody>
+                    <a:bodyPr/>
+                    <a:lstStyle/>
+                    <a:p>
+                      <a:pPr algn="ctr"/>
+                      <a:r>
+                        <a:rPr lang="en-US" sz="2000" dirty="0"/>
+                        <a:t>…</a:t>
+                      </a:r>
+                    </a:p>
+                  </a:txBody>
+                  <a:tcPr/>
+                </a:tc>
+                <a:tc>
+                  <a:txBody>
+                    <a:bodyPr/>
+                    <a:lstStyle/>
+                    <a:p>
+                      <a:pPr algn="ctr"/>
+                      <a:r>
+                        <a:rPr lang="en-US" sz="2000" dirty="0"/>
+                        <a:t>…</a:t>
+                      </a:r>
+                    </a:p>
+                  </a:txBody>
+                  <a:tcPr/>
+                </a:tc>
+                <a:tc>
+                  <a:txBody>
+                    <a:bodyPr/>
+                    <a:lstStyle/>
+                    <a:p>
+                      <a:pPr algn="ctr"/>
+                      <a:r>
+                        <a:rPr lang="en-US" sz="2000" dirty="0"/>
+                        <a:t>…</a:t>
+                      </a:r>
+                    </a:p>
+                  </a:txBody>
+                  <a:tcPr/>
+                </a:tc>
+                <a:tc>
+                  <a:txBody>
+                    <a:bodyPr/>
+                    <a:lstStyle/>
+                    <a:p>
+                      <a:pPr algn="ctr"/>
+                      <a:r>
+                        <a:rPr lang="en-US" sz="2000" dirty="0"/>
+                        <a:t>…</a:t>
+                      </a:r>
+                    </a:p>
+                  </a:txBody>
+                  <a:tcPr/>
+                </a:tc>
+                <a:extLst>
+                  <a:ext uri="{0D108BD9-81ED-4DB2-BD59-A6C34878D82A}">
+                    <a16:rowId xmlns:a16="http://schemas.microsoft.com/office/drawing/2014/main" val="1217916097"/>
+                  </a:ext>
+                </a:extLst>
+              </a:tr>
+            </a:tbl>
+          </a:graphicData>
+        </a:graphic>
+      </p:graphicFrame>
+      <p:cxnSp>
+        <p:nvCxnSpPr>
+          <p:cNvPr id="5" name="Straight Arrow Connector 4">
+            <a:extLst>
+              <a:ext uri="{FF2B5EF4-FFF2-40B4-BE49-F238E27FC236}">
+                <a16:creationId xmlns:a16="http://schemas.microsoft.com/office/drawing/2014/main" id="{C8F8E12E-140B-7848-BF7D-5FD413C7CDDB}"/>
+              </a:ext>
+            </a:extLst>
+          </p:cNvPr>
+          <p:cNvCxnSpPr>
+            <a:cxnSpLocks/>
+          </p:cNvCxnSpPr>
+          <p:nvPr/>
+        </p:nvCxnSpPr>
+        <p:spPr>
+          <a:xfrm>
+            <a:off x="7221196" y="1709159"/>
+            <a:ext cx="2221907" cy="0"/>
+          </a:xfrm>
+          <a:prstGeom prst="straightConnector1">
+            <a:avLst/>
+          </a:prstGeom>
+          <a:ln w="57150">
+            <a:solidFill>
+              <a:schemeClr val="tx1"/>
+            </a:solidFill>
+            <a:tailEnd type="triangle"/>
+          </a:ln>
+        </p:spPr>
+        <p:style>
+          <a:lnRef idx="1">
+            <a:schemeClr val="accent1"/>
+          </a:lnRef>
+          <a:fillRef idx="0">
+            <a:schemeClr val="accent1"/>
+          </a:fillRef>
+          <a:effectRef idx="0">
+            <a:schemeClr val="accent1"/>
+          </a:effectRef>
+          <a:fontRef idx="minor">
+            <a:schemeClr val="tx1"/>
+          </a:fontRef>
+        </p:style>
+      </p:cxnSp>
+      <p:sp>
+        <p:nvSpPr>
+          <p:cNvPr id="6" name="TextBox 5">
+            <a:extLst>
+              <a:ext uri="{FF2B5EF4-FFF2-40B4-BE49-F238E27FC236}">
+                <a16:creationId xmlns:a16="http://schemas.microsoft.com/office/drawing/2014/main" id="{FF406F2C-DE52-A54E-AA0B-15EF8E97571C}"/>
+              </a:ext>
+            </a:extLst>
+          </p:cNvPr>
+          <p:cNvSpPr txBox="1"/>
+          <p:nvPr/>
+        </p:nvSpPr>
+        <p:spPr>
+          <a:xfrm>
+            <a:off x="7503714" y="1339827"/>
+            <a:ext cx="1747338" cy="369332"/>
+          </a:xfrm>
+          <a:prstGeom prst="rect">
+            <a:avLst/>
+          </a:prstGeom>
+          <a:noFill/>
+        </p:spPr>
+        <p:txBody>
+          <a:bodyPr wrap="none" rtlCol="0">
+            <a:spAutoFit/>
+          </a:bodyPr>
+          <a:lstStyle/>
+          <a:p>
+            <a:r>
+              <a:rPr lang="en-US" dirty="0"/>
+              <a:t>SOM (clustering)</a:t>
+            </a:r>
+          </a:p>
+        </p:txBody>
+      </p:sp>
+      <p:cxnSp>
+        <p:nvCxnSpPr>
+          <p:cNvPr id="7" name="Straight Arrow Connector 6">
+            <a:extLst>
+              <a:ext uri="{FF2B5EF4-FFF2-40B4-BE49-F238E27FC236}">
+                <a16:creationId xmlns:a16="http://schemas.microsoft.com/office/drawing/2014/main" id="{88A55D70-1BF5-7049-8170-F935EB851F8C}"/>
+              </a:ext>
+            </a:extLst>
+          </p:cNvPr>
+          <p:cNvCxnSpPr>
+            <a:cxnSpLocks/>
+          </p:cNvCxnSpPr>
+          <p:nvPr/>
+        </p:nvCxnSpPr>
+        <p:spPr>
+          <a:xfrm>
+            <a:off x="7221194" y="2083750"/>
+            <a:ext cx="2221909" cy="0"/>
+          </a:xfrm>
+          <a:prstGeom prst="straightConnector1">
+            <a:avLst/>
+          </a:prstGeom>
+          <a:ln w="57150">
+            <a:solidFill>
+              <a:schemeClr val="tx1"/>
+            </a:solidFill>
+            <a:tailEnd type="triangle"/>
+          </a:ln>
+        </p:spPr>
+        <p:style>
+          <a:lnRef idx="1">
+            <a:schemeClr val="accent1"/>
+          </a:lnRef>
+          <a:fillRef idx="0">
+            <a:schemeClr val="accent1"/>
+          </a:fillRef>
+          <a:effectRef idx="0">
+            <a:schemeClr val="accent1"/>
+          </a:effectRef>
+          <a:fontRef idx="minor">
+            <a:schemeClr val="tx1"/>
+          </a:fontRef>
+        </p:style>
+      </p:cxnSp>
+      <p:graphicFrame>
+        <p:nvGraphicFramePr>
+          <p:cNvPr id="10" name="Table 9">
+            <a:extLst>
+              <a:ext uri="{FF2B5EF4-FFF2-40B4-BE49-F238E27FC236}">
+                <a16:creationId xmlns:a16="http://schemas.microsoft.com/office/drawing/2014/main" id="{E31A7D76-050B-4144-A39E-3A6EF367AD5D}"/>
+              </a:ext>
+            </a:extLst>
+          </p:cNvPr>
+          <p:cNvGraphicFramePr>
+            <a:graphicFrameLocks noGrp="1"/>
+          </p:cNvGraphicFramePr>
+          <p:nvPr>
+            <p:extLst>
+              <p:ext uri="{D42A27DB-BD31-4B8C-83A1-F6EECF244321}">
+                <p14:modId xmlns:p14="http://schemas.microsoft.com/office/powerpoint/2010/main" val="3206693563"/>
+              </p:ext>
+            </p:extLst>
+          </p:nvPr>
+        </p:nvGraphicFramePr>
+        <p:xfrm>
+          <a:off x="9638223" y="1104227"/>
+          <a:ext cx="1991042" cy="1483360"/>
+        </p:xfrm>
+        <a:graphic>
+          <a:graphicData uri="http://schemas.openxmlformats.org/drawingml/2006/table">
+            <a:tbl>
+              <a:tblPr firstRow="1" bandRow="1">
+                <a:tableStyleId>{5C22544A-7EE6-4342-B048-85BDC9FD1C3A}</a:tableStyleId>
+              </a:tblPr>
+              <a:tblGrid>
+                <a:gridCol w="1991042">
+                  <a:extLst>
+                    <a:ext uri="{9D8B030D-6E8A-4147-A177-3AD203B41FA5}">
+                      <a16:colId xmlns:a16="http://schemas.microsoft.com/office/drawing/2014/main" val="3509489602"/>
+                    </a:ext>
+                  </a:extLst>
+                </a:gridCol>
+              </a:tblGrid>
+              <a:tr h="370840">
+                <a:tc>
+                  <a:txBody>
+                    <a:bodyPr/>
+                    <a:lstStyle/>
+                    <a:p>
+                      <a:pPr algn="ctr"/>
+                      <a:r>
+                        <a:rPr lang="en-US" dirty="0"/>
+                        <a:t>SOM Output Node</a:t>
+                      </a:r>
+                    </a:p>
+                  </a:txBody>
+                  <a:tcPr/>
+                </a:tc>
+                <a:extLst>
+                  <a:ext uri="{0D108BD9-81ED-4DB2-BD59-A6C34878D82A}">
+                    <a16:rowId xmlns:a16="http://schemas.microsoft.com/office/drawing/2014/main" val="430449713"/>
+                  </a:ext>
+                </a:extLst>
+              </a:tr>
+              <a:tr h="370840">
+                <a:tc>
+                  <a:txBody>
+                    <a:bodyPr/>
+                    <a:lstStyle/>
+                    <a:p>
+                      <a:pPr algn="ctr"/>
+                      <a:r>
+                        <a:rPr lang="en-US" dirty="0"/>
+                        <a:t>3</a:t>
+                      </a:r>
+                    </a:p>
+                  </a:txBody>
+                  <a:tcPr/>
+                </a:tc>
+                <a:extLst>
+                  <a:ext uri="{0D108BD9-81ED-4DB2-BD59-A6C34878D82A}">
+                    <a16:rowId xmlns:a16="http://schemas.microsoft.com/office/drawing/2014/main" val="3388646316"/>
+                  </a:ext>
+                </a:extLst>
+              </a:tr>
+              <a:tr h="370840">
+                <a:tc>
+                  <a:txBody>
+                    <a:bodyPr/>
+                    <a:lstStyle/>
+                    <a:p>
+                      <a:pPr algn="ctr"/>
+                      <a:r>
+                        <a:rPr lang="en-US" dirty="0"/>
+                        <a:t>6</a:t>
+                      </a:r>
+                    </a:p>
+                  </a:txBody>
+                  <a:tcPr/>
+                </a:tc>
+                <a:extLst>
+                  <a:ext uri="{0D108BD9-81ED-4DB2-BD59-A6C34878D82A}">
+                    <a16:rowId xmlns:a16="http://schemas.microsoft.com/office/drawing/2014/main" val="4215004384"/>
+                  </a:ext>
+                </a:extLst>
+              </a:tr>
+              <a:tr h="370840">
+                <a:tc>
+                  <a:txBody>
+                    <a:bodyPr/>
+                    <a:lstStyle/>
+                    <a:p>
+                      <a:pPr algn="ctr"/>
+                      <a:r>
+                        <a:rPr lang="en-US" dirty="0"/>
+                        <a:t>…</a:t>
+                      </a:r>
+                    </a:p>
+                  </a:txBody>
+                  <a:tcPr/>
+                </a:tc>
+                <a:extLst>
+                  <a:ext uri="{0D108BD9-81ED-4DB2-BD59-A6C34878D82A}">
+                    <a16:rowId xmlns:a16="http://schemas.microsoft.com/office/drawing/2014/main" val="2517207285"/>
+                  </a:ext>
+                </a:extLst>
+              </a:tr>
+            </a:tbl>
+          </a:graphicData>
+        </a:graphic>
+      </p:graphicFrame>
+      <p:graphicFrame>
+        <p:nvGraphicFramePr>
+          <p:cNvPr id="11" name="Table 10">
+            <a:extLst>
+              <a:ext uri="{FF2B5EF4-FFF2-40B4-BE49-F238E27FC236}">
+                <a16:creationId xmlns:a16="http://schemas.microsoft.com/office/drawing/2014/main" id="{CDC4CF0D-16EB-9F4F-8D11-5DDBDB213994}"/>
+              </a:ext>
+            </a:extLst>
+          </p:cNvPr>
+          <p:cNvGraphicFramePr>
+            <a:graphicFrameLocks noGrp="1"/>
+          </p:cNvGraphicFramePr>
+          <p:nvPr>
+            <p:extLst>
+              <p:ext uri="{D42A27DB-BD31-4B8C-83A1-F6EECF244321}">
+                <p14:modId xmlns:p14="http://schemas.microsoft.com/office/powerpoint/2010/main" val="63863507"/>
+              </p:ext>
+            </p:extLst>
+          </p:nvPr>
+        </p:nvGraphicFramePr>
+        <p:xfrm>
+          <a:off x="1828694" y="3205069"/>
+          <a:ext cx="1991042" cy="1483360"/>
+        </p:xfrm>
+        <a:graphic>
+          <a:graphicData uri="http://schemas.openxmlformats.org/drawingml/2006/table">
+            <a:tbl>
+              <a:tblPr firstRow="1" bandRow="1">
+                <a:tableStyleId>{5C22544A-7EE6-4342-B048-85BDC9FD1C3A}</a:tableStyleId>
+              </a:tblPr>
+              <a:tblGrid>
+                <a:gridCol w="1991042">
+                  <a:extLst>
+                    <a:ext uri="{9D8B030D-6E8A-4147-A177-3AD203B41FA5}">
+                      <a16:colId xmlns:a16="http://schemas.microsoft.com/office/drawing/2014/main" val="3509489602"/>
+                    </a:ext>
+                  </a:extLst>
+                </a:gridCol>
+              </a:tblGrid>
+              <a:tr h="370840">
+                <a:tc>
+                  <a:txBody>
+                    <a:bodyPr/>
+                    <a:lstStyle/>
+                    <a:p>
+                      <a:pPr algn="ctr"/>
+                      <a:r>
+                        <a:rPr lang="en-US" dirty="0"/>
+                        <a:t>SOM Output Node</a:t>
+                      </a:r>
+                    </a:p>
+                  </a:txBody>
+                  <a:tcPr/>
+                </a:tc>
+                <a:extLst>
+                  <a:ext uri="{0D108BD9-81ED-4DB2-BD59-A6C34878D82A}">
+                    <a16:rowId xmlns:a16="http://schemas.microsoft.com/office/drawing/2014/main" val="430449713"/>
+                  </a:ext>
+                </a:extLst>
+              </a:tr>
+              <a:tr h="370840">
+                <a:tc>
+                  <a:txBody>
+                    <a:bodyPr/>
+                    <a:lstStyle/>
+                    <a:p>
+                      <a:pPr algn="ctr"/>
+                      <a:r>
+                        <a:rPr lang="en-US" dirty="0"/>
+                        <a:t>3</a:t>
+                      </a:r>
+                    </a:p>
+                  </a:txBody>
+                  <a:tcPr/>
+                </a:tc>
+                <a:extLst>
+                  <a:ext uri="{0D108BD9-81ED-4DB2-BD59-A6C34878D82A}">
+                    <a16:rowId xmlns:a16="http://schemas.microsoft.com/office/drawing/2014/main" val="3388646316"/>
+                  </a:ext>
+                </a:extLst>
+              </a:tr>
+              <a:tr h="370840">
+                <a:tc>
+                  <a:txBody>
+                    <a:bodyPr/>
+                    <a:lstStyle/>
+                    <a:p>
+                      <a:pPr algn="ctr"/>
+                      <a:r>
+                        <a:rPr lang="en-US" dirty="0"/>
+                        <a:t>6</a:t>
+                      </a:r>
+                    </a:p>
+                  </a:txBody>
+                  <a:tcPr/>
+                </a:tc>
+                <a:extLst>
+                  <a:ext uri="{0D108BD9-81ED-4DB2-BD59-A6C34878D82A}">
+                    <a16:rowId xmlns:a16="http://schemas.microsoft.com/office/drawing/2014/main" val="4215004384"/>
+                  </a:ext>
+                </a:extLst>
+              </a:tr>
+              <a:tr h="370840">
+                <a:tc>
+                  <a:txBody>
+                    <a:bodyPr/>
+                    <a:lstStyle/>
+                    <a:p>
+                      <a:pPr algn="ctr"/>
+                      <a:r>
+                        <a:rPr lang="en-US" dirty="0"/>
+                        <a:t>…</a:t>
+                      </a:r>
+                    </a:p>
+                  </a:txBody>
+                  <a:tcPr/>
+                </a:tc>
+                <a:extLst>
+                  <a:ext uri="{0D108BD9-81ED-4DB2-BD59-A6C34878D82A}">
+                    <a16:rowId xmlns:a16="http://schemas.microsoft.com/office/drawing/2014/main" val="2517207285"/>
+                  </a:ext>
+                </a:extLst>
+              </a:tr>
+            </a:tbl>
+          </a:graphicData>
+        </a:graphic>
+      </p:graphicFrame>
+      <p:cxnSp>
+        <p:nvCxnSpPr>
+          <p:cNvPr id="12" name="Straight Arrow Connector 11">
+            <a:extLst>
+              <a:ext uri="{FF2B5EF4-FFF2-40B4-BE49-F238E27FC236}">
+                <a16:creationId xmlns:a16="http://schemas.microsoft.com/office/drawing/2014/main" id="{6F85E4C3-12A9-5849-B64A-728ECE228C85}"/>
+              </a:ext>
+            </a:extLst>
+          </p:cNvPr>
+          <p:cNvCxnSpPr>
+            <a:cxnSpLocks/>
+          </p:cNvCxnSpPr>
+          <p:nvPr/>
+        </p:nvCxnSpPr>
+        <p:spPr>
+          <a:xfrm>
+            <a:off x="3861275" y="3798332"/>
+            <a:ext cx="2221907" cy="0"/>
+          </a:xfrm>
+          <a:prstGeom prst="straightConnector1">
+            <a:avLst/>
+          </a:prstGeom>
+          <a:ln w="57150">
+            <a:solidFill>
+              <a:schemeClr val="tx1"/>
+            </a:solidFill>
+            <a:tailEnd type="triangle"/>
+          </a:ln>
+        </p:spPr>
+        <p:style>
+          <a:lnRef idx="1">
+            <a:schemeClr val="accent1"/>
+          </a:lnRef>
+          <a:fillRef idx="0">
+            <a:schemeClr val="accent1"/>
+          </a:fillRef>
+          <a:effectRef idx="0">
+            <a:schemeClr val="accent1"/>
+          </a:effectRef>
+          <a:fontRef idx="minor">
+            <a:schemeClr val="tx1"/>
+          </a:fontRef>
+        </p:style>
+      </p:cxnSp>
+      <p:sp>
+        <p:nvSpPr>
+          <p:cNvPr id="13" name="TextBox 12">
+            <a:extLst>
+              <a:ext uri="{FF2B5EF4-FFF2-40B4-BE49-F238E27FC236}">
+                <a16:creationId xmlns:a16="http://schemas.microsoft.com/office/drawing/2014/main" id="{BB057E33-B894-B94B-A834-A494D664C1B2}"/>
+              </a:ext>
+            </a:extLst>
+          </p:cNvPr>
+          <p:cNvSpPr txBox="1"/>
+          <p:nvPr/>
+        </p:nvSpPr>
+        <p:spPr>
+          <a:xfrm>
+            <a:off x="4143793" y="3429000"/>
+            <a:ext cx="1656223" cy="369332"/>
+          </a:xfrm>
+          <a:prstGeom prst="rect">
+            <a:avLst/>
+          </a:prstGeom>
+          <a:noFill/>
+        </p:spPr>
+        <p:txBody>
+          <a:bodyPr wrap="none" rtlCol="0">
+            <a:spAutoFit/>
+          </a:bodyPr>
+          <a:lstStyle/>
+          <a:p>
+            <a:r>
+              <a:rPr lang="en-US" dirty="0"/>
+              <a:t>SOM (mapping)</a:t>
+            </a:r>
+          </a:p>
+        </p:txBody>
+      </p:sp>
+      <p:cxnSp>
+        <p:nvCxnSpPr>
+          <p:cNvPr id="14" name="Straight Arrow Connector 13">
+            <a:extLst>
+              <a:ext uri="{FF2B5EF4-FFF2-40B4-BE49-F238E27FC236}">
+                <a16:creationId xmlns:a16="http://schemas.microsoft.com/office/drawing/2014/main" id="{4818BD57-DCF2-5A41-AE51-EA0B87397619}"/>
+              </a:ext>
+            </a:extLst>
+          </p:cNvPr>
+          <p:cNvCxnSpPr>
+            <a:cxnSpLocks/>
+          </p:cNvCxnSpPr>
+          <p:nvPr/>
+        </p:nvCxnSpPr>
+        <p:spPr>
+          <a:xfrm>
+            <a:off x="3861273" y="4172923"/>
+            <a:ext cx="2221909" cy="0"/>
+          </a:xfrm>
+          <a:prstGeom prst="straightConnector1">
+            <a:avLst/>
+          </a:prstGeom>
+          <a:ln w="57150">
+            <a:solidFill>
+              <a:schemeClr val="tx1"/>
+            </a:solidFill>
+            <a:tailEnd type="triangle"/>
+          </a:ln>
+        </p:spPr>
+        <p:style>
+          <a:lnRef idx="1">
+            <a:schemeClr val="accent1"/>
+          </a:lnRef>
+          <a:fillRef idx="0">
+            <a:schemeClr val="accent1"/>
+          </a:fillRef>
+          <a:effectRef idx="0">
+            <a:schemeClr val="accent1"/>
+          </a:effectRef>
+          <a:fontRef idx="minor">
+            <a:schemeClr val="tx1"/>
+          </a:fontRef>
+        </p:style>
+      </p:cxnSp>
+      <p:graphicFrame>
+        <p:nvGraphicFramePr>
+          <p:cNvPr id="15" name="Table 14">
+            <a:extLst>
+              <a:ext uri="{FF2B5EF4-FFF2-40B4-BE49-F238E27FC236}">
+                <a16:creationId xmlns:a16="http://schemas.microsoft.com/office/drawing/2014/main" id="{E177BAC5-81A6-9245-8BAE-AD3DB3237849}"/>
+              </a:ext>
+            </a:extLst>
+          </p:cNvPr>
+          <p:cNvGraphicFramePr>
+            <a:graphicFrameLocks noGrp="1"/>
+          </p:cNvGraphicFramePr>
+          <p:nvPr>
+            <p:extLst>
+              <p:ext uri="{D42A27DB-BD31-4B8C-83A1-F6EECF244321}">
+                <p14:modId xmlns:p14="http://schemas.microsoft.com/office/powerpoint/2010/main" val="3514650036"/>
+              </p:ext>
+            </p:extLst>
+          </p:nvPr>
+        </p:nvGraphicFramePr>
+        <p:xfrm>
+          <a:off x="6225673" y="3205069"/>
+          <a:ext cx="3217430" cy="1483360"/>
+        </p:xfrm>
+        <a:graphic>
+          <a:graphicData uri="http://schemas.openxmlformats.org/drawingml/2006/table">
+            <a:tbl>
+              <a:tblPr firstRow="1" bandRow="1">
+                <a:tableStyleId>{5C22544A-7EE6-4342-B048-85BDC9FD1C3A}</a:tableStyleId>
+              </a:tblPr>
+              <a:tblGrid>
+                <a:gridCol w="3217430">
+                  <a:extLst>
+                    <a:ext uri="{9D8B030D-6E8A-4147-A177-3AD203B41FA5}">
+                      <a16:colId xmlns:a16="http://schemas.microsoft.com/office/drawing/2014/main" val="3509489602"/>
+                    </a:ext>
+                  </a:extLst>
+                </a:gridCol>
+              </a:tblGrid>
+              <a:tr h="370840">
+                <a:tc>
+                  <a:txBody>
+                    <a:bodyPr/>
+                    <a:lstStyle/>
+                    <a:p>
+                      <a:pPr algn="ctr"/>
+                      <a:r>
+                        <a:rPr lang="en-US" dirty="0"/>
+                        <a:t>SOM Outcome Classification</a:t>
+                      </a:r>
+                    </a:p>
+                  </a:txBody>
+                  <a:tcPr/>
+                </a:tc>
+                <a:extLst>
+                  <a:ext uri="{0D108BD9-81ED-4DB2-BD59-A6C34878D82A}">
+                    <a16:rowId xmlns:a16="http://schemas.microsoft.com/office/drawing/2014/main" val="430449713"/>
+                  </a:ext>
+                </a:extLst>
+              </a:tr>
+              <a:tr h="370840">
+                <a:tc>
+                  <a:txBody>
+                    <a:bodyPr/>
+                    <a:lstStyle/>
+                    <a:p>
+                      <a:pPr algn="ctr"/>
+                      <a:r>
+                        <a:rPr lang="en-US" dirty="0"/>
+                        <a:t>S</a:t>
+                      </a:r>
+                    </a:p>
+                  </a:txBody>
+                  <a:tcPr/>
+                </a:tc>
+                <a:extLst>
+                  <a:ext uri="{0D108BD9-81ED-4DB2-BD59-A6C34878D82A}">
+                    <a16:rowId xmlns:a16="http://schemas.microsoft.com/office/drawing/2014/main" val="3388646316"/>
+                  </a:ext>
+                </a:extLst>
+              </a:tr>
+              <a:tr h="370840">
+                <a:tc>
+                  <a:txBody>
+                    <a:bodyPr/>
+                    <a:lstStyle/>
+                    <a:p>
+                      <a:pPr algn="ctr"/>
+                      <a:r>
+                        <a:rPr lang="en-US" dirty="0" err="1"/>
+                        <a:t>Ve</a:t>
+                      </a:r>
+                      <a:endParaRPr lang="en-US" dirty="0"/>
+                    </a:p>
+                  </a:txBody>
+                  <a:tcPr/>
+                </a:tc>
+                <a:extLst>
+                  <a:ext uri="{0D108BD9-81ED-4DB2-BD59-A6C34878D82A}">
+                    <a16:rowId xmlns:a16="http://schemas.microsoft.com/office/drawing/2014/main" val="4215004384"/>
+                  </a:ext>
+                </a:extLst>
+              </a:tr>
+              <a:tr h="370840">
+                <a:tc>
+                  <a:txBody>
+                    <a:bodyPr/>
+                    <a:lstStyle/>
+                    <a:p>
+                      <a:pPr algn="ctr"/>
+                      <a:r>
+                        <a:rPr lang="en-US" dirty="0"/>
+                        <a:t>…</a:t>
+                      </a:r>
+                    </a:p>
+                  </a:txBody>
+                  <a:tcPr/>
+                </a:tc>
+                <a:extLst>
+                  <a:ext uri="{0D108BD9-81ED-4DB2-BD59-A6C34878D82A}">
+                    <a16:rowId xmlns:a16="http://schemas.microsoft.com/office/drawing/2014/main" val="2517207285"/>
+                  </a:ext>
+                </a:extLst>
+              </a:tr>
+            </a:tbl>
+          </a:graphicData>
+        </a:graphic>
+      </p:graphicFrame>
+      <p:graphicFrame>
+        <p:nvGraphicFramePr>
+          <p:cNvPr id="16" name="Table 15">
+            <a:extLst>
+              <a:ext uri="{FF2B5EF4-FFF2-40B4-BE49-F238E27FC236}">
+                <a16:creationId xmlns:a16="http://schemas.microsoft.com/office/drawing/2014/main" id="{25B0149B-4709-354C-8992-17B9C8320070}"/>
+              </a:ext>
+            </a:extLst>
+          </p:cNvPr>
+          <p:cNvGraphicFramePr>
+            <a:graphicFrameLocks noGrp="1"/>
+          </p:cNvGraphicFramePr>
+          <p:nvPr>
+            <p:extLst>
+              <p:ext uri="{D42A27DB-BD31-4B8C-83A1-F6EECF244321}">
+                <p14:modId xmlns:p14="http://schemas.microsoft.com/office/powerpoint/2010/main" val="3686403007"/>
+              </p:ext>
+            </p:extLst>
+          </p:nvPr>
+        </p:nvGraphicFramePr>
+        <p:xfrm>
+          <a:off x="1828694" y="4877473"/>
+          <a:ext cx="3217430" cy="1752600"/>
+        </p:xfrm>
+        <a:graphic>
+          <a:graphicData uri="http://schemas.openxmlformats.org/drawingml/2006/table">
+            <a:tbl>
+              <a:tblPr firstRow="1" bandRow="1">
+                <a:tableStyleId>{5C22544A-7EE6-4342-B048-85BDC9FD1C3A}</a:tableStyleId>
+              </a:tblPr>
+              <a:tblGrid>
+                <a:gridCol w="1608715">
+                  <a:extLst>
+                    <a:ext uri="{9D8B030D-6E8A-4147-A177-3AD203B41FA5}">
+                      <a16:colId xmlns:a16="http://schemas.microsoft.com/office/drawing/2014/main" val="3509489602"/>
+                    </a:ext>
+                  </a:extLst>
+                </a:gridCol>
+                <a:gridCol w="1608715">
+                  <a:extLst>
+                    <a:ext uri="{9D8B030D-6E8A-4147-A177-3AD203B41FA5}">
+                      <a16:colId xmlns:a16="http://schemas.microsoft.com/office/drawing/2014/main" val="354410265"/>
+                    </a:ext>
+                  </a:extLst>
+                </a:gridCol>
+              </a:tblGrid>
+              <a:tr h="370840">
+                <a:tc>
+                  <a:txBody>
+                    <a:bodyPr/>
+                    <a:lstStyle/>
+                    <a:p>
+                      <a:pPr algn="ctr"/>
+                      <a:r>
+                        <a:rPr lang="en-US" dirty="0"/>
+                        <a:t>SOM Outcome Classification</a:t>
+                      </a:r>
+                    </a:p>
+                  </a:txBody>
+                  <a:tcPr/>
+                </a:tc>
+                <a:tc>
+                  <a:txBody>
+                    <a:bodyPr/>
+                    <a:lstStyle/>
+                    <a:p>
+                      <a:pPr algn="ctr"/>
+                      <a:r>
+                        <a:rPr lang="en-US" dirty="0"/>
+                        <a:t>Outcome TRUTH</a:t>
+                      </a:r>
+                    </a:p>
+                  </a:txBody>
+                  <a:tcPr/>
+                </a:tc>
+                <a:extLst>
+                  <a:ext uri="{0D108BD9-81ED-4DB2-BD59-A6C34878D82A}">
+                    <a16:rowId xmlns:a16="http://schemas.microsoft.com/office/drawing/2014/main" val="430449713"/>
+                  </a:ext>
+                </a:extLst>
+              </a:tr>
+              <a:tr h="370840">
+                <a:tc>
+                  <a:txBody>
+                    <a:bodyPr/>
+                    <a:lstStyle/>
+                    <a:p>
+                      <a:pPr algn="ctr"/>
+                      <a:r>
+                        <a:rPr lang="en-US" dirty="0"/>
+                        <a:t>S</a:t>
+                      </a:r>
+                    </a:p>
+                  </a:txBody>
+                  <a:tcPr/>
+                </a:tc>
+                <a:tc>
+                  <a:txBody>
+                    <a:bodyPr/>
+                    <a:lstStyle/>
+                    <a:p>
+                      <a:pPr algn="ctr"/>
+                      <a:r>
+                        <a:rPr lang="en-US" dirty="0"/>
+                        <a:t>S</a:t>
+                      </a:r>
+                    </a:p>
+                  </a:txBody>
+                  <a:tcPr/>
+                </a:tc>
+                <a:extLst>
+                  <a:ext uri="{0D108BD9-81ED-4DB2-BD59-A6C34878D82A}">
+                    <a16:rowId xmlns:a16="http://schemas.microsoft.com/office/drawing/2014/main" val="3388646316"/>
+                  </a:ext>
+                </a:extLst>
+              </a:tr>
+              <a:tr h="370840">
+                <a:tc>
+                  <a:txBody>
+                    <a:bodyPr/>
+                    <a:lstStyle/>
+                    <a:p>
+                      <a:pPr algn="ctr"/>
+                      <a:r>
+                        <a:rPr lang="en-US" dirty="0" err="1"/>
+                        <a:t>Ve</a:t>
+                      </a:r>
+                      <a:endParaRPr lang="en-US" dirty="0"/>
+                    </a:p>
+                  </a:txBody>
+                  <a:tcPr/>
+                </a:tc>
+                <a:tc>
+                  <a:txBody>
+                    <a:bodyPr/>
+                    <a:lstStyle/>
+                    <a:p>
+                      <a:pPr algn="ctr"/>
+                      <a:r>
+                        <a:rPr lang="en-US" dirty="0" err="1"/>
+                        <a:t>Ve</a:t>
+                      </a:r>
+                      <a:endParaRPr lang="en-US" dirty="0"/>
+                    </a:p>
+                  </a:txBody>
+                  <a:tcPr/>
+                </a:tc>
+                <a:extLst>
+                  <a:ext uri="{0D108BD9-81ED-4DB2-BD59-A6C34878D82A}">
+                    <a16:rowId xmlns:a16="http://schemas.microsoft.com/office/drawing/2014/main" val="4215004384"/>
+                  </a:ext>
+                </a:extLst>
+              </a:tr>
+              <a:tr h="370840">
+                <a:tc>
+                  <a:txBody>
+                    <a:bodyPr/>
+                    <a:lstStyle/>
+                    <a:p>
+                      <a:pPr algn="ctr"/>
+                      <a:r>
+                        <a:rPr lang="en-US" dirty="0"/>
+                        <a:t>…</a:t>
+                      </a:r>
+                    </a:p>
+                  </a:txBody>
+                  <a:tcPr/>
+                </a:tc>
+                <a:tc>
+                  <a:txBody>
+                    <a:bodyPr/>
+                    <a:lstStyle/>
+                    <a:p>
+                      <a:pPr algn="ctr"/>
+                      <a:r>
+                        <a:rPr lang="en-US" dirty="0"/>
+                        <a:t>…</a:t>
+                      </a:r>
+                    </a:p>
+                  </a:txBody>
+                  <a:tcPr/>
+                </a:tc>
+                <a:extLst>
+                  <a:ext uri="{0D108BD9-81ED-4DB2-BD59-A6C34878D82A}">
+                    <a16:rowId xmlns:a16="http://schemas.microsoft.com/office/drawing/2014/main" val="2517207285"/>
+                  </a:ext>
+                </a:extLst>
+              </a:tr>
+            </a:tbl>
+          </a:graphicData>
+        </a:graphic>
+      </p:graphicFrame>
+      <p:sp>
+        <p:nvSpPr>
+          <p:cNvPr id="17" name="Right Arrow 16">
+            <a:extLst>
+              <a:ext uri="{FF2B5EF4-FFF2-40B4-BE49-F238E27FC236}">
+                <a16:creationId xmlns:a16="http://schemas.microsoft.com/office/drawing/2014/main" id="{D9CFF81F-6DA2-6449-83F0-AC9007697BAF}"/>
+              </a:ext>
+            </a:extLst>
+          </p:cNvPr>
+          <p:cNvSpPr/>
+          <p:nvPr/>
+        </p:nvSpPr>
+        <p:spPr>
+          <a:xfrm>
+            <a:off x="5178751" y="5827876"/>
+            <a:ext cx="1666429" cy="45719"/>
+          </a:xfrm>
+          <a:prstGeom prst="rightArrow">
+            <a:avLst/>
+          </a:prstGeom>
+          <a:ln w="57150">
+            <a:solidFill>
+              <a:schemeClr val="tx1"/>
+            </a:solidFill>
+          </a:ln>
+        </p:spPr>
+        <p:style>
+          <a:lnRef idx="2">
+            <a:schemeClr val="accent1">
+              <a:shade val="50000"/>
+            </a:schemeClr>
+          </a:lnRef>
+          <a:fillRef idx="1">
+            <a:schemeClr val="accent1"/>
+          </a:fillRef>
+          <a:effectRef idx="0">
+            <a:schemeClr val="accent1"/>
+          </a:effectRef>
+          <a:fontRef idx="minor">
+            <a:schemeClr val="lt1"/>
+          </a:fontRef>
+        </p:style>
+        <p:txBody>
+          <a:bodyPr rtlCol="0" anchor="ctr"/>
+          <a:lstStyle/>
+          <a:p>
+            <a:pPr algn="ctr"/>
+            <a:endParaRPr lang="en-US"/>
+          </a:p>
+        </p:txBody>
+      </p:sp>
+      <p:sp>
+        <p:nvSpPr>
+          <p:cNvPr id="18" name="TextBox 17">
+            <a:extLst>
+              <a:ext uri="{FF2B5EF4-FFF2-40B4-BE49-F238E27FC236}">
+                <a16:creationId xmlns:a16="http://schemas.microsoft.com/office/drawing/2014/main" id="{E63EF604-57B3-D146-840B-B11D00ED2E03}"/>
+              </a:ext>
+            </a:extLst>
+          </p:cNvPr>
+          <p:cNvSpPr txBox="1"/>
+          <p:nvPr/>
+        </p:nvSpPr>
+        <p:spPr>
+          <a:xfrm>
+            <a:off x="7026074" y="5643210"/>
+            <a:ext cx="2052228" cy="369332"/>
+          </a:xfrm>
+          <a:prstGeom prst="rect">
+            <a:avLst/>
+          </a:prstGeom>
+          <a:noFill/>
+          <a:ln>
+            <a:solidFill>
+              <a:schemeClr val="tx1"/>
+            </a:solidFill>
+          </a:ln>
+        </p:spPr>
+        <p:txBody>
+          <a:bodyPr wrap="none" rtlCol="0">
+            <a:spAutoFit/>
+          </a:bodyPr>
+          <a:lstStyle/>
+          <a:p>
+            <a:r>
+              <a:rPr lang="en-US" dirty="0"/>
+              <a:t>Accuracy = 68.667%</a:t>
+            </a:r>
+          </a:p>
+        </p:txBody>
+      </p:sp>
+      <p:sp>
+        <p:nvSpPr>
+          <p:cNvPr id="19" name="TextBox 18">
+            <a:extLst>
+              <a:ext uri="{FF2B5EF4-FFF2-40B4-BE49-F238E27FC236}">
+                <a16:creationId xmlns:a16="http://schemas.microsoft.com/office/drawing/2014/main" id="{0C10A57F-033A-994D-BDC9-C83B1B10C040}"/>
+              </a:ext>
+            </a:extLst>
+          </p:cNvPr>
+          <p:cNvSpPr txBox="1"/>
+          <p:nvPr/>
+        </p:nvSpPr>
+        <p:spPr>
+          <a:xfrm>
+            <a:off x="9623997" y="4396267"/>
+            <a:ext cx="2512464" cy="1477328"/>
+          </a:xfrm>
+          <a:prstGeom prst="rect">
+            <a:avLst/>
+          </a:prstGeom>
+          <a:noFill/>
+        </p:spPr>
+        <p:txBody>
+          <a:bodyPr wrap="square" rtlCol="0">
+            <a:spAutoFit/>
+          </a:bodyPr>
+          <a:lstStyle/>
+          <a:p>
+            <a:r>
+              <a:rPr lang="en-US" dirty="0"/>
+              <a:t>I have generated an independent supervision variable, which is approximately 69% the same as the original.</a:t>
+            </a:r>
+          </a:p>
+        </p:txBody>
+      </p:sp>
+      <p:sp>
+        <p:nvSpPr>
+          <p:cNvPr id="20" name="TextBox 19">
+            <a:extLst>
+              <a:ext uri="{FF2B5EF4-FFF2-40B4-BE49-F238E27FC236}">
+                <a16:creationId xmlns:a16="http://schemas.microsoft.com/office/drawing/2014/main" id="{4399A6FE-C222-E54C-99D5-C20D1EAA017A}"/>
+              </a:ext>
+            </a:extLst>
+          </p:cNvPr>
+          <p:cNvSpPr txBox="1"/>
+          <p:nvPr/>
+        </p:nvSpPr>
+        <p:spPr>
+          <a:xfrm>
+            <a:off x="9607630" y="5928758"/>
+            <a:ext cx="2052228" cy="923330"/>
+          </a:xfrm>
+          <a:prstGeom prst="rect">
+            <a:avLst/>
+          </a:prstGeom>
+          <a:noFill/>
+        </p:spPr>
+        <p:txBody>
+          <a:bodyPr wrap="square" rtlCol="0">
+            <a:spAutoFit/>
+          </a:bodyPr>
+          <a:lstStyle/>
+          <a:p>
+            <a:r>
+              <a:rPr lang="en-US" dirty="0"/>
+              <a:t>NOTE: still cannot “optimize accuracy”</a:t>
+            </a:r>
+          </a:p>
+          <a:p>
+            <a:endParaRPr lang="en-US" dirty="0"/>
+          </a:p>
+        </p:txBody>
+      </p:sp>
     </p:spTree>
     <p:extLst>
       <p:ext uri="{BB962C8B-B14F-4D97-AF65-F5344CB8AC3E}">
-        <p14:creationId xmlns:p14="http://schemas.microsoft.com/office/powerpoint/2010/main" val="449732654"/>
+        <p14:creationId xmlns:p14="http://schemas.microsoft.com/office/powerpoint/2010/main" val="971963428"/>
       </p:ext>
     </p:extLst>
   </p:cSld>
@@ -3595,10 +8880,175 @@
           <a:chExt cx="0" cy="0"/>
         </a:xfrm>
       </p:grpSpPr>
+      <p:sp>
+        <p:nvSpPr>
+          <p:cNvPr id="2" name="TextBox 1">
+            <a:extLst>
+              <a:ext uri="{FF2B5EF4-FFF2-40B4-BE49-F238E27FC236}">
+                <a16:creationId xmlns:a16="http://schemas.microsoft.com/office/drawing/2014/main" id="{872711A1-21F1-664A-B2D8-2C891168677D}"/>
+              </a:ext>
+            </a:extLst>
+          </p:cNvPr>
+          <p:cNvSpPr txBox="1"/>
+          <p:nvPr/>
+        </p:nvSpPr>
+        <p:spPr>
+          <a:xfrm>
+            <a:off x="3213219" y="170916"/>
+            <a:ext cx="5007835" cy="646331"/>
+          </a:xfrm>
+          <a:prstGeom prst="rect">
+            <a:avLst/>
+          </a:prstGeom>
+          <a:noFill/>
+        </p:spPr>
+        <p:txBody>
+          <a:bodyPr wrap="square" rtlCol="0">
+            <a:spAutoFit/>
+          </a:bodyPr>
+          <a:lstStyle/>
+          <a:p>
+            <a:pPr algn="ctr"/>
+            <a:r>
+              <a:rPr lang="en-US" sz="3600" dirty="0"/>
+              <a:t>How Do We Implement?</a:t>
+            </a:r>
+          </a:p>
+        </p:txBody>
+      </p:sp>
+      <p:sp>
+        <p:nvSpPr>
+          <p:cNvPr id="4" name="TextBox 3">
+            <a:extLst>
+              <a:ext uri="{FF2B5EF4-FFF2-40B4-BE49-F238E27FC236}">
+                <a16:creationId xmlns:a16="http://schemas.microsoft.com/office/drawing/2014/main" id="{692D2BB3-6AFC-0946-89AD-F7ECFE028E59}"/>
+              </a:ext>
+            </a:extLst>
+          </p:cNvPr>
+          <p:cNvSpPr txBox="1"/>
+          <p:nvPr/>
+        </p:nvSpPr>
+        <p:spPr>
+          <a:xfrm>
+            <a:off x="406637" y="507751"/>
+            <a:ext cx="11378726" cy="5842497"/>
+          </a:xfrm>
+          <a:prstGeom prst="rect">
+            <a:avLst/>
+          </a:prstGeom>
+          <a:noFill/>
+        </p:spPr>
+        <p:txBody>
+          <a:bodyPr wrap="square" rtlCol="0">
+            <a:spAutoFit/>
+          </a:bodyPr>
+          <a:lstStyle/>
+          <a:p>
+            <a:pPr>
+              <a:lnSpc>
+                <a:spcPct val="150000"/>
+              </a:lnSpc>
+            </a:pPr>
+            <a:endParaRPr lang="en-US" sz="2800" dirty="0"/>
+          </a:p>
+          <a:p>
+            <a:pPr>
+              <a:lnSpc>
+                <a:spcPct val="150000"/>
+              </a:lnSpc>
+            </a:pPr>
+            <a:r>
+              <a:rPr lang="en-US" sz="2800" dirty="0"/>
+              <a:t>Using a SOM to generate a supervision set.</a:t>
+            </a:r>
+          </a:p>
+          <a:p>
+            <a:pPr>
+              <a:lnSpc>
+                <a:spcPct val="150000"/>
+              </a:lnSpc>
+            </a:pPr>
+            <a:endParaRPr lang="en-US" sz="2400" dirty="0"/>
+          </a:p>
+          <a:p>
+            <a:pPr marL="285750" indent="-285750">
+              <a:lnSpc>
+                <a:spcPct val="150000"/>
+              </a:lnSpc>
+              <a:buFont typeface="Arial" panose="020B0604020202020204" pitchFamily="34" charset="0"/>
+              <a:buChar char="•"/>
+            </a:pPr>
+            <a:r>
+              <a:rPr lang="en-US" sz="2400" dirty="0"/>
+              <a:t>Option 1: generate a SINGLE supervision set using the full-data </a:t>
+            </a:r>
+          </a:p>
+          <a:p>
+            <a:pPr marL="285750" indent="-285750">
+              <a:lnSpc>
+                <a:spcPct val="150000"/>
+              </a:lnSpc>
+              <a:buFont typeface="Arial" panose="020B0604020202020204" pitchFamily="34" charset="0"/>
+              <a:buChar char="•"/>
+            </a:pPr>
+            <a:r>
+              <a:rPr lang="en-US" sz="2400" dirty="0"/>
+              <a:t>Option 2: Accuracy is being evaluated using repeated CV processes (iterations over K cross-fold values)</a:t>
+            </a:r>
+          </a:p>
+          <a:p>
+            <a:pPr marL="742950" lvl="1" indent="-285750">
+              <a:lnSpc>
+                <a:spcPct val="150000"/>
+              </a:lnSpc>
+              <a:buFont typeface="Arial" panose="020B0604020202020204" pitchFamily="34" charset="0"/>
+              <a:buChar char="•"/>
+            </a:pPr>
+            <a:r>
+              <a:rPr lang="en-US" sz="2400" dirty="0"/>
+              <a:t>Generate new SOM supervision set corresponding to each “K-fold subset”</a:t>
+            </a:r>
+          </a:p>
+          <a:p>
+            <a:pPr marL="742950" lvl="1" indent="-285750">
+              <a:lnSpc>
+                <a:spcPct val="150000"/>
+              </a:lnSpc>
+              <a:buFont typeface="Arial" panose="020B0604020202020204" pitchFamily="34" charset="0"/>
+              <a:buChar char="•"/>
+            </a:pPr>
+            <a:r>
+              <a:rPr lang="en-US" sz="2400" dirty="0"/>
+              <a:t>For each value of ”K” generate a single SOM supervision set</a:t>
+            </a:r>
+          </a:p>
+          <a:p>
+            <a:pPr marL="285750" indent="-285750">
+              <a:lnSpc>
+                <a:spcPct val="150000"/>
+              </a:lnSpc>
+              <a:buFont typeface="Arial" panose="020B0604020202020204" pitchFamily="34" charset="0"/>
+              <a:buChar char="•"/>
+            </a:pPr>
+            <a:endParaRPr lang="en-US" sz="2400" dirty="0"/>
+          </a:p>
+          <a:p>
+            <a:pPr>
+              <a:lnSpc>
+                <a:spcPct val="150000"/>
+              </a:lnSpc>
+            </a:pPr>
+            <a:r>
+              <a:rPr lang="en-US" sz="2800" dirty="0"/>
+              <a:t>Option 1 seems the more probable route. </a:t>
+            </a:r>
+          </a:p>
+        </p:txBody>
+      </p:sp>
     </p:spTree>
     <p:extLst>
       <p:ext uri="{BB962C8B-B14F-4D97-AF65-F5344CB8AC3E}">
-        <p14:creationId xmlns:p14="http://schemas.microsoft.com/office/powerpoint/2010/main" val="971963428"/>
+        <p14:creationId xmlns:p14="http://schemas.microsoft.com/office/powerpoint/2010/main" val="1317404055"/>
       </p:ext>
     </p:extLst>
   </p:cSld>
@@ -3625,100 +9075,245 @@
           <a:chExt cx="0" cy="0"/>
         </a:xfrm>
       </p:grpSpPr>
+      <p:pic>
+        <p:nvPicPr>
+          <p:cNvPr id="9" name="Picture 8" descr="A screenshot of a cell phone&#10;&#10;Description automatically generated">
+            <a:extLst>
+              <a:ext uri="{FF2B5EF4-FFF2-40B4-BE49-F238E27FC236}">
+                <a16:creationId xmlns:a16="http://schemas.microsoft.com/office/drawing/2014/main" id="{E4E17859-0B63-1D49-BB80-CE544844883A}"/>
+              </a:ext>
+            </a:extLst>
+          </p:cNvPr>
+          <p:cNvPicPr>
+            <a:picLocks noChangeAspect="1"/>
+          </p:cNvPicPr>
+          <p:nvPr/>
+        </p:nvPicPr>
+        <p:blipFill>
+          <a:blip r:embed="rId3"/>
+          <a:stretch>
+            <a:fillRect/>
+          </a:stretch>
+        </p:blipFill>
+        <p:spPr>
+          <a:xfrm>
+            <a:off x="694731" y="700078"/>
+            <a:ext cx="10802537" cy="2728922"/>
+          </a:xfrm>
+          <a:prstGeom prst="rect">
+            <a:avLst/>
+          </a:prstGeom>
+        </p:spPr>
+      </p:pic>
+      <p:sp>
+        <p:nvSpPr>
+          <p:cNvPr id="10" name="Rectangle 9">
+            <a:extLst>
+              <a:ext uri="{FF2B5EF4-FFF2-40B4-BE49-F238E27FC236}">
+                <a16:creationId xmlns:a16="http://schemas.microsoft.com/office/drawing/2014/main" id="{A39D0E4D-A3B8-A642-BE48-3F99479E7296}"/>
+              </a:ext>
+            </a:extLst>
+          </p:cNvPr>
+          <p:cNvSpPr/>
+          <p:nvPr/>
+        </p:nvSpPr>
+        <p:spPr>
+          <a:xfrm>
+            <a:off x="4745053" y="140347"/>
+            <a:ext cx="2701893" cy="769441"/>
+          </a:xfrm>
+          <a:prstGeom prst="rect">
+            <a:avLst/>
+          </a:prstGeom>
+        </p:spPr>
+        <p:txBody>
+          <a:bodyPr wrap="none">
+            <a:spAutoFit/>
+          </a:bodyPr>
+          <a:lstStyle/>
+          <a:p>
+            <a:pPr algn="ctr"/>
+            <a:r>
+              <a:rPr lang="en-US" sz="4400" dirty="0"/>
+              <a:t>References</a:t>
+            </a:r>
+            <a:endParaRPr lang="en-US" dirty="0"/>
+          </a:p>
+        </p:txBody>
+      </p:sp>
+      <p:sp>
+        <p:nvSpPr>
+          <p:cNvPr id="11" name="TextBox 10">
+            <a:extLst>
+              <a:ext uri="{FF2B5EF4-FFF2-40B4-BE49-F238E27FC236}">
+                <a16:creationId xmlns:a16="http://schemas.microsoft.com/office/drawing/2014/main" id="{8FC202DB-5979-834F-91F8-09A27281276A}"/>
+              </a:ext>
+            </a:extLst>
+          </p:cNvPr>
+          <p:cNvSpPr txBox="1"/>
+          <p:nvPr/>
+        </p:nvSpPr>
+        <p:spPr>
+          <a:xfrm>
+            <a:off x="4121210" y="5794323"/>
+            <a:ext cx="3762697" cy="923330"/>
+          </a:xfrm>
+          <a:prstGeom prst="rect">
+            <a:avLst/>
+          </a:prstGeom>
+          <a:noFill/>
+        </p:spPr>
+        <p:txBody>
+          <a:bodyPr wrap="none" rtlCol="0">
+            <a:spAutoFit/>
+          </a:bodyPr>
+          <a:lstStyle/>
+          <a:p>
+            <a:r>
+              <a:rPr lang="en-US" sz="5400" dirty="0"/>
+              <a:t>THANK YOU!</a:t>
+            </a:r>
+          </a:p>
+        </p:txBody>
+      </p:sp>
+      <p:sp>
+        <p:nvSpPr>
+          <p:cNvPr id="12" name="TextBox 11">
+            <a:extLst>
+              <a:ext uri="{FF2B5EF4-FFF2-40B4-BE49-F238E27FC236}">
+                <a16:creationId xmlns:a16="http://schemas.microsoft.com/office/drawing/2014/main" id="{CF0894CC-04DC-864E-9BA1-EE1B57246601}"/>
+              </a:ext>
+            </a:extLst>
+          </p:cNvPr>
+          <p:cNvSpPr txBox="1"/>
+          <p:nvPr/>
+        </p:nvSpPr>
+        <p:spPr>
+          <a:xfrm>
+            <a:off x="4842579" y="3429000"/>
+            <a:ext cx="2506840" cy="769441"/>
+          </a:xfrm>
+          <a:prstGeom prst="rect">
+            <a:avLst/>
+          </a:prstGeom>
+          <a:noFill/>
+        </p:spPr>
+        <p:txBody>
+          <a:bodyPr wrap="none" rtlCol="0">
+            <a:spAutoFit/>
+          </a:bodyPr>
+          <a:lstStyle/>
+          <a:p>
+            <a:r>
+              <a:rPr lang="en-US" sz="4400" dirty="0"/>
+              <a:t>Resources</a:t>
+            </a:r>
+          </a:p>
+        </p:txBody>
+      </p:sp>
+      <p:sp>
+        <p:nvSpPr>
+          <p:cNvPr id="13" name="TextBox 12">
+            <a:extLst>
+              <a:ext uri="{FF2B5EF4-FFF2-40B4-BE49-F238E27FC236}">
+                <a16:creationId xmlns:a16="http://schemas.microsoft.com/office/drawing/2014/main" id="{3D875AB2-D068-AE44-A95C-64F1C47BF80F}"/>
+              </a:ext>
+            </a:extLst>
+          </p:cNvPr>
+          <p:cNvSpPr txBox="1"/>
+          <p:nvPr/>
+        </p:nvSpPr>
+        <p:spPr>
+          <a:xfrm>
+            <a:off x="2660794" y="4174930"/>
+            <a:ext cx="6870407" cy="461665"/>
+          </a:xfrm>
+          <a:prstGeom prst="rect">
+            <a:avLst/>
+          </a:prstGeom>
+          <a:noFill/>
+        </p:spPr>
+        <p:txBody>
+          <a:bodyPr wrap="none" rtlCol="0">
+            <a:spAutoFit/>
+          </a:bodyPr>
+          <a:lstStyle/>
+          <a:p>
+            <a:r>
+              <a:rPr lang="en-US" sz="2400" dirty="0"/>
+              <a:t>https://</a:t>
+            </a:r>
+            <a:r>
+              <a:rPr lang="en-US" sz="2400" dirty="0" err="1"/>
+              <a:t>github.com</a:t>
+            </a:r>
+            <a:r>
+              <a:rPr lang="en-US" sz="2400" dirty="0"/>
+              <a:t>/</a:t>
+            </a:r>
+            <a:r>
+              <a:rPr lang="en-US" sz="2400" dirty="0" err="1"/>
+              <a:t>leepanter</a:t>
+            </a:r>
+            <a:r>
+              <a:rPr lang="en-US" sz="2400" dirty="0"/>
+              <a:t>/</a:t>
+            </a:r>
+            <a:r>
+              <a:rPr lang="en-US" sz="2400" dirty="0" err="1"/>
+              <a:t>SelfOrganizingMaps.git</a:t>
+            </a:r>
+            <a:endParaRPr lang="en-US" sz="2400" dirty="0"/>
+          </a:p>
+        </p:txBody>
+      </p:sp>
+      <p:sp>
+        <p:nvSpPr>
+          <p:cNvPr id="14" name="TextBox 13">
+            <a:extLst>
+              <a:ext uri="{FF2B5EF4-FFF2-40B4-BE49-F238E27FC236}">
+                <a16:creationId xmlns:a16="http://schemas.microsoft.com/office/drawing/2014/main" id="{38B76253-C393-C440-BC29-D431E1CA5B1D}"/>
+              </a:ext>
+            </a:extLst>
+          </p:cNvPr>
+          <p:cNvSpPr txBox="1"/>
+          <p:nvPr/>
+        </p:nvSpPr>
+        <p:spPr>
+          <a:xfrm>
+            <a:off x="2857142" y="4703748"/>
+            <a:ext cx="6477712" cy="646331"/>
+          </a:xfrm>
+          <a:prstGeom prst="rect">
+            <a:avLst/>
+          </a:prstGeom>
+          <a:noFill/>
+        </p:spPr>
+        <p:txBody>
+          <a:bodyPr wrap="square" rtlCol="0">
+            <a:spAutoFit/>
+          </a:bodyPr>
+          <a:lstStyle/>
+          <a:p>
+            <a:pPr algn="ctr"/>
+            <a:r>
+              <a:rPr lang="en-US" dirty="0"/>
+              <a:t>Contains: this presentation (PPT, and video), Code, references.</a:t>
+            </a:r>
+          </a:p>
+          <a:p>
+            <a:pPr algn="ctr"/>
+            <a:r>
+              <a:rPr lang="en-US" dirty="0"/>
+              <a:t>Soon to contain: paper (writeup), write-code, more reference stuff</a:t>
+            </a:r>
+          </a:p>
+        </p:txBody>
+      </p:sp>
     </p:spTree>
     <p:extLst>
       <p:ext uri="{BB962C8B-B14F-4D97-AF65-F5344CB8AC3E}">
-        <p14:creationId xmlns:p14="http://schemas.microsoft.com/office/powerpoint/2010/main" val="1317404055"/>
-      </p:ext>
-    </p:extLst>
-  </p:cSld>
-  <p:clrMapOvr>
-    <a:masterClrMapping/>
-  </p:clrMapOvr>
-</p:sld>
-</file>
-
-<file path=ppt/slides/slide17.xml><?xml version="1.0" encoding="utf-8"?>
-<p:sld xmlns:a="http://schemas.openxmlformats.org/drawingml/2006/main" xmlns:r="http://schemas.openxmlformats.org/officeDocument/2006/relationships" xmlns:p="http://schemas.openxmlformats.org/presentationml/2006/main">
-  <p:cSld>
-    <p:spTree>
-      <p:nvGrpSpPr>
-        <p:cNvPr id="1" name=""/>
-        <p:cNvGrpSpPr/>
-        <p:nvPr/>
-      </p:nvGrpSpPr>
-      <p:grpSpPr>
-        <a:xfrm>
-          <a:off x="0" y="0"/>
-          <a:ext cx="0" cy="0"/>
-          <a:chOff x="0" y="0"/>
-          <a:chExt cx="0" cy="0"/>
-        </a:xfrm>
-      </p:grpSpPr>
-    </p:spTree>
-    <p:extLst>
-      <p:ext uri="{BB962C8B-B14F-4D97-AF65-F5344CB8AC3E}">
-        <p14:creationId xmlns:p14="http://schemas.microsoft.com/office/powerpoint/2010/main" val="1026271404"/>
-      </p:ext>
-    </p:extLst>
-  </p:cSld>
-  <p:clrMapOvr>
-    <a:masterClrMapping/>
-  </p:clrMapOvr>
-</p:sld>
-</file>
-
-<file path=ppt/slides/slide18.xml><?xml version="1.0" encoding="utf-8"?>
-<p:sld xmlns:a="http://schemas.openxmlformats.org/drawingml/2006/main" xmlns:r="http://schemas.openxmlformats.org/officeDocument/2006/relationships" xmlns:p="http://schemas.openxmlformats.org/presentationml/2006/main">
-  <p:cSld>
-    <p:spTree>
-      <p:nvGrpSpPr>
-        <p:cNvPr id="1" name=""/>
-        <p:cNvGrpSpPr/>
-        <p:nvPr/>
-      </p:nvGrpSpPr>
-      <p:grpSpPr>
-        <a:xfrm>
-          <a:off x="0" y="0"/>
-          <a:ext cx="0" cy="0"/>
-          <a:chOff x="0" y="0"/>
-          <a:chExt cx="0" cy="0"/>
-        </a:xfrm>
-      </p:grpSpPr>
-    </p:spTree>
-    <p:extLst>
-      <p:ext uri="{BB962C8B-B14F-4D97-AF65-F5344CB8AC3E}">
-        <p14:creationId xmlns:p14="http://schemas.microsoft.com/office/powerpoint/2010/main" val="2010579911"/>
-      </p:ext>
-    </p:extLst>
-  </p:cSld>
-  <p:clrMapOvr>
-    <a:masterClrMapping/>
-  </p:clrMapOvr>
-</p:sld>
-</file>
-
-<file path=ppt/slides/slide19.xml><?xml version="1.0" encoding="utf-8"?>
-<p:sld xmlns:a="http://schemas.openxmlformats.org/drawingml/2006/main" xmlns:r="http://schemas.openxmlformats.org/officeDocument/2006/relationships" xmlns:p="http://schemas.openxmlformats.org/presentationml/2006/main">
-  <p:cSld>
-    <p:spTree>
-      <p:nvGrpSpPr>
-        <p:cNvPr id="1" name=""/>
-        <p:cNvGrpSpPr/>
-        <p:nvPr/>
-      </p:nvGrpSpPr>
-      <p:grpSpPr>
-        <a:xfrm>
-          <a:off x="0" y="0"/>
-          <a:ext cx="0" cy="0"/>
-          <a:chOff x="0" y="0"/>
-          <a:chExt cx="0" cy="0"/>
-        </a:xfrm>
-      </p:grpSpPr>
-    </p:spTree>
-    <p:extLst>
-      <p:ext uri="{BB962C8B-B14F-4D97-AF65-F5344CB8AC3E}">
-        <p14:creationId xmlns:p14="http://schemas.microsoft.com/office/powerpoint/2010/main" val="3366487617"/>
+        <p14:creationId xmlns:p14="http://schemas.microsoft.com/office/powerpoint/2010/main" val="40893686"/>
       </p:ext>
     </p:extLst>
   </p:cSld>
@@ -3759,7 +9354,7 @@
         </p:nvSpPr>
         <p:spPr>
           <a:xfrm>
-            <a:off x="1340265" y="256373"/>
+            <a:off x="1280442" y="376792"/>
             <a:ext cx="9511469" cy="769441"/>
           </a:xfrm>
           <a:prstGeom prst="rect">
@@ -3795,7 +9390,7 @@
         </p:nvSpPr>
         <p:spPr>
           <a:xfrm>
-            <a:off x="2250391" y="1529697"/>
+            <a:off x="2250392" y="1392964"/>
             <a:ext cx="7691215" cy="2909066"/>
           </a:xfrm>
           <a:prstGeom prst="rect">
@@ -3853,126 +9448,6 @@
     <p:extLst>
       <p:ext uri="{BB962C8B-B14F-4D97-AF65-F5344CB8AC3E}">
         <p14:creationId xmlns:p14="http://schemas.microsoft.com/office/powerpoint/2010/main" val="1467628706"/>
-      </p:ext>
-    </p:extLst>
-  </p:cSld>
-  <p:clrMapOvr>
-    <a:masterClrMapping/>
-  </p:clrMapOvr>
-</p:sld>
-</file>
-
-<file path=ppt/slides/slide20.xml><?xml version="1.0" encoding="utf-8"?>
-<p:sld xmlns:a="http://schemas.openxmlformats.org/drawingml/2006/main" xmlns:r="http://schemas.openxmlformats.org/officeDocument/2006/relationships" xmlns:p="http://schemas.openxmlformats.org/presentationml/2006/main">
-  <p:cSld>
-    <p:spTree>
-      <p:nvGrpSpPr>
-        <p:cNvPr id="1" name=""/>
-        <p:cNvGrpSpPr/>
-        <p:nvPr/>
-      </p:nvGrpSpPr>
-      <p:grpSpPr>
-        <a:xfrm>
-          <a:off x="0" y="0"/>
-          <a:ext cx="0" cy="0"/>
-          <a:chOff x="0" y="0"/>
-          <a:chExt cx="0" cy="0"/>
-        </a:xfrm>
-      </p:grpSpPr>
-    </p:spTree>
-    <p:extLst>
-      <p:ext uri="{BB962C8B-B14F-4D97-AF65-F5344CB8AC3E}">
-        <p14:creationId xmlns:p14="http://schemas.microsoft.com/office/powerpoint/2010/main" val="3344756669"/>
-      </p:ext>
-    </p:extLst>
-  </p:cSld>
-  <p:clrMapOvr>
-    <a:masterClrMapping/>
-  </p:clrMapOvr>
-</p:sld>
-</file>
-
-<file path=ppt/slides/slide21.xml><?xml version="1.0" encoding="utf-8"?>
-<p:sld xmlns:a="http://schemas.openxmlformats.org/drawingml/2006/main" xmlns:r="http://schemas.openxmlformats.org/officeDocument/2006/relationships" xmlns:p="http://schemas.openxmlformats.org/presentationml/2006/main">
-  <p:cSld>
-    <p:spTree>
-      <p:nvGrpSpPr>
-        <p:cNvPr id="1" name=""/>
-        <p:cNvGrpSpPr/>
-        <p:nvPr/>
-      </p:nvGrpSpPr>
-      <p:grpSpPr>
-        <a:xfrm>
-          <a:off x="0" y="0"/>
-          <a:ext cx="0" cy="0"/>
-          <a:chOff x="0" y="0"/>
-          <a:chExt cx="0" cy="0"/>
-        </a:xfrm>
-      </p:grpSpPr>
-    </p:spTree>
-    <p:extLst>
-      <p:ext uri="{BB962C8B-B14F-4D97-AF65-F5344CB8AC3E}">
-        <p14:creationId xmlns:p14="http://schemas.microsoft.com/office/powerpoint/2010/main" val="208114290"/>
-      </p:ext>
-    </p:extLst>
-  </p:cSld>
-  <p:clrMapOvr>
-    <a:masterClrMapping/>
-  </p:clrMapOvr>
-</p:sld>
-</file>
-
-<file path=ppt/slides/slide22.xml><?xml version="1.0" encoding="utf-8"?>
-<p:sld xmlns:a="http://schemas.openxmlformats.org/drawingml/2006/main" xmlns:r="http://schemas.openxmlformats.org/officeDocument/2006/relationships" xmlns:p="http://schemas.openxmlformats.org/presentationml/2006/main">
-  <p:cSld>
-    <p:spTree>
-      <p:nvGrpSpPr>
-        <p:cNvPr id="1" name=""/>
-        <p:cNvGrpSpPr/>
-        <p:nvPr/>
-      </p:nvGrpSpPr>
-      <p:grpSpPr>
-        <a:xfrm>
-          <a:off x="0" y="0"/>
-          <a:ext cx="0" cy="0"/>
-          <a:chOff x="0" y="0"/>
-          <a:chExt cx="0" cy="0"/>
-        </a:xfrm>
-      </p:grpSpPr>
-    </p:spTree>
-    <p:extLst>
-      <p:ext uri="{BB962C8B-B14F-4D97-AF65-F5344CB8AC3E}">
-        <p14:creationId xmlns:p14="http://schemas.microsoft.com/office/powerpoint/2010/main" val="2915204715"/>
-      </p:ext>
-    </p:extLst>
-  </p:cSld>
-  <p:clrMapOvr>
-    <a:masterClrMapping/>
-  </p:clrMapOvr>
-</p:sld>
-</file>
-
-<file path=ppt/slides/slide23.xml><?xml version="1.0" encoding="utf-8"?>
-<p:sld xmlns:a="http://schemas.openxmlformats.org/drawingml/2006/main" xmlns:r="http://schemas.openxmlformats.org/officeDocument/2006/relationships" xmlns:p="http://schemas.openxmlformats.org/presentationml/2006/main">
-  <p:cSld>
-    <p:spTree>
-      <p:nvGrpSpPr>
-        <p:cNvPr id="1" name=""/>
-        <p:cNvGrpSpPr/>
-        <p:nvPr/>
-      </p:nvGrpSpPr>
-      <p:grpSpPr>
-        <a:xfrm>
-          <a:off x="0" y="0"/>
-          <a:ext cx="0" cy="0"/>
-          <a:chOff x="0" y="0"/>
-          <a:chExt cx="0" cy="0"/>
-        </a:xfrm>
-      </p:grpSpPr>
-    </p:spTree>
-    <p:extLst>
-      <p:ext uri="{BB962C8B-B14F-4D97-AF65-F5344CB8AC3E}">
-        <p14:creationId xmlns:p14="http://schemas.microsoft.com/office/powerpoint/2010/main" val="2717888357"/>
       </p:ext>
     </p:extLst>
   </p:cSld>
@@ -4251,7 +9726,7 @@
             </a:pPr>
             <a:r>
               <a:rPr lang="en-US" sz="2200" dirty="0"/>
-              <a:t>Preserving topological properties of high-dimensionality</a:t>
+              <a:t>Preserving topological properties of high-dimensionality [3]</a:t>
             </a:r>
           </a:p>
           <a:p>
@@ -4277,7 +9752,7 @@
             </a:pPr>
             <a:r>
               <a:rPr lang="en-US" sz="2200" dirty="0"/>
-              <a:t>Classifying high-dimensional vectors from input data by associating a projected node chosen by training process</a:t>
+              <a:t>Classifying high-dimensional vectors from input data by associating a projected node chosen by training process </a:t>
             </a:r>
           </a:p>
           <a:p>
@@ -4290,7 +9765,7 @@
             </a:pPr>
             <a:r>
               <a:rPr lang="en-US" sz="2200" dirty="0"/>
-              <a:t>Competition --&gt; Adaptation --&gt; Cooperation</a:t>
+              <a:t>Competition --&gt; Adaptation --&gt; Cooperation [4]</a:t>
             </a:r>
           </a:p>
           <a:p>
@@ -4350,7 +9825,7 @@
             </a:pPr>
             <a:r>
               <a:rPr lang="en-US" sz="2200" dirty="0"/>
-              <a:t>Backpropagation &amp; gradient descent (optimization)</a:t>
+              <a:t>Backpropagation &amp; gradient descent (optimization) </a:t>
             </a:r>
           </a:p>
           <a:p>
@@ -4419,7 +9894,7 @@
             </a:pPr>
             <a:r>
               <a:rPr lang="en-US" sz="2200" dirty="0"/>
-              <a:t>SOMs with many output nodes very different</a:t>
+              <a:t>SOMs with many output nodes very different [2]</a:t>
             </a:r>
           </a:p>
           <a:p>
@@ -6040,6 +11515,40 @@
           </a:p>
         </p:txBody>
       </p:sp>
+      <p:sp>
+        <p:nvSpPr>
+          <p:cNvPr id="6" name="Rectangle 5">
+            <a:extLst>
+              <a:ext uri="{FF2B5EF4-FFF2-40B4-BE49-F238E27FC236}">
+                <a16:creationId xmlns:a16="http://schemas.microsoft.com/office/drawing/2014/main" id="{B18A5E68-1ED9-8148-ADC1-075CE704F5B0}"/>
+              </a:ext>
+            </a:extLst>
+          </p:cNvPr>
+          <p:cNvSpPr/>
+          <p:nvPr/>
+        </p:nvSpPr>
+        <p:spPr>
+          <a:xfrm>
+            <a:off x="1820968" y="4700799"/>
+            <a:ext cx="9008685" cy="584775"/>
+          </a:xfrm>
+          <a:prstGeom prst="rect">
+            <a:avLst/>
+          </a:prstGeom>
+        </p:spPr>
+        <p:txBody>
+          <a:bodyPr wrap="none">
+            <a:spAutoFit/>
+          </a:bodyPr>
+          <a:lstStyle/>
+          <a:p>
+            <a:r>
+              <a:rPr lang="en-US" sz="3200" dirty="0"/>
+              <a:t>What are SOMs useful for? When should I use them?</a:t>
+            </a:r>
+          </a:p>
+        </p:txBody>
+      </p:sp>
     </p:spTree>
     <p:extLst>
       <p:ext uri="{BB962C8B-B14F-4D97-AF65-F5344CB8AC3E}">
@@ -6085,7 +11594,7 @@
           <p:nvPr/>
         </p:nvPicPr>
         <p:blipFill>
-          <a:blip r:embed="rId2"/>
+          <a:blip r:embed="rId3"/>
           <a:stretch>
             <a:fillRect/>
           </a:stretch>
@@ -6100,36 +11609,6 @@
           </a:prstGeom>
         </p:spPr>
       </p:pic>
-      <p:pic>
-        <p:nvPicPr>
-          <p:cNvPr id="5" name="Picture 4" descr="A picture containing game&#10;&#10;Description automatically generated">
-            <a:extLst>
-              <a:ext uri="{FF2B5EF4-FFF2-40B4-BE49-F238E27FC236}">
-                <a16:creationId xmlns:a16="http://schemas.microsoft.com/office/drawing/2014/main" id="{D4EC32BB-4BC8-7749-A9DA-7557384E2502}"/>
-              </a:ext>
-            </a:extLst>
-          </p:cNvPr>
-          <p:cNvPicPr>
-            <a:picLocks noChangeAspect="1"/>
-          </p:cNvPicPr>
-          <p:nvPr/>
-        </p:nvPicPr>
-        <p:blipFill>
-          <a:blip r:embed="rId2"/>
-          <a:stretch>
-            <a:fillRect/>
-          </a:stretch>
-        </p:blipFill>
-        <p:spPr>
-          <a:xfrm>
-            <a:off x="9235393" y="220766"/>
-            <a:ext cx="2794000" cy="2794000"/>
-          </a:xfrm>
-          <a:prstGeom prst="rect">
-            <a:avLst/>
-          </a:prstGeom>
-        </p:spPr>
-      </p:pic>
       <p:sp>
         <p:nvSpPr>
           <p:cNvPr id="6" name="TextBox 5">
@@ -6201,7 +11680,7 @@
             </a:pPr>
             <a:r>
               <a:rPr lang="en-US" sz="2800" dirty="0"/>
-              <a:t>The Three Learning Concepts</a:t>
+              <a:t>The Three Learning Concepts [4]</a:t>
             </a:r>
           </a:p>
           <a:p>
@@ -6503,6 +11982,41 @@
           </a:fontRef>
         </p:style>
       </p:cxnSp>
+      <p:sp>
+        <p:nvSpPr>
+          <p:cNvPr id="19" name="TextBox 18">
+            <a:extLst>
+              <a:ext uri="{FF2B5EF4-FFF2-40B4-BE49-F238E27FC236}">
+                <a16:creationId xmlns:a16="http://schemas.microsoft.com/office/drawing/2014/main" id="{05C33557-1198-F04D-8777-FC2FD2870DD1}"/>
+              </a:ext>
+            </a:extLst>
+          </p:cNvPr>
+          <p:cNvSpPr txBox="1"/>
+          <p:nvPr/>
+        </p:nvSpPr>
+        <p:spPr>
+          <a:xfrm>
+            <a:off x="10011203" y="2532976"/>
+            <a:ext cx="442750" cy="369332"/>
+          </a:xfrm>
+          <a:prstGeom prst="rect">
+            <a:avLst/>
+          </a:prstGeom>
+          <a:noFill/>
+        </p:spPr>
+        <p:txBody>
+          <a:bodyPr wrap="none" rtlCol="0">
+            <a:spAutoFit/>
+          </a:bodyPr>
+          <a:lstStyle/>
+          <a:p>
+            <a:r>
+              <a:rPr lang="en-US" dirty="0"/>
+              <a:t>[2]</a:t>
+            </a:r>
+          </a:p>
+        </p:txBody>
+      </p:sp>
     </p:spTree>
     <p:extLst>
       <p:ext uri="{BB962C8B-B14F-4D97-AF65-F5344CB8AC3E}">
@@ -6588,7 +12102,7 @@
               <p:nvPr/>
             </p:nvPicPr>
             <p:blipFill>
-              <a:blip r:embed="rId2"/>
+              <a:blip r:embed="rId3"/>
               <a:stretch>
                 <a:fillRect/>
               </a:stretch>
@@ -6849,8 +12363,8 @@
             </p:nvSpPr>
             <p:spPr>
               <a:xfrm>
-                <a:off x="1368918" y="802857"/>
-                <a:ext cx="6978706" cy="830997"/>
+                <a:off x="1924591" y="806001"/>
+                <a:ext cx="4980607" cy="830997"/>
               </a:xfrm>
               <a:prstGeom prst="rect">
                 <a:avLst/>
@@ -6868,7 +12382,6 @@
               </a:bodyPr>
               <a:lstStyle/>
               <a:p>
-                <a:pPr algn="ctr"/>
                 <a:r>
                   <a:rPr lang="en-US" sz="2400" dirty="0"/>
                   <a:t>An input vector from the Data Set: </a:t>
@@ -7055,16 +12568,16 @@
             </p:nvSpPr>
             <p:spPr>
               <a:xfrm>
-                <a:off x="1368918" y="802857"/>
-                <a:ext cx="6978706" cy="830997"/>
+                <a:off x="1924591" y="806001"/>
+                <a:ext cx="4980607" cy="830997"/>
               </a:xfrm>
               <a:prstGeom prst="rect">
                 <a:avLst/>
               </a:prstGeom>
               <a:blipFill>
-                <a:blip r:embed="rId3"/>
+                <a:blip r:embed="rId4"/>
                 <a:stretch>
-                  <a:fillRect t="-2941" b="-11765"/>
+                  <a:fillRect l="-1777" t="-4412" b="-11765"/>
                 </a:stretch>
               </a:blipFill>
               <a:ln>
@@ -7104,7 +12617,7 @@
             </p:nvSpPr>
             <p:spPr>
               <a:xfrm>
-                <a:off x="1630384" y="1701874"/>
+                <a:off x="1889912" y="1719539"/>
                 <a:ext cx="6717240" cy="1230080"/>
               </a:xfrm>
               <a:prstGeom prst="rect">
@@ -7324,14 +12837,14 @@
             </p:nvSpPr>
             <p:spPr>
               <a:xfrm>
-                <a:off x="1630384" y="1701874"/>
+                <a:off x="1889912" y="1719539"/>
                 <a:ext cx="6717240" cy="1230080"/>
               </a:xfrm>
               <a:prstGeom prst="rect">
                 <a:avLst/>
               </a:prstGeom>
               <a:blipFill>
-                <a:blip r:embed="rId4"/>
+                <a:blip r:embed="rId5"/>
                 <a:stretch>
                   <a:fillRect t="-3030" r="-1883" b="-6061"/>
                 </a:stretch>
@@ -7408,7 +12921,7 @@
         <p:spPr>
           <a:xfrm>
             <a:off x="100140" y="2802306"/>
-            <a:ext cx="1545808" cy="461665"/>
+            <a:ext cx="1900072" cy="461665"/>
           </a:xfrm>
           <a:prstGeom prst="rect">
             <a:avLst/>
@@ -7423,7 +12936,7 @@
           <a:p>
             <a:r>
               <a:rPr lang="en-US" sz="2400" b="1" u="sng" dirty="0"/>
-              <a:t>Algorithm:</a:t>
+              <a:t>Algorithm[4]:</a:t>
             </a:r>
           </a:p>
         </p:txBody>
@@ -7839,7 +13352,7 @@
                 <a:avLst/>
               </a:prstGeom>
               <a:blipFill>
-                <a:blip r:embed="rId5"/>
+                <a:blip r:embed="rId6"/>
                 <a:stretch>
                   <a:fillRect l="-836" t="-1274"/>
                 </a:stretch>
@@ -8163,7 +13676,7 @@
                 <a:avLst/>
               </a:prstGeom>
               <a:blipFill>
-                <a:blip r:embed="rId6"/>
+                <a:blip r:embed="rId7"/>
                 <a:stretch>
                   <a:fillRect l="-1254" t="-2055" r="-1971" b="-4795"/>
                 </a:stretch>
@@ -8483,7 +13996,7 @@
                 <a:avLst/>
               </a:prstGeom>
               <a:blipFill>
-                <a:blip r:embed="rId7"/>
+                <a:blip r:embed="rId8"/>
                 <a:stretch>
                   <a:fillRect l="-1980" t="-2516" b="-5660"/>
                 </a:stretch>
@@ -8798,6 +14311,440 @@
           <a:chExt cx="0" cy="0"/>
         </a:xfrm>
       </p:grpSpPr>
+      <p:sp>
+        <p:nvSpPr>
+          <p:cNvPr id="3" name="TextBox 2">
+            <a:extLst>
+              <a:ext uri="{FF2B5EF4-FFF2-40B4-BE49-F238E27FC236}">
+                <a16:creationId xmlns:a16="http://schemas.microsoft.com/office/drawing/2014/main" id="{7C54D680-BBE7-0046-81FD-5009F453DF41}"/>
+              </a:ext>
+            </a:extLst>
+          </p:cNvPr>
+          <p:cNvSpPr txBox="1"/>
+          <p:nvPr/>
+        </p:nvSpPr>
+        <p:spPr>
+          <a:xfrm>
+            <a:off x="68367" y="-171497"/>
+            <a:ext cx="5771260" cy="6179962"/>
+          </a:xfrm>
+          <a:prstGeom prst="rect">
+            <a:avLst/>
+          </a:prstGeom>
+          <a:noFill/>
+        </p:spPr>
+        <p:txBody>
+          <a:bodyPr wrap="square" rtlCol="0">
+            <a:spAutoFit/>
+          </a:bodyPr>
+          <a:lstStyle/>
+          <a:p>
+            <a:pPr>
+              <a:lnSpc>
+                <a:spcPct val="150000"/>
+              </a:lnSpc>
+            </a:pPr>
+            <a:endParaRPr lang="en-US" sz="2200" dirty="0"/>
+          </a:p>
+          <a:p>
+            <a:pPr>
+              <a:lnSpc>
+                <a:spcPct val="150000"/>
+              </a:lnSpc>
+            </a:pPr>
+            <a:r>
+              <a:rPr lang="en-US" sz="2400" u="sng" dirty="0"/>
+              <a:t>Visualization</a:t>
+            </a:r>
+            <a:endParaRPr lang="en-US" sz="2200" u="sng" dirty="0"/>
+          </a:p>
+          <a:p>
+            <a:pPr marL="742950" lvl="1" indent="-285750">
+              <a:lnSpc>
+                <a:spcPct val="150000"/>
+              </a:lnSpc>
+              <a:buFont typeface="Arial" panose="020B0604020202020204" pitchFamily="34" charset="0"/>
+              <a:buChar char="•"/>
+            </a:pPr>
+            <a:r>
+              <a:rPr lang="en-US" sz="2200" dirty="0"/>
+              <a:t>Uses: Mapping high dimensional data to low dimensional clustered representations</a:t>
+            </a:r>
+          </a:p>
+          <a:p>
+            <a:pPr marL="742950" lvl="1" indent="-285750">
+              <a:lnSpc>
+                <a:spcPct val="150000"/>
+              </a:lnSpc>
+              <a:buFont typeface="Arial" panose="020B0604020202020204" pitchFamily="34" charset="0"/>
+              <a:buChar char="•"/>
+            </a:pPr>
+            <a:r>
+              <a:rPr lang="en-US" sz="2200" dirty="0"/>
+              <a:t>Advantages:</a:t>
+            </a:r>
+          </a:p>
+          <a:p>
+            <a:pPr marL="1200150" lvl="2" indent="-285750">
+              <a:lnSpc>
+                <a:spcPct val="150000"/>
+              </a:lnSpc>
+              <a:buFont typeface="Arial" panose="020B0604020202020204" pitchFamily="34" charset="0"/>
+              <a:buChar char="•"/>
+            </a:pPr>
+            <a:r>
+              <a:rPr lang="en-US" sz="2200" dirty="0"/>
+              <a:t>Topological relationships preserved</a:t>
+            </a:r>
+          </a:p>
+          <a:p>
+            <a:pPr marL="1200150" lvl="2" indent="-285750">
+              <a:lnSpc>
+                <a:spcPct val="150000"/>
+              </a:lnSpc>
+              <a:buFont typeface="Arial" panose="020B0604020202020204" pitchFamily="34" charset="0"/>
+              <a:buChar char="•"/>
+            </a:pPr>
+            <a:r>
+              <a:rPr lang="en-US" sz="2200" dirty="0"/>
+              <a:t>Output node coordinates represent inherent features of input space</a:t>
+            </a:r>
+          </a:p>
+          <a:p>
+            <a:pPr marL="742950" lvl="1" indent="-285750">
+              <a:lnSpc>
+                <a:spcPct val="150000"/>
+              </a:lnSpc>
+              <a:buFont typeface="Arial" panose="020B0604020202020204" pitchFamily="34" charset="0"/>
+              <a:buChar char="•"/>
+            </a:pPr>
+            <a:r>
+              <a:rPr lang="en-US" sz="2200" dirty="0"/>
+              <a:t>Disadvantages: </a:t>
+            </a:r>
+          </a:p>
+          <a:p>
+            <a:pPr marL="1200150" lvl="2" indent="-285750">
+              <a:lnSpc>
+                <a:spcPct val="150000"/>
+              </a:lnSpc>
+              <a:buFont typeface="Arial" panose="020B0604020202020204" pitchFamily="34" charset="0"/>
+              <a:buChar char="•"/>
+            </a:pPr>
+            <a:r>
+              <a:rPr lang="en-US" sz="2200" dirty="0"/>
+              <a:t>Distance quantities not preserved</a:t>
+            </a:r>
+          </a:p>
+          <a:p>
+            <a:pPr lvl="2">
+              <a:lnSpc>
+                <a:spcPct val="150000"/>
+              </a:lnSpc>
+            </a:pPr>
+            <a:endParaRPr lang="en-US" sz="2200" dirty="0"/>
+          </a:p>
+          <a:p>
+            <a:pPr marL="1200150" lvl="2" indent="-285750">
+              <a:lnSpc>
+                <a:spcPct val="150000"/>
+              </a:lnSpc>
+              <a:buFont typeface="Arial" panose="020B0604020202020204" pitchFamily="34" charset="0"/>
+              <a:buChar char="•"/>
+            </a:pPr>
+            <a:endParaRPr lang="en-US" sz="2200" dirty="0"/>
+          </a:p>
+        </p:txBody>
+      </p:sp>
+      <p:sp>
+        <p:nvSpPr>
+          <p:cNvPr id="4" name="Rectangle 3">
+            <a:extLst>
+              <a:ext uri="{FF2B5EF4-FFF2-40B4-BE49-F238E27FC236}">
+                <a16:creationId xmlns:a16="http://schemas.microsoft.com/office/drawing/2014/main" id="{3B36C258-80D6-E34F-8EA0-1FFAE0323ACF}"/>
+              </a:ext>
+            </a:extLst>
+          </p:cNvPr>
+          <p:cNvSpPr/>
+          <p:nvPr/>
+        </p:nvSpPr>
+        <p:spPr>
+          <a:xfrm>
+            <a:off x="5654707" y="329422"/>
+            <a:ext cx="6537293" cy="5164299"/>
+          </a:xfrm>
+          <a:prstGeom prst="rect">
+            <a:avLst/>
+          </a:prstGeom>
+        </p:spPr>
+        <p:txBody>
+          <a:bodyPr wrap="square">
+            <a:spAutoFit/>
+          </a:bodyPr>
+          <a:lstStyle/>
+          <a:p>
+            <a:pPr>
+              <a:lnSpc>
+                <a:spcPct val="150000"/>
+              </a:lnSpc>
+            </a:pPr>
+            <a:r>
+              <a:rPr lang="en-US" sz="2400" u="sng" dirty="0"/>
+              <a:t>Classification</a:t>
+            </a:r>
+            <a:endParaRPr lang="en-US" sz="2200" u="sng" dirty="0"/>
+          </a:p>
+          <a:p>
+            <a:pPr marL="742950" lvl="1" indent="-285750">
+              <a:lnSpc>
+                <a:spcPct val="150000"/>
+              </a:lnSpc>
+              <a:buFont typeface="Arial" panose="020B0604020202020204" pitchFamily="34" charset="0"/>
+              <a:buChar char="•"/>
+            </a:pPr>
+            <a:r>
+              <a:rPr lang="en-US" sz="2200" dirty="0"/>
+              <a:t>Uses: Mapping un-labeled data </a:t>
+            </a:r>
+          </a:p>
+          <a:p>
+            <a:pPr marL="742950" lvl="1" indent="-285750">
+              <a:lnSpc>
+                <a:spcPct val="150000"/>
+              </a:lnSpc>
+              <a:buFont typeface="Arial" panose="020B0604020202020204" pitchFamily="34" charset="0"/>
+              <a:buChar char="•"/>
+            </a:pPr>
+            <a:r>
+              <a:rPr lang="en-US" sz="2200" dirty="0"/>
+              <a:t>Advantages:</a:t>
+            </a:r>
+          </a:p>
+          <a:p>
+            <a:pPr marL="1200150" lvl="2" indent="-285750">
+              <a:lnSpc>
+                <a:spcPct val="150000"/>
+              </a:lnSpc>
+              <a:buFont typeface="Arial" panose="020B0604020202020204" pitchFamily="34" charset="0"/>
+              <a:buChar char="•"/>
+            </a:pPr>
+            <a:r>
+              <a:rPr lang="en-US" sz="2200" dirty="0"/>
+              <a:t>No reliance on predefined target outcomes that would guide the learning process [3]</a:t>
+            </a:r>
+          </a:p>
+          <a:p>
+            <a:pPr marL="1200150" lvl="2" indent="-285750">
+              <a:lnSpc>
+                <a:spcPct val="150000"/>
+              </a:lnSpc>
+              <a:buFont typeface="Arial" panose="020B0604020202020204" pitchFamily="34" charset="0"/>
+              <a:buChar char="•"/>
+            </a:pPr>
+            <a:r>
+              <a:rPr lang="en-US" sz="2200" dirty="0"/>
+              <a:t>Missing data is incorporated into training of map [3]</a:t>
+            </a:r>
+          </a:p>
+          <a:p>
+            <a:pPr marL="742950" lvl="1" indent="-285750">
+              <a:lnSpc>
+                <a:spcPct val="150000"/>
+              </a:lnSpc>
+              <a:buFont typeface="Arial" panose="020B0604020202020204" pitchFamily="34" charset="0"/>
+              <a:buChar char="•"/>
+            </a:pPr>
+            <a:r>
+              <a:rPr lang="en-US" sz="2200" dirty="0"/>
+              <a:t>Disadvantages:</a:t>
+            </a:r>
+          </a:p>
+          <a:p>
+            <a:pPr marL="1200150" lvl="2" indent="-285750">
+              <a:lnSpc>
+                <a:spcPct val="150000"/>
+              </a:lnSpc>
+              <a:buFont typeface="Arial" panose="020B0604020202020204" pitchFamily="34" charset="0"/>
+              <a:buChar char="•"/>
+            </a:pPr>
+            <a:r>
+              <a:rPr lang="en-US" sz="2200" dirty="0"/>
+              <a:t>Computationally expensive</a:t>
+            </a:r>
+          </a:p>
+          <a:p>
+            <a:pPr marL="1200150" lvl="2" indent="-285750">
+              <a:lnSpc>
+                <a:spcPct val="150000"/>
+              </a:lnSpc>
+              <a:buFont typeface="Arial" panose="020B0604020202020204" pitchFamily="34" charset="0"/>
+              <a:buChar char="•"/>
+            </a:pPr>
+            <a:r>
+              <a:rPr lang="en-US" sz="2200" dirty="0"/>
+              <a:t>Input &amp; output metrics need consideration</a:t>
+            </a:r>
+          </a:p>
+        </p:txBody>
+      </p:sp>
+      <p:sp>
+        <p:nvSpPr>
+          <p:cNvPr id="6" name="Rectangle 5">
+            <a:extLst>
+              <a:ext uri="{FF2B5EF4-FFF2-40B4-BE49-F238E27FC236}">
+                <a16:creationId xmlns:a16="http://schemas.microsoft.com/office/drawing/2014/main" id="{A6B73B38-5172-0E46-A04D-4168A8B2FC82}"/>
+              </a:ext>
+            </a:extLst>
+          </p:cNvPr>
+          <p:cNvSpPr/>
+          <p:nvPr/>
+        </p:nvSpPr>
+        <p:spPr>
+          <a:xfrm>
+            <a:off x="1718419" y="-31433"/>
+            <a:ext cx="9008685" cy="584775"/>
+          </a:xfrm>
+          <a:prstGeom prst="rect">
+            <a:avLst/>
+          </a:prstGeom>
+        </p:spPr>
+        <p:txBody>
+          <a:bodyPr wrap="none">
+            <a:spAutoFit/>
+          </a:bodyPr>
+          <a:lstStyle/>
+          <a:p>
+            <a:r>
+              <a:rPr lang="en-US" sz="3200" dirty="0"/>
+              <a:t>What are SOMs useful for? When should I use them?</a:t>
+            </a:r>
+          </a:p>
+        </p:txBody>
+      </p:sp>
+      <p:grpSp>
+        <p:nvGrpSpPr>
+          <p:cNvPr id="9" name="Group 8">
+            <a:extLst>
+              <a:ext uri="{FF2B5EF4-FFF2-40B4-BE49-F238E27FC236}">
+                <a16:creationId xmlns:a16="http://schemas.microsoft.com/office/drawing/2014/main" id="{8B1830FD-5F69-104D-9D6E-F6C59EBF1920}"/>
+              </a:ext>
+            </a:extLst>
+          </p:cNvPr>
+          <p:cNvGrpSpPr/>
+          <p:nvPr/>
+        </p:nvGrpSpPr>
+        <p:grpSpPr>
+          <a:xfrm>
+            <a:off x="-382898" y="5269800"/>
+            <a:ext cx="11938475" cy="1408079"/>
+            <a:chOff x="-314728" y="5081571"/>
+            <a:chExt cx="6614445" cy="1408079"/>
+          </a:xfrm>
+        </p:grpSpPr>
+        <p:sp>
+          <p:nvSpPr>
+            <p:cNvPr id="7" name="TextBox 6">
+              <a:extLst>
+                <a:ext uri="{FF2B5EF4-FFF2-40B4-BE49-F238E27FC236}">
+                  <a16:creationId xmlns:a16="http://schemas.microsoft.com/office/drawing/2014/main" id="{40EFD17C-6157-BC47-9A40-FDF893323AB2}"/>
+                </a:ext>
+              </a:extLst>
+            </p:cNvPr>
+            <p:cNvSpPr txBox="1"/>
+            <p:nvPr/>
+          </p:nvSpPr>
+          <p:spPr>
+            <a:xfrm>
+              <a:off x="2276228" y="5081571"/>
+              <a:ext cx="1255255" cy="461665"/>
+            </a:xfrm>
+            <a:prstGeom prst="rect">
+              <a:avLst/>
+            </a:prstGeom>
+            <a:noFill/>
+          </p:spPr>
+          <p:txBody>
+            <a:bodyPr wrap="none" rtlCol="0">
+              <a:spAutoFit/>
+            </a:bodyPr>
+            <a:lstStyle/>
+            <a:p>
+              <a:pPr algn="ctr"/>
+              <a:r>
+                <a:rPr lang="en-US" sz="2400" u="sng" dirty="0"/>
+                <a:t>Assumptions</a:t>
+              </a:r>
+              <a:r>
+                <a:rPr lang="en-US" sz="2400" dirty="0"/>
+                <a:t> [1]</a:t>
+              </a:r>
+              <a:r>
+                <a:rPr lang="en-US" sz="2200" dirty="0"/>
+                <a:t> </a:t>
+              </a:r>
+            </a:p>
+          </p:txBody>
+        </p:sp>
+        <p:sp>
+          <p:nvSpPr>
+            <p:cNvPr id="8" name="TextBox 7">
+              <a:extLst>
+                <a:ext uri="{FF2B5EF4-FFF2-40B4-BE49-F238E27FC236}">
+                  <a16:creationId xmlns:a16="http://schemas.microsoft.com/office/drawing/2014/main" id="{54E841CC-9D58-364F-AF2D-61E918C777D0}"/>
+                </a:ext>
+              </a:extLst>
+            </p:cNvPr>
+            <p:cNvSpPr txBox="1"/>
+            <p:nvPr/>
+          </p:nvSpPr>
+          <p:spPr>
+            <a:xfrm>
+              <a:off x="-314728" y="5381654"/>
+              <a:ext cx="6614445" cy="1107996"/>
+            </a:xfrm>
+            <a:prstGeom prst="rect">
+              <a:avLst/>
+            </a:prstGeom>
+            <a:noFill/>
+          </p:spPr>
+          <p:txBody>
+            <a:bodyPr wrap="square" rtlCol="0">
+              <a:spAutoFit/>
+            </a:bodyPr>
+            <a:lstStyle/>
+            <a:p>
+              <a:pPr marL="342900" indent="-342900" algn="ctr">
+                <a:buFont typeface="Arial" panose="020B0604020202020204" pitchFamily="34" charset="0"/>
+                <a:buChar char="•"/>
+              </a:pPr>
+              <a:r>
+                <a:rPr lang="en-US" sz="2200" dirty="0"/>
+                <a:t>Events in the environment can be clustered together according to their similarity</a:t>
+              </a:r>
+            </a:p>
+            <a:p>
+              <a:pPr marL="342900" indent="-342900" algn="ctr">
+                <a:buFont typeface="Arial" panose="020B0604020202020204" pitchFamily="34" charset="0"/>
+                <a:buChar char="•"/>
+              </a:pPr>
+              <a:r>
+                <a:rPr lang="en-US" sz="2200" dirty="0"/>
+                <a:t>There is some kind of topology or ordered relationship among different clusters</a:t>
+              </a:r>
+            </a:p>
+            <a:p>
+              <a:pPr marL="342900" indent="-342900" algn="ctr">
+                <a:buFont typeface="Arial" panose="020B0604020202020204" pitchFamily="34" charset="0"/>
+                <a:buChar char="•"/>
+              </a:pPr>
+              <a:r>
+                <a:rPr lang="en-US" sz="2200" dirty="0"/>
+                <a:t>Weight values need to be bounded</a:t>
+              </a:r>
+            </a:p>
+          </p:txBody>
+        </p:sp>
+      </p:grpSp>
     </p:spTree>
     <p:extLst>
       <p:ext uri="{BB962C8B-B14F-4D97-AF65-F5344CB8AC3E}">
@@ -9104,4 +15051,299 @@
     </a:ext>
   </a:extLst>
 </a:theme>
+</file>
+
+<file path=ppt/theme/theme2.xml><?xml version="1.0" encoding="utf-8"?>
+<a:theme xmlns:a="http://schemas.openxmlformats.org/drawingml/2006/main" name="Office Theme">
+  <a:themeElements>
+    <a:clrScheme name="Office">
+      <a:dk1>
+        <a:sysClr val="windowText" lastClr="000000"/>
+      </a:dk1>
+      <a:lt1>
+        <a:sysClr val="window" lastClr="FFFFFF"/>
+      </a:lt1>
+      <a:dk2>
+        <a:srgbClr val="44546A"/>
+      </a:dk2>
+      <a:lt2>
+        <a:srgbClr val="E7E6E6"/>
+      </a:lt2>
+      <a:accent1>
+        <a:srgbClr val="4472C4"/>
+      </a:accent1>
+      <a:accent2>
+        <a:srgbClr val="ED7D31"/>
+      </a:accent2>
+      <a:accent3>
+        <a:srgbClr val="A5A5A5"/>
+      </a:accent3>
+      <a:accent4>
+        <a:srgbClr val="FFC000"/>
+      </a:accent4>
+      <a:accent5>
+        <a:srgbClr val="5B9BD5"/>
+      </a:accent5>
+      <a:accent6>
+        <a:srgbClr val="70AD47"/>
+      </a:accent6>
+      <a:hlink>
+        <a:srgbClr val="0563C1"/>
+      </a:hlink>
+      <a:folHlink>
+        <a:srgbClr val="954F72"/>
+      </a:folHlink>
+    </a:clrScheme>
+    <a:fontScheme name="Office">
+      <a:majorFont>
+        <a:latin typeface="Calibri Light" panose="020F0302020204030204"/>
+        <a:ea typeface=""/>
+        <a:cs typeface=""/>
+        <a:font script="Jpan" typeface="游ゴシック Light"/>
+        <a:font script="Hang" typeface="맑은 고딕"/>
+        <a:font script="Hans" typeface="等线 Light"/>
+        <a:font script="Hant" typeface="新細明體"/>
+        <a:font script="Arab" typeface="Times New Roman"/>
+        <a:font script="Hebr" typeface="Times New Roman"/>
+        <a:font script="Thai" typeface="Angsana New"/>
+        <a:font script="Ethi" typeface="Nyala"/>
+        <a:font script="Beng" typeface="Vrinda"/>
+        <a:font script="Gujr" typeface="Shruti"/>
+        <a:font script="Khmr" typeface="MoolBoran"/>
+        <a:font script="Knda" typeface="Tunga"/>
+        <a:font script="Guru" typeface="Raavi"/>
+        <a:font script="Cans" typeface="Euphemia"/>
+        <a:font script="Cher" typeface="Plantagenet Cherokee"/>
+        <a:font script="Yiii" typeface="Microsoft Yi Baiti"/>
+        <a:font script="Tibt" typeface="Microsoft Himalaya"/>
+        <a:font script="Thaa" typeface="MV Boli"/>
+        <a:font script="Deva" typeface="Mangal"/>
+        <a:font script="Telu" typeface="Gautami"/>
+        <a:font script="Taml" typeface="Latha"/>
+        <a:font script="Syrc" typeface="Estrangelo Edessa"/>
+        <a:font script="Orya" typeface="Kalinga"/>
+        <a:font script="Mlym" typeface="Kartika"/>
+        <a:font script="Laoo" typeface="DokChampa"/>
+        <a:font script="Sinh" typeface="Iskoola Pota"/>
+        <a:font script="Mong" typeface="Mongolian Baiti"/>
+        <a:font script="Viet" typeface="Times New Roman"/>
+        <a:font script="Uigh" typeface="Microsoft Uighur"/>
+        <a:font script="Geor" typeface="Sylfaen"/>
+        <a:font script="Armn" typeface="Arial"/>
+        <a:font script="Bugi" typeface="Leelawadee UI"/>
+        <a:font script="Bopo" typeface="Microsoft JhengHei"/>
+        <a:font script="Java" typeface="Javanese Text"/>
+        <a:font script="Lisu" typeface="Segoe UI"/>
+        <a:font script="Mymr" typeface="Myanmar Text"/>
+        <a:font script="Nkoo" typeface="Ebrima"/>
+        <a:font script="Olck" typeface="Nirmala UI"/>
+        <a:font script="Osma" typeface="Ebrima"/>
+        <a:font script="Phag" typeface="Phagspa"/>
+        <a:font script="Syrn" typeface="Estrangelo Edessa"/>
+        <a:font script="Syrj" typeface="Estrangelo Edessa"/>
+        <a:font script="Syre" typeface="Estrangelo Edessa"/>
+        <a:font script="Sora" typeface="Nirmala UI"/>
+        <a:font script="Tale" typeface="Microsoft Tai Le"/>
+        <a:font script="Talu" typeface="Microsoft New Tai Lue"/>
+        <a:font script="Tfng" typeface="Ebrima"/>
+      </a:majorFont>
+      <a:minorFont>
+        <a:latin typeface="Calibri" panose="020F0502020204030204"/>
+        <a:ea typeface=""/>
+        <a:cs typeface=""/>
+        <a:font script="Jpan" typeface="游ゴシック"/>
+        <a:font script="Hang" typeface="맑은 고딕"/>
+        <a:font script="Hans" typeface="等线"/>
+        <a:font script="Hant" typeface="新細明體"/>
+        <a:font script="Arab" typeface="Arial"/>
+        <a:font script="Hebr" typeface="Arial"/>
+        <a:font script="Thai" typeface="Cordia New"/>
+        <a:font script="Ethi" typeface="Nyala"/>
+        <a:font script="Beng" typeface="Vrinda"/>
+        <a:font script="Gujr" typeface="Shruti"/>
+        <a:font script="Khmr" typeface="DaunPenh"/>
+        <a:font script="Knda" typeface="Tunga"/>
+        <a:font script="Guru" typeface="Raavi"/>
+        <a:font script="Cans" typeface="Euphemia"/>
+        <a:font script="Cher" typeface="Plantagenet Cherokee"/>
+        <a:font script="Yiii" typeface="Microsoft Yi Baiti"/>
+        <a:font script="Tibt" typeface="Microsoft Himalaya"/>
+        <a:font script="Thaa" typeface="MV Boli"/>
+        <a:font script="Deva" typeface="Mangal"/>
+        <a:font script="Telu" typeface="Gautami"/>
+        <a:font script="Taml" typeface="Latha"/>
+        <a:font script="Syrc" typeface="Estrangelo Edessa"/>
+        <a:font script="Orya" typeface="Kalinga"/>
+        <a:font script="Mlym" typeface="Kartika"/>
+        <a:font script="Laoo" typeface="DokChampa"/>
+        <a:font script="Sinh" typeface="Iskoola Pota"/>
+        <a:font script="Mong" typeface="Mongolian Baiti"/>
+        <a:font script="Viet" typeface="Arial"/>
+        <a:font script="Uigh" typeface="Microsoft Uighur"/>
+        <a:font script="Geor" typeface="Sylfaen"/>
+        <a:font script="Armn" typeface="Arial"/>
+        <a:font script="Bugi" typeface="Leelawadee UI"/>
+        <a:font script="Bopo" typeface="Microsoft JhengHei"/>
+        <a:font script="Java" typeface="Javanese Text"/>
+        <a:font script="Lisu" typeface="Segoe UI"/>
+        <a:font script="Mymr" typeface="Myanmar Text"/>
+        <a:font script="Nkoo" typeface="Ebrima"/>
+        <a:font script="Olck" typeface="Nirmala UI"/>
+        <a:font script="Osma" typeface="Ebrima"/>
+        <a:font script="Phag" typeface="Phagspa"/>
+        <a:font script="Syrn" typeface="Estrangelo Edessa"/>
+        <a:font script="Syrj" typeface="Estrangelo Edessa"/>
+        <a:font script="Syre" typeface="Estrangelo Edessa"/>
+        <a:font script="Sora" typeface="Nirmala UI"/>
+        <a:font script="Tale" typeface="Microsoft Tai Le"/>
+        <a:font script="Talu" typeface="Microsoft New Tai Lue"/>
+        <a:font script="Tfng" typeface="Ebrima"/>
+      </a:minorFont>
+    </a:fontScheme>
+    <a:fmtScheme name="Office">
+      <a:fillStyleLst>
+        <a:solidFill>
+          <a:schemeClr val="phClr"/>
+        </a:solidFill>
+        <a:gradFill rotWithShape="1">
+          <a:gsLst>
+            <a:gs pos="0">
+              <a:schemeClr val="phClr">
+                <a:lumMod val="110000"/>
+                <a:satMod val="105000"/>
+                <a:tint val="67000"/>
+              </a:schemeClr>
+            </a:gs>
+            <a:gs pos="50000">
+              <a:schemeClr val="phClr">
+                <a:lumMod val="105000"/>
+                <a:satMod val="103000"/>
+                <a:tint val="73000"/>
+              </a:schemeClr>
+            </a:gs>
+            <a:gs pos="100000">
+              <a:schemeClr val="phClr">
+                <a:lumMod val="105000"/>
+                <a:satMod val="109000"/>
+                <a:tint val="81000"/>
+              </a:schemeClr>
+            </a:gs>
+          </a:gsLst>
+          <a:lin ang="5400000" scaled="0"/>
+        </a:gradFill>
+        <a:gradFill rotWithShape="1">
+          <a:gsLst>
+            <a:gs pos="0">
+              <a:schemeClr val="phClr">
+                <a:satMod val="103000"/>
+                <a:lumMod val="102000"/>
+                <a:tint val="94000"/>
+              </a:schemeClr>
+            </a:gs>
+            <a:gs pos="50000">
+              <a:schemeClr val="phClr">
+                <a:satMod val="110000"/>
+                <a:lumMod val="100000"/>
+                <a:shade val="100000"/>
+              </a:schemeClr>
+            </a:gs>
+            <a:gs pos="100000">
+              <a:schemeClr val="phClr">
+                <a:lumMod val="99000"/>
+                <a:satMod val="120000"/>
+                <a:shade val="78000"/>
+              </a:schemeClr>
+            </a:gs>
+          </a:gsLst>
+          <a:lin ang="5400000" scaled="0"/>
+        </a:gradFill>
+      </a:fillStyleLst>
+      <a:lnStyleLst>
+        <a:ln w="6350" cap="flat" cmpd="sng" algn="ctr">
+          <a:solidFill>
+            <a:schemeClr val="phClr"/>
+          </a:solidFill>
+          <a:prstDash val="solid"/>
+          <a:miter lim="800000"/>
+        </a:ln>
+        <a:ln w="12700" cap="flat" cmpd="sng" algn="ctr">
+          <a:solidFill>
+            <a:schemeClr val="phClr"/>
+          </a:solidFill>
+          <a:prstDash val="solid"/>
+          <a:miter lim="800000"/>
+        </a:ln>
+        <a:ln w="19050" cap="flat" cmpd="sng" algn="ctr">
+          <a:solidFill>
+            <a:schemeClr val="phClr"/>
+          </a:solidFill>
+          <a:prstDash val="solid"/>
+          <a:miter lim="800000"/>
+        </a:ln>
+      </a:lnStyleLst>
+      <a:effectStyleLst>
+        <a:effectStyle>
+          <a:effectLst/>
+        </a:effectStyle>
+        <a:effectStyle>
+          <a:effectLst/>
+        </a:effectStyle>
+        <a:effectStyle>
+          <a:effectLst>
+            <a:outerShdw blurRad="57150" dist="19050" dir="5400000" algn="ctr" rotWithShape="0">
+              <a:srgbClr val="000000">
+                <a:alpha val="63000"/>
+              </a:srgbClr>
+            </a:outerShdw>
+          </a:effectLst>
+        </a:effectStyle>
+      </a:effectStyleLst>
+      <a:bgFillStyleLst>
+        <a:solidFill>
+          <a:schemeClr val="phClr"/>
+        </a:solidFill>
+        <a:solidFill>
+          <a:schemeClr val="phClr">
+            <a:tint val="95000"/>
+            <a:satMod val="170000"/>
+          </a:schemeClr>
+        </a:solidFill>
+        <a:gradFill rotWithShape="1">
+          <a:gsLst>
+            <a:gs pos="0">
+              <a:schemeClr val="phClr">
+                <a:tint val="93000"/>
+                <a:satMod val="150000"/>
+                <a:shade val="98000"/>
+                <a:lumMod val="102000"/>
+              </a:schemeClr>
+            </a:gs>
+            <a:gs pos="50000">
+              <a:schemeClr val="phClr">
+                <a:tint val="98000"/>
+                <a:satMod val="130000"/>
+                <a:shade val="90000"/>
+                <a:lumMod val="103000"/>
+              </a:schemeClr>
+            </a:gs>
+            <a:gs pos="100000">
+              <a:schemeClr val="phClr">
+                <a:shade val="63000"/>
+                <a:satMod val="120000"/>
+              </a:schemeClr>
+            </a:gs>
+          </a:gsLst>
+          <a:lin ang="5400000" scaled="0"/>
+        </a:gradFill>
+      </a:bgFillStyleLst>
+    </a:fmtScheme>
+  </a:themeElements>
+  <a:objectDefaults/>
+  <a:extraClrSchemeLst/>
+  <a:extLst>
+    <a:ext uri="{05A4C25C-085E-4340-85A3-A5531E510DB2}">
+      <thm15:themeFamily xmlns:thm15="http://schemas.microsoft.com/office/thememl/2012/main" name="Office Theme" id="{62F939B6-93AF-4DB8-9C6B-D6C7DFDC589F}" vid="{4A3C46E8-61CC-4603-A589-7422A47A8E4A}"/>
+    </a:ext>
+  </a:extLst>
+</a:theme>
 </file>
--- a/Presentation/PresentationIterations/v1/v1.pptx
+++ b/Presentation/PresentationIterations/v1/v1.pptx
@@ -122,6 +122,11 @@
       </a:defRPr>
     </a:lvl9pPr>
   </p:defaultTextStyle>
+  <p:extLst>
+    <p:ext uri="{EFAFB233-063F-42B5-8137-9DF3F51BA10A}">
+      <p15:sldGuideLst xmlns:p15="http://schemas.microsoft.com/office/powerpoint/2012/main"/>
+    </p:ext>
+  </p:extLst>
 </p:presentation>
 </file>
 
@@ -12347,8 +12352,8 @@
           </a:p>
         </p:txBody>
       </p:sp>
-      <mc:AlternateContent xmlns:mc="http://schemas.openxmlformats.org/markup-compatibility/2006">
-        <mc:Choice xmlns:a14="http://schemas.microsoft.com/office/drawing/2010/main" Requires="a14">
+      <mc:AlternateContent xmlns:mc="http://schemas.openxmlformats.org/markup-compatibility/2006" xmlns:a14="http://schemas.microsoft.com/office/drawing/2010/main">
+        <mc:Choice Requires="a14">
           <p:sp>
             <p:nvSpPr>
               <p:cNvPr id="8" name="TextBox 7">
@@ -12460,13 +12465,7 @@
                       <a:rPr lang="en-US" sz="2400" b="0" i="1" smtClean="0">
                         <a:latin typeface="Cambria Math" panose="02040503050406030204" pitchFamily="18" charset="0"/>
                       </a:rPr>
-                      <m:t>,</m:t>
-                    </m:r>
-                    <m:r>
-                      <a:rPr lang="en-US" sz="2400" b="0" i="1" smtClean="0">
-                        <a:latin typeface="Cambria Math" panose="02040503050406030204" pitchFamily="18" charset="0"/>
-                      </a:rPr>
-                      <m:t> </m:t>
+                      <m:t>, </m:t>
                     </m:r>
                   </m:oMath>
                 </a14:m>
@@ -12551,7 +12550,7 @@
             </p:txBody>
           </p:sp>
         </mc:Choice>
-        <mc:Fallback>
+        <mc:Fallback xmlns="">
           <p:sp>
             <p:nvSpPr>
               <p:cNvPr id="8" name="TextBox 7">
@@ -12639,7 +12638,7 @@
                 <a:pPr algn="ctr"/>
                 <a:r>
                   <a:rPr lang="en-US" sz="2400" dirty="0"/>
-                  <a:t>The set of weight vector corresponding to the input  </a:t>
+                  <a:t>The set of weight vectors corresponding to the input  </a:t>
                 </a:r>
                 <a14:m>
                   <m:oMath xmlns:m="http://schemas.openxmlformats.org/officeDocument/2006/math">
@@ -12736,13 +12735,13 @@
                           <a:rPr lang="en-US" sz="2400" b="0" i="1" smtClean="0">
                             <a:latin typeface="Cambria Math" panose="02040503050406030204" pitchFamily="18" charset="0"/>
                           </a:rPr>
-                          <m:t>1</m:t>
+                          <m:t>𝑗</m:t>
                         </m:r>
                         <m:r>
                           <a:rPr lang="en-US" sz="2400" b="0" i="1" smtClean="0">
                             <a:latin typeface="Cambria Math" panose="02040503050406030204" pitchFamily="18" charset="0"/>
                           </a:rPr>
-                          <m:t>𝑗</m:t>
+                          <m:t>1</m:t>
                         </m:r>
                       </m:sub>
                     </m:sSub>
@@ -12765,6 +12764,12 @@
                           <a:rPr lang="en-US" sz="2400" b="0" i="1" smtClean="0">
                             <a:latin typeface="Cambria Math" panose="02040503050406030204" pitchFamily="18" charset="0"/>
                           </a:rPr>
+                          <m:t>,</m:t>
+                        </m:r>
+                        <m:r>
+                          <a:rPr lang="en-US" sz="2400" b="0" i="1" smtClean="0">
+                            <a:latin typeface="Cambria Math" panose="02040503050406030204" pitchFamily="18" charset="0"/>
+                          </a:rPr>
                           <m:t>𝑤</m:t>
                         </m:r>
                       </m:e>
@@ -12773,7 +12778,7 @@
                           <a:rPr lang="en-US" sz="2400" b="0" i="1" smtClean="0">
                             <a:latin typeface="Cambria Math" panose="02040503050406030204" pitchFamily="18" charset="0"/>
                           </a:rPr>
-                          <m:t>𝐾𝐿𝑗</m:t>
+                          <m:t>𝑗𝑀</m:t>
                         </m:r>
                       </m:sub>
                     </m:sSub>
@@ -12846,7 +12851,7 @@
               <a:blipFill>
                 <a:blip r:embed="rId5"/>
                 <a:stretch>
-                  <a:fillRect t="-3030" r="-1883" b="-6061"/>
+                  <a:fillRect l="-942" t="-3030" r="-2637" b="-6061"/>
                 </a:stretch>
               </a:blipFill>
               <a:ln>
@@ -13007,6 +13012,7 @@
                 </a:r>
               </a:p>
               <a:p>
+                <a:pPr/>
                 <a14:m>
                   <m:oMathPara xmlns:m="http://schemas.openxmlformats.org/officeDocument/2006/math">
                     <m:oMathParaPr>
@@ -13251,13 +13257,7 @@
                                             <a:rPr lang="en-US" sz="2400" b="0" i="1" smtClean="0">
                                               <a:latin typeface="Cambria Math" panose="02040503050406030204" pitchFamily="18" charset="0"/>
                                             </a:rPr>
-                                            <m:t>𝑟</m:t>
-                                          </m:r>
-                                          <m:r>
-                                            <a:rPr lang="en-US" sz="2400" b="0" i="1" smtClean="0">
-                                              <a:latin typeface="Cambria Math" panose="02040503050406030204" pitchFamily="18" charset="0"/>
-                                            </a:rPr>
-                                            <m:t>𝑀</m:t>
+                                            <m:t>𝑟𝑀</m:t>
                                           </m:r>
                                         </m:sub>
                                       </m:sSub>
@@ -13288,13 +13288,13 @@
                                             <a:rPr lang="en-US" sz="2400" b="0" i="1" smtClean="0">
                                               <a:latin typeface="Cambria Math" panose="02040503050406030204" pitchFamily="18" charset="0"/>
                                             </a:rPr>
-                                            <m:t>𝐾𝐿</m:t>
+                                            <m:t>𝑗</m:t>
                                           </m:r>
                                           <m:r>
                                             <a:rPr lang="en-US" sz="2400" b="0" i="1" smtClean="0">
                                               <a:latin typeface="Cambria Math" panose="02040503050406030204" pitchFamily="18" charset="0"/>
                                             </a:rPr>
-                                            <m:t>𝑗</m:t>
+                                            <m:t>𝑀</m:t>
                                           </m:r>
                                         </m:sub>
                                       </m:sSub>
@@ -13373,8 +13373,8 @@
           </p:sp>
         </mc:Fallback>
       </mc:AlternateContent>
-      <mc:AlternateContent xmlns:mc="http://schemas.openxmlformats.org/markup-compatibility/2006">
-        <mc:Choice xmlns:a14="http://schemas.microsoft.com/office/drawing/2010/main" Requires="a14">
+      <mc:AlternateContent xmlns:mc="http://schemas.openxmlformats.org/markup-compatibility/2006" xmlns:a14="http://schemas.microsoft.com/office/drawing/2010/main">
+        <mc:Choice Requires="a14">
           <p:sp>
             <p:nvSpPr>
               <p:cNvPr id="24" name="TextBox 23">
@@ -13652,7 +13652,7 @@
             </p:txBody>
           </p:sp>
         </mc:Choice>
-        <mc:Fallback>
+        <mc:Fallback xmlns="">
           <p:sp>
             <p:nvSpPr>
               <p:cNvPr id="24" name="TextBox 23">
@@ -13697,8 +13697,8 @@
           </p:sp>
         </mc:Fallback>
       </mc:AlternateContent>
-      <mc:AlternateContent xmlns:mc="http://schemas.openxmlformats.org/markup-compatibility/2006">
-        <mc:Choice xmlns:a14="http://schemas.microsoft.com/office/drawing/2010/main" Requires="a14">
+      <mc:AlternateContent xmlns:mc="http://schemas.openxmlformats.org/markup-compatibility/2006" xmlns:a14="http://schemas.microsoft.com/office/drawing/2010/main">
+        <mc:Choice Requires="a14">
           <p:sp>
             <p:nvSpPr>
               <p:cNvPr id="25" name="Rectangle 24">
@@ -13972,7 +13972,7 @@
             </p:txBody>
           </p:sp>
         </mc:Choice>
-        <mc:Fallback>
+        <mc:Fallback xmlns="">
           <p:sp>
             <p:nvSpPr>
               <p:cNvPr id="25" name="Rectangle 24">
